--- a/Paper/Fast R-CNN.pptx
+++ b/Paper/Fast R-CNN.pptx
@@ -7,10 +7,12 @@
   <p:sldIdLst>
     <p:sldId id="256" r:id="rId2"/>
     <p:sldId id="257" r:id="rId3"/>
-    <p:sldId id="258" r:id="rId4"/>
-    <p:sldId id="259" r:id="rId5"/>
-    <p:sldId id="260" r:id="rId6"/>
-    <p:sldId id="261" r:id="rId7"/>
+    <p:sldId id="263" r:id="rId4"/>
+    <p:sldId id="262" r:id="rId5"/>
+    <p:sldId id="258" r:id="rId6"/>
+    <p:sldId id="259" r:id="rId7"/>
+    <p:sldId id="260" r:id="rId8"/>
+    <p:sldId id="261" r:id="rId9"/>
   </p:sldIdLst>
   <p:sldSz cx="12192000" cy="6858000"/>
   <p:notesSz cx="6858000" cy="9144000"/>
@@ -264,7 +266,7 @@
           <a:p>
             <a:fld id="{03D13F2D-659F-4A55-BA9D-957F5FCD9257}" type="datetimeFigureOut">
               <a:rPr lang="en-US" smtClean="0"/>
-              <a:t>4/1/2021</a:t>
+              <a:t>4/18/2021</a:t>
             </a:fld>
             <a:endParaRPr lang="en-US"/>
           </a:p>
@@ -462,7 +464,7 @@
           <a:p>
             <a:fld id="{03D13F2D-659F-4A55-BA9D-957F5FCD9257}" type="datetimeFigureOut">
               <a:rPr lang="en-US" smtClean="0"/>
-              <a:t>4/1/2021</a:t>
+              <a:t>4/18/2021</a:t>
             </a:fld>
             <a:endParaRPr lang="en-US"/>
           </a:p>
@@ -670,7 +672,7 @@
           <a:p>
             <a:fld id="{03D13F2D-659F-4A55-BA9D-957F5FCD9257}" type="datetimeFigureOut">
               <a:rPr lang="en-US" smtClean="0"/>
-              <a:t>4/1/2021</a:t>
+              <a:t>4/18/2021</a:t>
             </a:fld>
             <a:endParaRPr lang="en-US"/>
           </a:p>
@@ -868,7 +870,7 @@
           <a:p>
             <a:fld id="{03D13F2D-659F-4A55-BA9D-957F5FCD9257}" type="datetimeFigureOut">
               <a:rPr lang="en-US" smtClean="0"/>
-              <a:t>4/1/2021</a:t>
+              <a:t>4/18/2021</a:t>
             </a:fld>
             <a:endParaRPr lang="en-US"/>
           </a:p>
@@ -1143,7 +1145,7 @@
           <a:p>
             <a:fld id="{03D13F2D-659F-4A55-BA9D-957F5FCD9257}" type="datetimeFigureOut">
               <a:rPr lang="en-US" smtClean="0"/>
-              <a:t>4/1/2021</a:t>
+              <a:t>4/18/2021</a:t>
             </a:fld>
             <a:endParaRPr lang="en-US"/>
           </a:p>
@@ -1408,7 +1410,7 @@
           <a:p>
             <a:fld id="{03D13F2D-659F-4A55-BA9D-957F5FCD9257}" type="datetimeFigureOut">
               <a:rPr lang="en-US" smtClean="0"/>
-              <a:t>4/1/2021</a:t>
+              <a:t>4/18/2021</a:t>
             </a:fld>
             <a:endParaRPr lang="en-US"/>
           </a:p>
@@ -1820,7 +1822,7 @@
           <a:p>
             <a:fld id="{03D13F2D-659F-4A55-BA9D-957F5FCD9257}" type="datetimeFigureOut">
               <a:rPr lang="en-US" smtClean="0"/>
-              <a:t>4/1/2021</a:t>
+              <a:t>4/18/2021</a:t>
             </a:fld>
             <a:endParaRPr lang="en-US"/>
           </a:p>
@@ -1961,7 +1963,7 @@
           <a:p>
             <a:fld id="{03D13F2D-659F-4A55-BA9D-957F5FCD9257}" type="datetimeFigureOut">
               <a:rPr lang="en-US" smtClean="0"/>
-              <a:t>4/1/2021</a:t>
+              <a:t>4/18/2021</a:t>
             </a:fld>
             <a:endParaRPr lang="en-US"/>
           </a:p>
@@ -2074,7 +2076,7 @@
           <a:p>
             <a:fld id="{03D13F2D-659F-4A55-BA9D-957F5FCD9257}" type="datetimeFigureOut">
               <a:rPr lang="en-US" smtClean="0"/>
-              <a:t>4/1/2021</a:t>
+              <a:t>4/18/2021</a:t>
             </a:fld>
             <a:endParaRPr lang="en-US"/>
           </a:p>
@@ -2385,7 +2387,7 @@
           <a:p>
             <a:fld id="{03D13F2D-659F-4A55-BA9D-957F5FCD9257}" type="datetimeFigureOut">
               <a:rPr lang="en-US" smtClean="0"/>
-              <a:t>4/1/2021</a:t>
+              <a:t>4/18/2021</a:t>
             </a:fld>
             <a:endParaRPr lang="en-US"/>
           </a:p>
@@ -2673,7 +2675,7 @@
           <a:p>
             <a:fld id="{03D13F2D-659F-4A55-BA9D-957F5FCD9257}" type="datetimeFigureOut">
               <a:rPr lang="en-US" smtClean="0"/>
-              <a:t>4/1/2021</a:t>
+              <a:t>4/18/2021</a:t>
             </a:fld>
             <a:endParaRPr lang="en-US"/>
           </a:p>
@@ -2914,7 +2916,7 @@
           <a:p>
             <a:fld id="{03D13F2D-659F-4A55-BA9D-957F5FCD9257}" type="datetimeFigureOut">
               <a:rPr lang="en-US" smtClean="0"/>
-              <a:t>4/1/2021</a:t>
+              <a:t>4/18/2021</a:t>
             </a:fld>
             <a:endParaRPr lang="en-US"/>
           </a:p>
@@ -3547,7 +3549,7 @@
           <p:cNvPr id="2" name="Title 1">
             <a:extLst>
               <a:ext uri="{FF2B5EF4-FFF2-40B4-BE49-F238E27FC236}">
-                <a16:creationId xmlns:a16="http://schemas.microsoft.com/office/drawing/2014/main" id="{9C3A7B7E-7EE1-408B-B686-FB580A1AB0A0}"/>
+                <a16:creationId xmlns:a16="http://schemas.microsoft.com/office/drawing/2014/main" id="{A5918626-C2FD-4D01-A8BF-DCEEF9582E20}"/>
               </a:ext>
             </a:extLst>
           </p:cNvPr>
@@ -3565,7 +3567,7 @@
           <a:p>
             <a:r>
               <a:rPr lang="en-US" dirty="0"/>
-              <a:t>Short Summary</a:t>
+              <a:t>What is CNN?</a:t>
             </a:r>
           </a:p>
         </p:txBody>
@@ -3575,7 +3577,7 @@
           <p:cNvPr id="3" name="Content Placeholder 2">
             <a:extLst>
               <a:ext uri="{FF2B5EF4-FFF2-40B4-BE49-F238E27FC236}">
-                <a16:creationId xmlns:a16="http://schemas.microsoft.com/office/drawing/2014/main" id="{A7F8374E-E94B-48BE-935A-63FD868342D4}"/>
+                <a16:creationId xmlns:a16="http://schemas.microsoft.com/office/drawing/2014/main" id="{5BA14961-3717-4740-9AF0-52F3D1414D00}"/>
               </a:ext>
             </a:extLst>
           </p:cNvPr>
@@ -3593,19 +3595,38 @@
           <a:p>
             <a:r>
               <a:rPr lang="en-US" dirty="0"/>
-              <a:t>Problems addressed:</a:t>
+              <a:t>Convolutional Neural Network</a:t>
             </a:r>
           </a:p>
           <a:p>
             <a:r>
               <a:rPr lang="en-US" dirty="0"/>
-              <a:t>Significance of the problems:</a:t>
+              <a:t>Input -&gt; Convolutional layer (transformed) -&gt; output</a:t>
             </a:r>
           </a:p>
           <a:p>
             <a:r>
               <a:rPr lang="en-US" dirty="0"/>
-              <a:t>Approach used to solve the problems:</a:t>
+              <a:t>Features</a:t>
+            </a:r>
+          </a:p>
+          <a:p>
+            <a:pPr lvl="1"/>
+            <a:r>
+              <a:rPr lang="en-US" dirty="0"/>
+              <a:t>Objects, textures, edges, shapes, etc.</a:t>
+            </a:r>
+          </a:p>
+          <a:p>
+            <a:r>
+              <a:rPr lang="en-US" dirty="0"/>
+              <a:t>Layers = Filters</a:t>
+            </a:r>
+          </a:p>
+          <a:p>
+            <a:r>
+              <a:rPr lang="en-US" dirty="0"/>
+              <a:t>Simple layers(edge 3x3) -&gt; intermediate layers(corners, shapes) -&gt; complicated layers(dog, cat)</a:t>
             </a:r>
           </a:p>
         </p:txBody>
@@ -3613,7 +3634,7 @@
     </p:spTree>
     <p:extLst>
       <p:ext uri="{BB962C8B-B14F-4D97-AF65-F5344CB8AC3E}">
-        <p14:creationId xmlns:p14="http://schemas.microsoft.com/office/powerpoint/2010/main" val="2525600589"/>
+        <p14:creationId xmlns:p14="http://schemas.microsoft.com/office/powerpoint/2010/main" val="4227201955"/>
       </p:ext>
     </p:extLst>
   </p:cSld>
@@ -3645,7 +3666,7 @@
           <p:cNvPr id="2" name="Title 1">
             <a:extLst>
               <a:ext uri="{FF2B5EF4-FFF2-40B4-BE49-F238E27FC236}">
-                <a16:creationId xmlns:a16="http://schemas.microsoft.com/office/drawing/2014/main" id="{19C82CCC-6D75-4055-815F-DDAD58C80BEE}"/>
+                <a16:creationId xmlns:a16="http://schemas.microsoft.com/office/drawing/2014/main" id="{E6566FFD-3A6C-4C51-BEDE-C2665D8B39C1}"/>
               </a:ext>
             </a:extLst>
           </p:cNvPr>
@@ -3663,7 +3684,7 @@
           <a:p>
             <a:r>
               <a:rPr lang="en-US" dirty="0"/>
-              <a:t>Assessment of strengths</a:t>
+              <a:t>What is R-CNN?</a:t>
             </a:r>
           </a:p>
         </p:txBody>
@@ -3673,7 +3694,7 @@
           <p:cNvPr id="3" name="Content Placeholder 2">
             <a:extLst>
               <a:ext uri="{FF2B5EF4-FFF2-40B4-BE49-F238E27FC236}">
-                <a16:creationId xmlns:a16="http://schemas.microsoft.com/office/drawing/2014/main" id="{00774AD3-767F-4055-99E4-0935A3DE504D}"/>
+                <a16:creationId xmlns:a16="http://schemas.microsoft.com/office/drawing/2014/main" id="{7A4C99A5-F247-4D14-9595-B1099DEB39F1}"/>
               </a:ext>
             </a:extLst>
           </p:cNvPr>
@@ -3691,15 +3712,83 @@
           <a:p>
             <a:r>
               <a:rPr lang="en-US" dirty="0"/>
-              <a:t>Why it was better than existing techniques at that time (2015)</a:t>
-            </a:r>
+              <a:t>Input image -&gt; selective search -&gt; initial segmentation -&gt; after many iteration -&gt; bounding box -&gt; into the CNN</a:t>
+            </a:r>
+          </a:p>
+          <a:p>
+            <a:r>
+              <a:rPr lang="en-US" dirty="0"/>
+              <a:t>Extract region proposal from bounding box -&gt; crop -&gt; CNN -&gt; classification</a:t>
+            </a:r>
+          </a:p>
+          <a:p>
+            <a:r>
+              <a:rPr lang="en-US" dirty="0">
+                <a:solidFill>
+                  <a:srgbClr val="FF0000"/>
+                </a:solidFill>
+              </a:rPr>
+              <a:t>Problem addressed:</a:t>
+            </a:r>
+          </a:p>
+          <a:p>
+            <a:pPr marL="457200" lvl="1" indent="0">
+              <a:buNone/>
+            </a:pPr>
+            <a:r>
+              <a:rPr lang="en-US" dirty="0">
+                <a:solidFill>
+                  <a:srgbClr val="FF0000"/>
+                </a:solidFill>
+              </a:rPr>
+              <a:t>Region loses detail when cropped to fit into the CNN.</a:t>
+            </a:r>
+          </a:p>
+          <a:p>
+            <a:pPr marL="457200" lvl="1" indent="0">
+              <a:buNone/>
+            </a:pPr>
+            <a:r>
+              <a:rPr lang="en-US" dirty="0">
+                <a:solidFill>
+                  <a:srgbClr val="FF0000"/>
+                </a:solidFill>
+              </a:rPr>
+              <a:t>There could be too much bounding box to pass to the CNN.</a:t>
+            </a:r>
+          </a:p>
+          <a:p>
+            <a:r>
+              <a:rPr lang="en-US" dirty="0"/>
+              <a:t>Significance of the problems:</a:t>
+            </a:r>
+          </a:p>
+          <a:p>
+            <a:pPr lvl="1"/>
+            <a:r>
+              <a:rPr lang="en-US">
+                <a:solidFill>
+                  <a:srgbClr val="FF0000"/>
+                </a:solidFill>
+              </a:rPr>
+              <a:t>Computationally </a:t>
+            </a:r>
+            <a:endParaRPr lang="en-US" dirty="0">
+              <a:solidFill>
+                <a:srgbClr val="FF0000"/>
+              </a:solidFill>
+            </a:endParaRPr>
+          </a:p>
+          <a:p>
+            <a:pPr lvl="1"/>
+            <a:endParaRPr lang="en-US" dirty="0"/>
           </a:p>
         </p:txBody>
       </p:sp>
     </p:spTree>
     <p:extLst>
       <p:ext uri="{BB962C8B-B14F-4D97-AF65-F5344CB8AC3E}">
-        <p14:creationId xmlns:p14="http://schemas.microsoft.com/office/powerpoint/2010/main" val="3886362596"/>
+        <p14:creationId xmlns:p14="http://schemas.microsoft.com/office/powerpoint/2010/main" val="4210663553"/>
       </p:ext>
     </p:extLst>
   </p:cSld>
@@ -3731,6 +3820,190 @@
           <p:cNvPr id="2" name="Title 1">
             <a:extLst>
               <a:ext uri="{FF2B5EF4-FFF2-40B4-BE49-F238E27FC236}">
+                <a16:creationId xmlns:a16="http://schemas.microsoft.com/office/drawing/2014/main" id="{9C3A7B7E-7EE1-408B-B686-FB580A1AB0A0}"/>
+              </a:ext>
+            </a:extLst>
+          </p:cNvPr>
+          <p:cNvSpPr>
+            <a:spLocks noGrp="1"/>
+          </p:cNvSpPr>
+          <p:nvPr>
+            <p:ph type="title"/>
+          </p:nvPr>
+        </p:nvSpPr>
+        <p:spPr/>
+        <p:txBody>
+          <a:bodyPr/>
+          <a:lstStyle/>
+          <a:p>
+            <a:r>
+              <a:rPr lang="en-US" dirty="0"/>
+              <a:t>Short Summary</a:t>
+            </a:r>
+          </a:p>
+        </p:txBody>
+      </p:sp>
+      <p:sp>
+        <p:nvSpPr>
+          <p:cNvPr id="3" name="Content Placeholder 2">
+            <a:extLst>
+              <a:ext uri="{FF2B5EF4-FFF2-40B4-BE49-F238E27FC236}">
+                <a16:creationId xmlns:a16="http://schemas.microsoft.com/office/drawing/2014/main" id="{A7F8374E-E94B-48BE-935A-63FD868342D4}"/>
+              </a:ext>
+            </a:extLst>
+          </p:cNvPr>
+          <p:cNvSpPr>
+            <a:spLocks noGrp="1"/>
+          </p:cNvSpPr>
+          <p:nvPr>
+            <p:ph idx="1"/>
+          </p:nvPr>
+        </p:nvSpPr>
+        <p:spPr/>
+        <p:txBody>
+          <a:bodyPr/>
+          <a:lstStyle/>
+          <a:p>
+            <a:r>
+              <a:rPr lang="en-US" dirty="0"/>
+              <a:t>Problems addressed:</a:t>
+            </a:r>
+          </a:p>
+          <a:p>
+            <a:r>
+              <a:rPr lang="en-US" dirty="0"/>
+              <a:t>Significance of the problems:</a:t>
+            </a:r>
+          </a:p>
+          <a:p>
+            <a:r>
+              <a:rPr lang="en-US" dirty="0"/>
+              <a:t>Approach used to solve the problems:</a:t>
+            </a:r>
+          </a:p>
+        </p:txBody>
+      </p:sp>
+    </p:spTree>
+    <p:extLst>
+      <p:ext uri="{BB962C8B-B14F-4D97-AF65-F5344CB8AC3E}">
+        <p14:creationId xmlns:p14="http://schemas.microsoft.com/office/powerpoint/2010/main" val="2525600589"/>
+      </p:ext>
+    </p:extLst>
+  </p:cSld>
+  <p:clrMapOvr>
+    <a:masterClrMapping/>
+  </p:clrMapOvr>
+</p:sld>
+</file>
+
+<file path=ppt/slides/slide6.xml><?xml version="1.0" encoding="utf-8"?>
+<p:sld xmlns:a="http://schemas.openxmlformats.org/drawingml/2006/main" xmlns:r="http://schemas.openxmlformats.org/officeDocument/2006/relationships" xmlns:p="http://schemas.openxmlformats.org/presentationml/2006/main">
+  <p:cSld>
+    <p:spTree>
+      <p:nvGrpSpPr>
+        <p:cNvPr id="1" name=""/>
+        <p:cNvGrpSpPr/>
+        <p:nvPr/>
+      </p:nvGrpSpPr>
+      <p:grpSpPr>
+        <a:xfrm>
+          <a:off x="0" y="0"/>
+          <a:ext cx="0" cy="0"/>
+          <a:chOff x="0" y="0"/>
+          <a:chExt cx="0" cy="0"/>
+        </a:xfrm>
+      </p:grpSpPr>
+      <p:sp>
+        <p:nvSpPr>
+          <p:cNvPr id="2" name="Title 1">
+            <a:extLst>
+              <a:ext uri="{FF2B5EF4-FFF2-40B4-BE49-F238E27FC236}">
+                <a16:creationId xmlns:a16="http://schemas.microsoft.com/office/drawing/2014/main" id="{19C82CCC-6D75-4055-815F-DDAD58C80BEE}"/>
+              </a:ext>
+            </a:extLst>
+          </p:cNvPr>
+          <p:cNvSpPr>
+            <a:spLocks noGrp="1"/>
+          </p:cNvSpPr>
+          <p:nvPr>
+            <p:ph type="title"/>
+          </p:nvPr>
+        </p:nvSpPr>
+        <p:spPr/>
+        <p:txBody>
+          <a:bodyPr/>
+          <a:lstStyle/>
+          <a:p>
+            <a:r>
+              <a:rPr lang="en-US" dirty="0"/>
+              <a:t>Assessment of strengths</a:t>
+            </a:r>
+          </a:p>
+        </p:txBody>
+      </p:sp>
+      <p:sp>
+        <p:nvSpPr>
+          <p:cNvPr id="3" name="Content Placeholder 2">
+            <a:extLst>
+              <a:ext uri="{FF2B5EF4-FFF2-40B4-BE49-F238E27FC236}">
+                <a16:creationId xmlns:a16="http://schemas.microsoft.com/office/drawing/2014/main" id="{00774AD3-767F-4055-99E4-0935A3DE504D}"/>
+              </a:ext>
+            </a:extLst>
+          </p:cNvPr>
+          <p:cNvSpPr>
+            <a:spLocks noGrp="1"/>
+          </p:cNvSpPr>
+          <p:nvPr>
+            <p:ph idx="1"/>
+          </p:nvPr>
+        </p:nvSpPr>
+        <p:spPr/>
+        <p:txBody>
+          <a:bodyPr/>
+          <a:lstStyle/>
+          <a:p>
+            <a:r>
+              <a:rPr lang="en-US" dirty="0"/>
+              <a:t>Why it was better than existing techniques at that time (2015)</a:t>
+            </a:r>
+          </a:p>
+        </p:txBody>
+      </p:sp>
+    </p:spTree>
+    <p:extLst>
+      <p:ext uri="{BB962C8B-B14F-4D97-AF65-F5344CB8AC3E}">
+        <p14:creationId xmlns:p14="http://schemas.microsoft.com/office/powerpoint/2010/main" val="3886362596"/>
+      </p:ext>
+    </p:extLst>
+  </p:cSld>
+  <p:clrMapOvr>
+    <a:masterClrMapping/>
+  </p:clrMapOvr>
+</p:sld>
+</file>
+
+<file path=ppt/slides/slide7.xml><?xml version="1.0" encoding="utf-8"?>
+<p:sld xmlns:a="http://schemas.openxmlformats.org/drawingml/2006/main" xmlns:r="http://schemas.openxmlformats.org/officeDocument/2006/relationships" xmlns:p="http://schemas.openxmlformats.org/presentationml/2006/main">
+  <p:cSld>
+    <p:spTree>
+      <p:nvGrpSpPr>
+        <p:cNvPr id="1" name=""/>
+        <p:cNvGrpSpPr/>
+        <p:nvPr/>
+      </p:nvGrpSpPr>
+      <p:grpSpPr>
+        <a:xfrm>
+          <a:off x="0" y="0"/>
+          <a:ext cx="0" cy="0"/>
+          <a:chOff x="0" y="0"/>
+          <a:chExt cx="0" cy="0"/>
+        </a:xfrm>
+      </p:grpSpPr>
+      <p:sp>
+        <p:nvSpPr>
+          <p:cNvPr id="2" name="Title 1">
+            <a:extLst>
+              <a:ext uri="{FF2B5EF4-FFF2-40B4-BE49-F238E27FC236}">
                 <a16:creationId xmlns:a16="http://schemas.microsoft.com/office/drawing/2014/main" id="{28E6A009-02DE-4BB4-8B73-F4234A45EE16}"/>
               </a:ext>
             </a:extLst>
@@ -3804,7 +4077,7 @@
 </p:sld>
 </file>
 
-<file path=ppt/slides/slide6.xml><?xml version="1.0" encoding="utf-8"?>
+<file path=ppt/slides/slide8.xml><?xml version="1.0" encoding="utf-8"?>
 <p:sld xmlns:a="http://schemas.openxmlformats.org/drawingml/2006/main" xmlns:r="http://schemas.openxmlformats.org/officeDocument/2006/relationships" xmlns:p="http://schemas.openxmlformats.org/presentationml/2006/main">
   <p:cSld>
     <p:spTree>

--- a/Paper/Fast R-CNN.pptx
+++ b/Paper/Fast R-CNN.pptx
@@ -2,17 +2,25 @@
 <file path=ppt/presentation.xml><?xml version="1.0" encoding="utf-8"?>
 <p:presentation xmlns:a="http://schemas.openxmlformats.org/drawingml/2006/main" xmlns:r="http://schemas.openxmlformats.org/officeDocument/2006/relationships" xmlns:p="http://schemas.openxmlformats.org/presentationml/2006/main" saveSubsetFonts="1">
   <p:sldMasterIdLst>
-    <p:sldMasterId id="2147483648" r:id="rId1"/>
+    <p:sldMasterId id="2147483660" r:id="rId1"/>
   </p:sldMasterIdLst>
   <p:sldIdLst>
     <p:sldId id="256" r:id="rId2"/>
     <p:sldId id="257" r:id="rId3"/>
-    <p:sldId id="263" r:id="rId4"/>
-    <p:sldId id="262" r:id="rId5"/>
-    <p:sldId id="258" r:id="rId6"/>
-    <p:sldId id="259" r:id="rId7"/>
-    <p:sldId id="260" r:id="rId8"/>
-    <p:sldId id="261" r:id="rId9"/>
+    <p:sldId id="258" r:id="rId4"/>
+    <p:sldId id="263" r:id="rId5"/>
+    <p:sldId id="270" r:id="rId6"/>
+    <p:sldId id="267" r:id="rId7"/>
+    <p:sldId id="262" r:id="rId8"/>
+    <p:sldId id="264" r:id="rId9"/>
+    <p:sldId id="266" r:id="rId10"/>
+    <p:sldId id="269" r:id="rId11"/>
+    <p:sldId id="268" r:id="rId12"/>
+    <p:sldId id="259" r:id="rId13"/>
+    <p:sldId id="271" r:id="rId14"/>
+    <p:sldId id="260" r:id="rId15"/>
+    <p:sldId id="265" r:id="rId16"/>
+    <p:sldId id="261" r:id="rId17"/>
   </p:sldIdLst>
   <p:sldSz cx="12192000" cy="6858000"/>
   <p:notesSz cx="6858000" cy="9144000"/>
@@ -20,7 +28,7 @@
     <a:defPPr>
       <a:defRPr lang="en-US"/>
     </a:defPPr>
-    <a:lvl1pPr marL="0" algn="l" defTabSz="914400" rtl="0" eaLnBrk="1" latinLnBrk="0" hangingPunct="1">
+    <a:lvl1pPr marL="0" algn="l" defTabSz="457200" rtl="0" eaLnBrk="1" latinLnBrk="0" hangingPunct="1">
       <a:defRPr sz="1800" kern="1200">
         <a:solidFill>
           <a:schemeClr val="tx1"/>
@@ -30,7 +38,7 @@
         <a:cs typeface="+mn-cs"/>
       </a:defRPr>
     </a:lvl1pPr>
-    <a:lvl2pPr marL="457200" algn="l" defTabSz="914400" rtl="0" eaLnBrk="1" latinLnBrk="0" hangingPunct="1">
+    <a:lvl2pPr marL="457200" algn="l" defTabSz="457200" rtl="0" eaLnBrk="1" latinLnBrk="0" hangingPunct="1">
       <a:defRPr sz="1800" kern="1200">
         <a:solidFill>
           <a:schemeClr val="tx1"/>
@@ -40,7 +48,7 @@
         <a:cs typeface="+mn-cs"/>
       </a:defRPr>
     </a:lvl2pPr>
-    <a:lvl3pPr marL="914400" algn="l" defTabSz="914400" rtl="0" eaLnBrk="1" latinLnBrk="0" hangingPunct="1">
+    <a:lvl3pPr marL="914400" algn="l" defTabSz="457200" rtl="0" eaLnBrk="1" latinLnBrk="0" hangingPunct="1">
       <a:defRPr sz="1800" kern="1200">
         <a:solidFill>
           <a:schemeClr val="tx1"/>
@@ -50,7 +58,7 @@
         <a:cs typeface="+mn-cs"/>
       </a:defRPr>
     </a:lvl3pPr>
-    <a:lvl4pPr marL="1371600" algn="l" defTabSz="914400" rtl="0" eaLnBrk="1" latinLnBrk="0" hangingPunct="1">
+    <a:lvl4pPr marL="1371600" algn="l" defTabSz="457200" rtl="0" eaLnBrk="1" latinLnBrk="0" hangingPunct="1">
       <a:defRPr sz="1800" kern="1200">
         <a:solidFill>
           <a:schemeClr val="tx1"/>
@@ -60,7 +68,7 @@
         <a:cs typeface="+mn-cs"/>
       </a:defRPr>
     </a:lvl4pPr>
-    <a:lvl5pPr marL="1828800" algn="l" defTabSz="914400" rtl="0" eaLnBrk="1" latinLnBrk="0" hangingPunct="1">
+    <a:lvl5pPr marL="1828800" algn="l" defTabSz="457200" rtl="0" eaLnBrk="1" latinLnBrk="0" hangingPunct="1">
       <a:defRPr sz="1800" kern="1200">
         <a:solidFill>
           <a:schemeClr val="tx1"/>
@@ -70,7 +78,7 @@
         <a:cs typeface="+mn-cs"/>
       </a:defRPr>
     </a:lvl5pPr>
-    <a:lvl6pPr marL="2286000" algn="l" defTabSz="914400" rtl="0" eaLnBrk="1" latinLnBrk="0" hangingPunct="1">
+    <a:lvl6pPr marL="2286000" algn="l" defTabSz="457200" rtl="0" eaLnBrk="1" latinLnBrk="0" hangingPunct="1">
       <a:defRPr sz="1800" kern="1200">
         <a:solidFill>
           <a:schemeClr val="tx1"/>
@@ -80,7 +88,7 @@
         <a:cs typeface="+mn-cs"/>
       </a:defRPr>
     </a:lvl6pPr>
-    <a:lvl7pPr marL="2743200" algn="l" defTabSz="914400" rtl="0" eaLnBrk="1" latinLnBrk="0" hangingPunct="1">
+    <a:lvl7pPr marL="2743200" algn="l" defTabSz="457200" rtl="0" eaLnBrk="1" latinLnBrk="0" hangingPunct="1">
       <a:defRPr sz="1800" kern="1200">
         <a:solidFill>
           <a:schemeClr val="tx1"/>
@@ -90,7 +98,7 @@
         <a:cs typeface="+mn-cs"/>
       </a:defRPr>
     </a:lvl7pPr>
-    <a:lvl8pPr marL="3200400" algn="l" defTabSz="914400" rtl="0" eaLnBrk="1" latinLnBrk="0" hangingPunct="1">
+    <a:lvl8pPr marL="3200400" algn="l" defTabSz="457200" rtl="0" eaLnBrk="1" latinLnBrk="0" hangingPunct="1">
       <a:defRPr sz="1800" kern="1200">
         <a:solidFill>
           <a:schemeClr val="tx1"/>
@@ -100,7 +108,7 @@
         <a:cs typeface="+mn-cs"/>
       </a:defRPr>
     </a:lvl8pPr>
-    <a:lvl9pPr marL="3657600" algn="l" defTabSz="914400" rtl="0" eaLnBrk="1" latinLnBrk="0" hangingPunct="1">
+    <a:lvl9pPr marL="3657600" algn="l" defTabSz="457200" rtl="0" eaLnBrk="1" latinLnBrk="0" hangingPunct="1">
       <a:defRPr sz="1800" kern="1200">
         <a:solidFill>
           <a:schemeClr val="tx1"/>
@@ -138,13 +146,7 @@
       </p:grpSpPr>
       <p:sp>
         <p:nvSpPr>
-          <p:cNvPr id="2" name="Title 1">
-            <a:extLst>
-              <a:ext uri="{FF2B5EF4-FFF2-40B4-BE49-F238E27FC236}">
-                <a16:creationId xmlns:a16="http://schemas.microsoft.com/office/drawing/2014/main" id="{BF3D23F0-9343-4A38-8A42-224F56958EB4}"/>
-              </a:ext>
-            </a:extLst>
-          </p:cNvPr>
+          <p:cNvPr id="2" name="Title 1"/>
           <p:cNvSpPr>
             <a:spLocks noGrp="1"/>
           </p:cNvSpPr>
@@ -154,15 +156,17 @@
         </p:nvSpPr>
         <p:spPr>
           <a:xfrm>
-            <a:off x="1524000" y="1122363"/>
-            <a:ext cx="9144000" cy="2387600"/>
+            <a:off x="2417779" y="802298"/>
+            <a:ext cx="8637073" cy="2541431"/>
           </a:xfrm>
         </p:spPr>
         <p:txBody>
-          <a:bodyPr anchor="b"/>
+          <a:bodyPr bIns="0" anchor="b">
+            <a:normAutofit/>
+          </a:bodyPr>
           <a:lstStyle>
-            <a:lvl1pPr algn="ctr">
-              <a:defRPr sz="6000"/>
+            <a:lvl1pPr algn="l">
+              <a:defRPr sz="6600"/>
             </a:lvl1pPr>
           </a:lstStyle>
           <a:p>
@@ -170,18 +174,13 @@
               <a:rPr lang="en-US"/>
               <a:t>Click to edit Master title style</a:t>
             </a:r>
-          </a:p>
-        </p:txBody>
-      </p:sp>
-      <p:sp>
-        <p:nvSpPr>
-          <p:cNvPr id="3" name="Subtitle 2">
-            <a:extLst>
-              <a:ext uri="{FF2B5EF4-FFF2-40B4-BE49-F238E27FC236}">
-                <a16:creationId xmlns:a16="http://schemas.microsoft.com/office/drawing/2014/main" id="{FAF9CFB9-A711-4ACA-8D14-51A23416B916}"/>
-              </a:ext>
-            </a:extLst>
-          </p:cNvPr>
+            <a:endParaRPr lang="en-US" dirty="0"/>
+          </a:p>
+        </p:txBody>
+      </p:sp>
+      <p:sp>
+        <p:nvSpPr>
+          <p:cNvPr id="3" name="Subtitle 2"/>
           <p:cNvSpPr>
             <a:spLocks noGrp="1"/>
           </p:cNvSpPr>
@@ -191,20 +190,26 @@
         </p:nvSpPr>
         <p:spPr>
           <a:xfrm>
-            <a:off x="1524000" y="3602038"/>
-            <a:ext cx="9144000" cy="1655762"/>
+            <a:off x="2417780" y="3531204"/>
+            <a:ext cx="8637072" cy="977621"/>
           </a:xfrm>
         </p:spPr>
         <p:txBody>
-          <a:bodyPr/>
+          <a:bodyPr tIns="91440" bIns="91440">
+            <a:normAutofit/>
+          </a:bodyPr>
           <a:lstStyle>
-            <a:lvl1pPr marL="0" indent="0" algn="ctr">
+            <a:lvl1pPr marL="0" indent="0" algn="l">
               <a:buNone/>
-              <a:defRPr sz="2400"/>
+              <a:defRPr sz="1800" b="0" cap="all" baseline="0">
+                <a:solidFill>
+                  <a:schemeClr val="tx1"/>
+                </a:solidFill>
+              </a:defRPr>
             </a:lvl1pPr>
             <a:lvl2pPr marL="457200" indent="0" algn="ctr">
               <a:buNone/>
-              <a:defRPr sz="2000"/>
+              <a:defRPr sz="1800"/>
             </a:lvl2pPr>
             <a:lvl3pPr marL="914400" indent="0" algn="ctr">
               <a:buNone/>
@@ -240,18 +245,13 @@
               <a:rPr lang="en-US"/>
               <a:t>Click to edit Master subtitle style</a:t>
             </a:r>
-          </a:p>
-        </p:txBody>
-      </p:sp>
-      <p:sp>
-        <p:nvSpPr>
-          <p:cNvPr id="4" name="Date Placeholder 3">
-            <a:extLst>
-              <a:ext uri="{FF2B5EF4-FFF2-40B4-BE49-F238E27FC236}">
-                <a16:creationId xmlns:a16="http://schemas.microsoft.com/office/drawing/2014/main" id="{724F9977-1430-4734-B7BB-A4263334B0EB}"/>
-              </a:ext>
-            </a:extLst>
-          </p:cNvPr>
+            <a:endParaRPr lang="en-US" dirty="0"/>
+          </a:p>
+        </p:txBody>
+      </p:sp>
+      <p:sp>
+        <p:nvSpPr>
+          <p:cNvPr id="4" name="Date Placeholder 3"/>
           <p:cNvSpPr>
             <a:spLocks noGrp="1"/>
           </p:cNvSpPr>
@@ -274,13 +274,7 @@
       </p:sp>
       <p:sp>
         <p:nvSpPr>
-          <p:cNvPr id="5" name="Footer Placeholder 4">
-            <a:extLst>
-              <a:ext uri="{FF2B5EF4-FFF2-40B4-BE49-F238E27FC236}">
-                <a16:creationId xmlns:a16="http://schemas.microsoft.com/office/drawing/2014/main" id="{7355AC77-520A-4A4E-9D64-750DF4140859}"/>
-              </a:ext>
-            </a:extLst>
-          </p:cNvPr>
+          <p:cNvPr id="5" name="Footer Placeholder 4"/>
           <p:cNvSpPr>
             <a:spLocks noGrp="1"/>
           </p:cNvSpPr>
@@ -288,7 +282,12 @@
             <p:ph type="ftr" sz="quarter" idx="11"/>
           </p:nvPr>
         </p:nvSpPr>
-        <p:spPr/>
+        <p:spPr>
+          <a:xfrm>
+            <a:off x="2416500" y="329307"/>
+            <a:ext cx="4973915" cy="309201"/>
+          </a:xfrm>
+        </p:spPr>
         <p:txBody>
           <a:bodyPr/>
           <a:lstStyle/>
@@ -299,13 +298,7 @@
       </p:sp>
       <p:sp>
         <p:nvSpPr>
-          <p:cNvPr id="6" name="Slide Number Placeholder 5">
-            <a:extLst>
-              <a:ext uri="{FF2B5EF4-FFF2-40B4-BE49-F238E27FC236}">
-                <a16:creationId xmlns:a16="http://schemas.microsoft.com/office/drawing/2014/main" id="{D9A0B7FC-A38B-41B9-97DE-793EF2D65F9A}"/>
-              </a:ext>
-            </a:extLst>
-          </p:cNvPr>
+          <p:cNvPr id="6" name="Slide Number Placeholder 5"/>
           <p:cNvSpPr>
             <a:spLocks noGrp="1"/>
           </p:cNvSpPr>
@@ -313,7 +306,12 @@
             <p:ph type="sldNum" sz="quarter" idx="12"/>
           </p:nvPr>
         </p:nvSpPr>
-        <p:spPr/>
+        <p:spPr>
+          <a:xfrm>
+            <a:off x="1437664" y="798973"/>
+            <a:ext cx="811019" cy="503578"/>
+          </a:xfrm>
+        </p:spPr>
         <p:txBody>
           <a:bodyPr/>
           <a:lstStyle/>
@@ -326,10 +324,41 @@
           </a:p>
         </p:txBody>
       </p:sp>
+      <p:cxnSp>
+        <p:nvCxnSpPr>
+          <p:cNvPr id="15" name="Straight Connector 14"/>
+          <p:cNvCxnSpPr/>
+          <p:nvPr/>
+        </p:nvCxnSpPr>
+        <p:spPr>
+          <a:xfrm>
+            <a:off x="2417780" y="3528542"/>
+            <a:ext cx="8637072" cy="0"/>
+          </a:xfrm>
+          <a:prstGeom prst="line">
+            <a:avLst/>
+          </a:prstGeom>
+          <a:ln w="31750"/>
+        </p:spPr>
+        <p:style>
+          <a:lnRef idx="3">
+            <a:schemeClr val="accent1"/>
+          </a:lnRef>
+          <a:fillRef idx="0">
+            <a:schemeClr val="accent1"/>
+          </a:fillRef>
+          <a:effectRef idx="2">
+            <a:schemeClr val="accent1"/>
+          </a:effectRef>
+          <a:fontRef idx="minor">
+            <a:schemeClr val="tx1"/>
+          </a:fontRef>
+        </p:style>
+      </p:cxnSp>
     </p:spTree>
     <p:extLst>
       <p:ext uri="{BB962C8B-B14F-4D97-AF65-F5344CB8AC3E}">
-        <p14:creationId xmlns:p14="http://schemas.microsoft.com/office/powerpoint/2010/main" val="2851414107"/>
+        <p14:creationId xmlns:p14="http://schemas.microsoft.com/office/powerpoint/2010/main" val="3752966979"/>
       </p:ext>
     </p:extLst>
   </p:cSld>
@@ -358,13 +387,7 @@
       </p:grpSpPr>
       <p:sp>
         <p:nvSpPr>
-          <p:cNvPr id="2" name="Title 1">
-            <a:extLst>
-              <a:ext uri="{FF2B5EF4-FFF2-40B4-BE49-F238E27FC236}">
-                <a16:creationId xmlns:a16="http://schemas.microsoft.com/office/drawing/2014/main" id="{C169E6A5-19B3-4023-8392-A94D2D625024}"/>
-              </a:ext>
-            </a:extLst>
-          </p:cNvPr>
+          <p:cNvPr id="2" name="Title 1"/>
           <p:cNvSpPr>
             <a:spLocks noGrp="1"/>
           </p:cNvSpPr>
@@ -381,18 +404,13 @@
               <a:rPr lang="en-US"/>
               <a:t>Click to edit Master title style</a:t>
             </a:r>
-          </a:p>
-        </p:txBody>
-      </p:sp>
-      <p:sp>
-        <p:nvSpPr>
-          <p:cNvPr id="3" name="Vertical Text Placeholder 2">
-            <a:extLst>
-              <a:ext uri="{FF2B5EF4-FFF2-40B4-BE49-F238E27FC236}">
-                <a16:creationId xmlns:a16="http://schemas.microsoft.com/office/drawing/2014/main" id="{0D36A3EC-9F93-4479-950D-38F474312471}"/>
-              </a:ext>
-            </a:extLst>
-          </p:cNvPr>
+            <a:endParaRPr lang="en-US" dirty="0"/>
+          </a:p>
+        </p:txBody>
+      </p:sp>
+      <p:sp>
+        <p:nvSpPr>
+          <p:cNvPr id="3" name="Vertical Text Placeholder 2"/>
           <p:cNvSpPr>
             <a:spLocks noGrp="1"/>
           </p:cNvSpPr>
@@ -438,18 +456,13 @@
               <a:rPr lang="en-US"/>
               <a:t>Fifth level</a:t>
             </a:r>
-          </a:p>
-        </p:txBody>
-      </p:sp>
-      <p:sp>
-        <p:nvSpPr>
-          <p:cNvPr id="4" name="Date Placeholder 3">
-            <a:extLst>
-              <a:ext uri="{FF2B5EF4-FFF2-40B4-BE49-F238E27FC236}">
-                <a16:creationId xmlns:a16="http://schemas.microsoft.com/office/drawing/2014/main" id="{8726630C-326D-421D-BED1-FD504DBFA4D7}"/>
-              </a:ext>
-            </a:extLst>
-          </p:cNvPr>
+            <a:endParaRPr lang="en-US" dirty="0"/>
+          </a:p>
+        </p:txBody>
+      </p:sp>
+      <p:sp>
+        <p:nvSpPr>
+          <p:cNvPr id="4" name="Date Placeholder 3"/>
           <p:cNvSpPr>
             <a:spLocks noGrp="1"/>
           </p:cNvSpPr>
@@ -472,13 +485,7 @@
       </p:sp>
       <p:sp>
         <p:nvSpPr>
-          <p:cNvPr id="5" name="Footer Placeholder 4">
-            <a:extLst>
-              <a:ext uri="{FF2B5EF4-FFF2-40B4-BE49-F238E27FC236}">
-                <a16:creationId xmlns:a16="http://schemas.microsoft.com/office/drawing/2014/main" id="{C124ABB1-4D3F-4313-87BD-C1AEE2294B03}"/>
-              </a:ext>
-            </a:extLst>
-          </p:cNvPr>
+          <p:cNvPr id="5" name="Footer Placeholder 4"/>
           <p:cNvSpPr>
             <a:spLocks noGrp="1"/>
           </p:cNvSpPr>
@@ -497,13 +504,7 @@
       </p:sp>
       <p:sp>
         <p:nvSpPr>
-          <p:cNvPr id="6" name="Slide Number Placeholder 5">
-            <a:extLst>
-              <a:ext uri="{FF2B5EF4-FFF2-40B4-BE49-F238E27FC236}">
-                <a16:creationId xmlns:a16="http://schemas.microsoft.com/office/drawing/2014/main" id="{9B1405A2-639B-4785-BB1C-A1DCB0F06A6F}"/>
-              </a:ext>
-            </a:extLst>
-          </p:cNvPr>
+          <p:cNvPr id="6" name="Slide Number Placeholder 5"/>
           <p:cNvSpPr>
             <a:spLocks noGrp="1"/>
           </p:cNvSpPr>
@@ -524,10 +525,41 @@
           </a:p>
         </p:txBody>
       </p:sp>
+      <p:cxnSp>
+        <p:nvCxnSpPr>
+          <p:cNvPr id="26" name="Straight Connector 25"/>
+          <p:cNvCxnSpPr/>
+          <p:nvPr/>
+        </p:nvCxnSpPr>
+        <p:spPr>
+          <a:xfrm>
+            <a:off x="1453896" y="1847088"/>
+            <a:ext cx="9607522" cy="0"/>
+          </a:xfrm>
+          <a:prstGeom prst="line">
+            <a:avLst/>
+          </a:prstGeom>
+          <a:ln w="31750"/>
+        </p:spPr>
+        <p:style>
+          <a:lnRef idx="3">
+            <a:schemeClr val="accent1"/>
+          </a:lnRef>
+          <a:fillRef idx="0">
+            <a:schemeClr val="accent1"/>
+          </a:fillRef>
+          <a:effectRef idx="2">
+            <a:schemeClr val="accent1"/>
+          </a:effectRef>
+          <a:fontRef idx="minor">
+            <a:schemeClr val="tx1"/>
+          </a:fontRef>
+        </p:style>
+      </p:cxnSp>
     </p:spTree>
     <p:extLst>
       <p:ext uri="{BB962C8B-B14F-4D97-AF65-F5344CB8AC3E}">
-        <p14:creationId xmlns:p14="http://schemas.microsoft.com/office/powerpoint/2010/main" val="603133136"/>
+        <p14:creationId xmlns:p14="http://schemas.microsoft.com/office/powerpoint/2010/main" val="1535389545"/>
       </p:ext>
     </p:extLst>
   </p:cSld>
@@ -556,13 +588,7 @@
       </p:grpSpPr>
       <p:sp>
         <p:nvSpPr>
-          <p:cNvPr id="2" name="Vertical Title 1">
-            <a:extLst>
-              <a:ext uri="{FF2B5EF4-FFF2-40B4-BE49-F238E27FC236}">
-                <a16:creationId xmlns:a16="http://schemas.microsoft.com/office/drawing/2014/main" id="{B192F1D6-C192-49B1-9D74-DB44175F9B7C}"/>
-              </a:ext>
-            </a:extLst>
-          </p:cNvPr>
+          <p:cNvPr id="2" name="Vertical Title 1"/>
           <p:cNvSpPr>
             <a:spLocks noGrp="1"/>
           </p:cNvSpPr>
@@ -572,30 +598,29 @@
         </p:nvSpPr>
         <p:spPr>
           <a:xfrm>
-            <a:off x="8724900" y="365125"/>
-            <a:ext cx="2628900" cy="5811838"/>
+            <a:off x="9439111" y="798973"/>
+            <a:ext cx="1615742" cy="4659889"/>
           </a:xfrm>
         </p:spPr>
         <p:txBody>
           <a:bodyPr vert="eaVert"/>
-          <a:lstStyle/>
+          <a:lstStyle>
+            <a:lvl1pPr algn="l">
+              <a:defRPr/>
+            </a:lvl1pPr>
+          </a:lstStyle>
           <a:p>
             <a:r>
               <a:rPr lang="en-US"/>
               <a:t>Click to edit Master title style</a:t>
             </a:r>
-          </a:p>
-        </p:txBody>
-      </p:sp>
-      <p:sp>
-        <p:nvSpPr>
-          <p:cNvPr id="3" name="Vertical Text Placeholder 2">
-            <a:extLst>
-              <a:ext uri="{FF2B5EF4-FFF2-40B4-BE49-F238E27FC236}">
-                <a16:creationId xmlns:a16="http://schemas.microsoft.com/office/drawing/2014/main" id="{A75728A3-D26A-4045-9A75-77D115FD58D9}"/>
-              </a:ext>
-            </a:extLst>
-          </p:cNvPr>
+            <a:endParaRPr lang="en-US" dirty="0"/>
+          </a:p>
+        </p:txBody>
+      </p:sp>
+      <p:sp>
+        <p:nvSpPr>
+          <p:cNvPr id="3" name="Vertical Text Placeholder 2"/>
           <p:cNvSpPr>
             <a:spLocks noGrp="1"/>
           </p:cNvSpPr>
@@ -605,8 +630,8 @@
         </p:nvSpPr>
         <p:spPr>
           <a:xfrm>
-            <a:off x="838200" y="365125"/>
-            <a:ext cx="7734300" cy="5811838"/>
+            <a:off x="1444672" y="798973"/>
+            <a:ext cx="7828830" cy="4659889"/>
           </a:xfrm>
         </p:spPr>
         <p:txBody>
@@ -646,18 +671,13 @@
               <a:rPr lang="en-US"/>
               <a:t>Fifth level</a:t>
             </a:r>
-          </a:p>
-        </p:txBody>
-      </p:sp>
-      <p:sp>
-        <p:nvSpPr>
-          <p:cNvPr id="4" name="Date Placeholder 3">
-            <a:extLst>
-              <a:ext uri="{FF2B5EF4-FFF2-40B4-BE49-F238E27FC236}">
-                <a16:creationId xmlns:a16="http://schemas.microsoft.com/office/drawing/2014/main" id="{E3468B95-6549-4456-9C06-7AF189875876}"/>
-              </a:ext>
-            </a:extLst>
-          </p:cNvPr>
+            <a:endParaRPr lang="en-US" dirty="0"/>
+          </a:p>
+        </p:txBody>
+      </p:sp>
+      <p:sp>
+        <p:nvSpPr>
+          <p:cNvPr id="4" name="Date Placeholder 3"/>
           <p:cNvSpPr>
             <a:spLocks noGrp="1"/>
           </p:cNvSpPr>
@@ -680,13 +700,7 @@
       </p:sp>
       <p:sp>
         <p:nvSpPr>
-          <p:cNvPr id="5" name="Footer Placeholder 4">
-            <a:extLst>
-              <a:ext uri="{FF2B5EF4-FFF2-40B4-BE49-F238E27FC236}">
-                <a16:creationId xmlns:a16="http://schemas.microsoft.com/office/drawing/2014/main" id="{DF888AB0-893E-4112-A98B-94FC149E1E30}"/>
-              </a:ext>
-            </a:extLst>
-          </p:cNvPr>
+          <p:cNvPr id="5" name="Footer Placeholder 4"/>
           <p:cNvSpPr>
             <a:spLocks noGrp="1"/>
           </p:cNvSpPr>
@@ -705,13 +719,7 @@
       </p:sp>
       <p:sp>
         <p:nvSpPr>
-          <p:cNvPr id="6" name="Slide Number Placeholder 5">
-            <a:extLst>
-              <a:ext uri="{FF2B5EF4-FFF2-40B4-BE49-F238E27FC236}">
-                <a16:creationId xmlns:a16="http://schemas.microsoft.com/office/drawing/2014/main" id="{8B11E6F6-203C-427B-B8D3-091E0B54CC6E}"/>
-              </a:ext>
-            </a:extLst>
-          </p:cNvPr>
+          <p:cNvPr id="6" name="Slide Number Placeholder 5"/>
           <p:cNvSpPr>
             <a:spLocks noGrp="1"/>
           </p:cNvSpPr>
@@ -732,10 +740,41 @@
           </a:p>
         </p:txBody>
       </p:sp>
+      <p:cxnSp>
+        <p:nvCxnSpPr>
+          <p:cNvPr id="15" name="Straight Connector 14"/>
+          <p:cNvCxnSpPr/>
+          <p:nvPr/>
+        </p:nvCxnSpPr>
+        <p:spPr>
+          <a:xfrm>
+            <a:off x="9439111" y="798973"/>
+            <a:ext cx="0" cy="4659889"/>
+          </a:xfrm>
+          <a:prstGeom prst="line">
+            <a:avLst/>
+          </a:prstGeom>
+          <a:ln w="31750"/>
+        </p:spPr>
+        <p:style>
+          <a:lnRef idx="3">
+            <a:schemeClr val="accent1"/>
+          </a:lnRef>
+          <a:fillRef idx="0">
+            <a:schemeClr val="accent1"/>
+          </a:fillRef>
+          <a:effectRef idx="2">
+            <a:schemeClr val="accent1"/>
+          </a:effectRef>
+          <a:fontRef idx="minor">
+            <a:schemeClr val="tx1"/>
+          </a:fontRef>
+        </p:style>
+      </p:cxnSp>
     </p:spTree>
     <p:extLst>
       <p:ext uri="{BB962C8B-B14F-4D97-AF65-F5344CB8AC3E}">
-        <p14:creationId xmlns:p14="http://schemas.microsoft.com/office/powerpoint/2010/main" val="4057766536"/>
+        <p14:creationId xmlns:p14="http://schemas.microsoft.com/office/powerpoint/2010/main" val="3724488539"/>
       </p:ext>
     </p:extLst>
   </p:cSld>
@@ -764,13 +803,7 @@
       </p:grpSpPr>
       <p:sp>
         <p:nvSpPr>
-          <p:cNvPr id="2" name="Title 1">
-            <a:extLst>
-              <a:ext uri="{FF2B5EF4-FFF2-40B4-BE49-F238E27FC236}">
-                <a16:creationId xmlns:a16="http://schemas.microsoft.com/office/drawing/2014/main" id="{0259E82F-43E9-44A6-B557-3F7C2F669020}"/>
-              </a:ext>
-            </a:extLst>
-          </p:cNvPr>
+          <p:cNvPr id="2" name="Title 1"/>
           <p:cNvSpPr>
             <a:spLocks noGrp="1"/>
           </p:cNvSpPr>
@@ -787,18 +820,13 @@
               <a:rPr lang="en-US"/>
               <a:t>Click to edit Master title style</a:t>
             </a:r>
-          </a:p>
-        </p:txBody>
-      </p:sp>
-      <p:sp>
-        <p:nvSpPr>
-          <p:cNvPr id="3" name="Content Placeholder 2">
-            <a:extLst>
-              <a:ext uri="{FF2B5EF4-FFF2-40B4-BE49-F238E27FC236}">
-                <a16:creationId xmlns:a16="http://schemas.microsoft.com/office/drawing/2014/main" id="{8DA2EC57-08B7-49A6-9E8C-244878835C83}"/>
-              </a:ext>
-            </a:extLst>
-          </p:cNvPr>
+            <a:endParaRPr lang="en-US" dirty="0"/>
+          </a:p>
+        </p:txBody>
+      </p:sp>
+      <p:sp>
+        <p:nvSpPr>
+          <p:cNvPr id="3" name="Content Placeholder 2"/>
           <p:cNvSpPr>
             <a:spLocks noGrp="1"/>
           </p:cNvSpPr>
@@ -808,7 +836,7 @@
         </p:nvSpPr>
         <p:spPr/>
         <p:txBody>
-          <a:bodyPr/>
+          <a:bodyPr anchor="t"/>
           <a:lstStyle/>
           <a:p>
             <a:pPr lvl="0"/>
@@ -844,18 +872,13 @@
               <a:rPr lang="en-US"/>
               <a:t>Fifth level</a:t>
             </a:r>
-          </a:p>
-        </p:txBody>
-      </p:sp>
-      <p:sp>
-        <p:nvSpPr>
-          <p:cNvPr id="4" name="Date Placeholder 3">
-            <a:extLst>
-              <a:ext uri="{FF2B5EF4-FFF2-40B4-BE49-F238E27FC236}">
-                <a16:creationId xmlns:a16="http://schemas.microsoft.com/office/drawing/2014/main" id="{076FAA26-62F5-4B60-8C3C-D32D9AC9F0BD}"/>
-              </a:ext>
-            </a:extLst>
-          </p:cNvPr>
+            <a:endParaRPr lang="en-US" dirty="0"/>
+          </a:p>
+        </p:txBody>
+      </p:sp>
+      <p:sp>
+        <p:nvSpPr>
+          <p:cNvPr id="4" name="Date Placeholder 3"/>
           <p:cNvSpPr>
             <a:spLocks noGrp="1"/>
           </p:cNvSpPr>
@@ -878,13 +901,7 @@
       </p:sp>
       <p:sp>
         <p:nvSpPr>
-          <p:cNvPr id="5" name="Footer Placeholder 4">
-            <a:extLst>
-              <a:ext uri="{FF2B5EF4-FFF2-40B4-BE49-F238E27FC236}">
-                <a16:creationId xmlns:a16="http://schemas.microsoft.com/office/drawing/2014/main" id="{2933B6DB-61BF-4ED1-A2B9-E6C8AA10DFCA}"/>
-              </a:ext>
-            </a:extLst>
-          </p:cNvPr>
+          <p:cNvPr id="5" name="Footer Placeholder 4"/>
           <p:cNvSpPr>
             <a:spLocks noGrp="1"/>
           </p:cNvSpPr>
@@ -903,13 +920,7 @@
       </p:sp>
       <p:sp>
         <p:nvSpPr>
-          <p:cNvPr id="6" name="Slide Number Placeholder 5">
-            <a:extLst>
-              <a:ext uri="{FF2B5EF4-FFF2-40B4-BE49-F238E27FC236}">
-                <a16:creationId xmlns:a16="http://schemas.microsoft.com/office/drawing/2014/main" id="{B9B75B95-8929-4CCF-B674-BC273EBB43D4}"/>
-              </a:ext>
-            </a:extLst>
-          </p:cNvPr>
+          <p:cNvPr id="6" name="Slide Number Placeholder 5"/>
           <p:cNvSpPr>
             <a:spLocks noGrp="1"/>
           </p:cNvSpPr>
@@ -930,10 +941,41 @@
           </a:p>
         </p:txBody>
       </p:sp>
+      <p:cxnSp>
+        <p:nvCxnSpPr>
+          <p:cNvPr id="33" name="Straight Connector 32"/>
+          <p:cNvCxnSpPr/>
+          <p:nvPr/>
+        </p:nvCxnSpPr>
+        <p:spPr>
+          <a:xfrm>
+            <a:off x="1453896" y="1847088"/>
+            <a:ext cx="9607522" cy="0"/>
+          </a:xfrm>
+          <a:prstGeom prst="line">
+            <a:avLst/>
+          </a:prstGeom>
+          <a:ln w="31750"/>
+        </p:spPr>
+        <p:style>
+          <a:lnRef idx="3">
+            <a:schemeClr val="accent1"/>
+          </a:lnRef>
+          <a:fillRef idx="0">
+            <a:schemeClr val="accent1"/>
+          </a:fillRef>
+          <a:effectRef idx="2">
+            <a:schemeClr val="accent1"/>
+          </a:effectRef>
+          <a:fontRef idx="minor">
+            <a:schemeClr val="tx1"/>
+          </a:fontRef>
+        </p:style>
+      </p:cxnSp>
     </p:spTree>
     <p:extLst>
       <p:ext uri="{BB962C8B-B14F-4D97-AF65-F5344CB8AC3E}">
-        <p14:creationId xmlns:p14="http://schemas.microsoft.com/office/powerpoint/2010/main" val="41953757"/>
+        <p14:creationId xmlns:p14="http://schemas.microsoft.com/office/powerpoint/2010/main" val="3079357157"/>
       </p:ext>
     </p:extLst>
   </p:cSld>
@@ -962,13 +1004,7 @@
       </p:grpSpPr>
       <p:sp>
         <p:nvSpPr>
-          <p:cNvPr id="2" name="Title 1">
-            <a:extLst>
-              <a:ext uri="{FF2B5EF4-FFF2-40B4-BE49-F238E27FC236}">
-                <a16:creationId xmlns:a16="http://schemas.microsoft.com/office/drawing/2014/main" id="{E02B6197-6452-46E5-B292-25872CAAE408}"/>
-              </a:ext>
-            </a:extLst>
-          </p:cNvPr>
+          <p:cNvPr id="2" name="Title 1"/>
           <p:cNvSpPr>
             <a:spLocks noGrp="1"/>
           </p:cNvSpPr>
@@ -978,15 +1014,17 @@
         </p:nvSpPr>
         <p:spPr>
           <a:xfrm>
-            <a:off x="831850" y="1709738"/>
-            <a:ext cx="10515600" cy="2852737"/>
+            <a:off x="1454239" y="1756130"/>
+            <a:ext cx="8643154" cy="1887950"/>
           </a:xfrm>
         </p:spPr>
         <p:txBody>
-          <a:bodyPr anchor="b"/>
+          <a:bodyPr anchor="b">
+            <a:normAutofit/>
+          </a:bodyPr>
           <a:lstStyle>
-            <a:lvl1pPr>
-              <a:defRPr sz="6000"/>
+            <a:lvl1pPr algn="l">
+              <a:defRPr sz="3600"/>
             </a:lvl1pPr>
           </a:lstStyle>
           <a:p>
@@ -994,18 +1032,13 @@
               <a:rPr lang="en-US"/>
               <a:t>Click to edit Master title style</a:t>
             </a:r>
-          </a:p>
-        </p:txBody>
-      </p:sp>
-      <p:sp>
-        <p:nvSpPr>
-          <p:cNvPr id="3" name="Text Placeholder 2">
-            <a:extLst>
-              <a:ext uri="{FF2B5EF4-FFF2-40B4-BE49-F238E27FC236}">
-                <a16:creationId xmlns:a16="http://schemas.microsoft.com/office/drawing/2014/main" id="{615AC018-80BB-470B-A72A-539D192C7CD1}"/>
-              </a:ext>
-            </a:extLst>
-          </p:cNvPr>
+            <a:endParaRPr lang="en-US" dirty="0"/>
+          </a:p>
+        </p:txBody>
+      </p:sp>
+      <p:sp>
+        <p:nvSpPr>
+          <p:cNvPr id="3" name="Text Placeholder 2"/>
           <p:cNvSpPr>
             <a:spLocks noGrp="1"/>
           </p:cNvSpPr>
@@ -1015,26 +1048,26 @@
         </p:nvSpPr>
         <p:spPr>
           <a:xfrm>
-            <a:off x="831850" y="4589463"/>
-            <a:ext cx="10515600" cy="1500187"/>
+            <a:off x="1454239" y="3806195"/>
+            <a:ext cx="8630446" cy="1012929"/>
           </a:xfrm>
         </p:spPr>
         <p:txBody>
-          <a:bodyPr/>
+          <a:bodyPr tIns="91440">
+            <a:normAutofit/>
+          </a:bodyPr>
           <a:lstStyle>
-            <a:lvl1pPr marL="0" indent="0">
+            <a:lvl1pPr marL="0" indent="0" algn="l">
               <a:buNone/>
-              <a:defRPr sz="2400">
-                <a:solidFill>
-                  <a:schemeClr val="tx1">
-                    <a:tint val="75000"/>
-                  </a:schemeClr>
+              <a:defRPr sz="1800">
+                <a:solidFill>
+                  <a:schemeClr val="tx1"/>
                 </a:solidFill>
               </a:defRPr>
             </a:lvl1pPr>
             <a:lvl2pPr marL="457200" indent="0">
               <a:buNone/>
-              <a:defRPr sz="2000">
+              <a:defRPr sz="1800">
                 <a:solidFill>
                   <a:schemeClr val="tx1">
                     <a:tint val="75000"/>
@@ -1124,13 +1157,7 @@
       </p:sp>
       <p:sp>
         <p:nvSpPr>
-          <p:cNvPr id="4" name="Date Placeholder 3">
-            <a:extLst>
-              <a:ext uri="{FF2B5EF4-FFF2-40B4-BE49-F238E27FC236}">
-                <a16:creationId xmlns:a16="http://schemas.microsoft.com/office/drawing/2014/main" id="{4FA8820D-0A61-4425-A5E2-38A6CCBD9A53}"/>
-              </a:ext>
-            </a:extLst>
-          </p:cNvPr>
+          <p:cNvPr id="4" name="Date Placeholder 3"/>
           <p:cNvSpPr>
             <a:spLocks noGrp="1"/>
           </p:cNvSpPr>
@@ -1153,13 +1180,7 @@
       </p:sp>
       <p:sp>
         <p:nvSpPr>
-          <p:cNvPr id="5" name="Footer Placeholder 4">
-            <a:extLst>
-              <a:ext uri="{FF2B5EF4-FFF2-40B4-BE49-F238E27FC236}">
-                <a16:creationId xmlns:a16="http://schemas.microsoft.com/office/drawing/2014/main" id="{78DB308D-47AC-42F2-BFAD-0553596AFB0D}"/>
-              </a:ext>
-            </a:extLst>
-          </p:cNvPr>
+          <p:cNvPr id="5" name="Footer Placeholder 4"/>
           <p:cNvSpPr>
             <a:spLocks noGrp="1"/>
           </p:cNvSpPr>
@@ -1178,13 +1199,7 @@
       </p:sp>
       <p:sp>
         <p:nvSpPr>
-          <p:cNvPr id="6" name="Slide Number Placeholder 5">
-            <a:extLst>
-              <a:ext uri="{FF2B5EF4-FFF2-40B4-BE49-F238E27FC236}">
-                <a16:creationId xmlns:a16="http://schemas.microsoft.com/office/drawing/2014/main" id="{F823CE76-D6AC-4F70-A81E-D3D7AA6BC6E8}"/>
-              </a:ext>
-            </a:extLst>
-          </p:cNvPr>
+          <p:cNvPr id="6" name="Slide Number Placeholder 5"/>
           <p:cNvSpPr>
             <a:spLocks noGrp="1"/>
           </p:cNvSpPr>
@@ -1205,10 +1220,41 @@
           </a:p>
         </p:txBody>
       </p:sp>
+      <p:cxnSp>
+        <p:nvCxnSpPr>
+          <p:cNvPr id="15" name="Straight Connector 14"/>
+          <p:cNvCxnSpPr/>
+          <p:nvPr/>
+        </p:nvCxnSpPr>
+        <p:spPr>
+          <a:xfrm>
+            <a:off x="1454239" y="3804985"/>
+            <a:ext cx="8630446" cy="0"/>
+          </a:xfrm>
+          <a:prstGeom prst="line">
+            <a:avLst/>
+          </a:prstGeom>
+          <a:ln w="31750"/>
+        </p:spPr>
+        <p:style>
+          <a:lnRef idx="3">
+            <a:schemeClr val="accent1"/>
+          </a:lnRef>
+          <a:fillRef idx="0">
+            <a:schemeClr val="accent1"/>
+          </a:fillRef>
+          <a:effectRef idx="2">
+            <a:schemeClr val="accent1"/>
+          </a:effectRef>
+          <a:fontRef idx="minor">
+            <a:schemeClr val="tx1"/>
+          </a:fontRef>
+        </p:style>
+      </p:cxnSp>
     </p:spTree>
     <p:extLst>
       <p:ext uri="{BB962C8B-B14F-4D97-AF65-F5344CB8AC3E}">
-        <p14:creationId xmlns:p14="http://schemas.microsoft.com/office/powerpoint/2010/main" val="3643699128"/>
+        <p14:creationId xmlns:p14="http://schemas.microsoft.com/office/powerpoint/2010/main" val="1313028874"/>
       </p:ext>
     </p:extLst>
   </p:cSld>
@@ -1237,13 +1283,7 @@
       </p:grpSpPr>
       <p:sp>
         <p:nvSpPr>
-          <p:cNvPr id="2" name="Title 1">
-            <a:extLst>
-              <a:ext uri="{FF2B5EF4-FFF2-40B4-BE49-F238E27FC236}">
-                <a16:creationId xmlns:a16="http://schemas.microsoft.com/office/drawing/2014/main" id="{6910142C-C6B9-469F-9E71-44CE61B69F91}"/>
-              </a:ext>
-            </a:extLst>
-          </p:cNvPr>
+          <p:cNvPr id="2" name="Title 1"/>
           <p:cNvSpPr>
             <a:spLocks noGrp="1"/>
           </p:cNvSpPr>
@@ -1251,7 +1291,12 @@
             <p:ph type="title"/>
           </p:nvPr>
         </p:nvSpPr>
-        <p:spPr/>
+        <p:spPr>
+          <a:xfrm>
+            <a:off x="1449217" y="804889"/>
+            <a:ext cx="9605635" cy="1059305"/>
+          </a:xfrm>
+        </p:spPr>
         <p:txBody>
           <a:bodyPr/>
           <a:lstStyle/>
@@ -1260,18 +1305,13 @@
               <a:rPr lang="en-US"/>
               <a:t>Click to edit Master title style</a:t>
             </a:r>
-          </a:p>
-        </p:txBody>
-      </p:sp>
-      <p:sp>
-        <p:nvSpPr>
-          <p:cNvPr id="3" name="Content Placeholder 2">
-            <a:extLst>
-              <a:ext uri="{FF2B5EF4-FFF2-40B4-BE49-F238E27FC236}">
-                <a16:creationId xmlns:a16="http://schemas.microsoft.com/office/drawing/2014/main" id="{9C51A3F4-0362-4C55-B6C4-345497198331}"/>
-              </a:ext>
-            </a:extLst>
-          </p:cNvPr>
+            <a:endParaRPr lang="en-US" dirty="0"/>
+          </a:p>
+        </p:txBody>
+      </p:sp>
+      <p:sp>
+        <p:nvSpPr>
+          <p:cNvPr id="3" name="Content Placeholder 2"/>
           <p:cNvSpPr>
             <a:spLocks noGrp="1"/>
           </p:cNvSpPr>
@@ -1281,8 +1321,8 @@
         </p:nvSpPr>
         <p:spPr>
           <a:xfrm>
-            <a:off x="838200" y="1825625"/>
-            <a:ext cx="5181600" cy="4351338"/>
+            <a:off x="1447331" y="2010878"/>
+            <a:ext cx="4645152" cy="3448595"/>
           </a:xfrm>
         </p:spPr>
         <p:txBody>
@@ -1322,18 +1362,13 @@
               <a:rPr lang="en-US"/>
               <a:t>Fifth level</a:t>
             </a:r>
-          </a:p>
-        </p:txBody>
-      </p:sp>
-      <p:sp>
-        <p:nvSpPr>
-          <p:cNvPr id="4" name="Content Placeholder 3">
-            <a:extLst>
-              <a:ext uri="{FF2B5EF4-FFF2-40B4-BE49-F238E27FC236}">
-                <a16:creationId xmlns:a16="http://schemas.microsoft.com/office/drawing/2014/main" id="{4DA7B527-2567-4B5E-B31F-4777340DF5D8}"/>
-              </a:ext>
-            </a:extLst>
-          </p:cNvPr>
+            <a:endParaRPr lang="en-US" dirty="0"/>
+          </a:p>
+        </p:txBody>
+      </p:sp>
+      <p:sp>
+        <p:nvSpPr>
+          <p:cNvPr id="4" name="Content Placeholder 3"/>
           <p:cNvSpPr>
             <a:spLocks noGrp="1"/>
           </p:cNvSpPr>
@@ -1343,8 +1378,8 @@
         </p:nvSpPr>
         <p:spPr>
           <a:xfrm>
-            <a:off x="6172200" y="1825625"/>
-            <a:ext cx="5181600" cy="4351338"/>
+            <a:off x="6413771" y="2017343"/>
+            <a:ext cx="4645152" cy="3441520"/>
           </a:xfrm>
         </p:spPr>
         <p:txBody>
@@ -1384,18 +1419,13 @@
               <a:rPr lang="en-US"/>
               <a:t>Fifth level</a:t>
             </a:r>
-          </a:p>
-        </p:txBody>
-      </p:sp>
-      <p:sp>
-        <p:nvSpPr>
-          <p:cNvPr id="5" name="Date Placeholder 4">
-            <a:extLst>
-              <a:ext uri="{FF2B5EF4-FFF2-40B4-BE49-F238E27FC236}">
-                <a16:creationId xmlns:a16="http://schemas.microsoft.com/office/drawing/2014/main" id="{CF1D108D-3DE3-42E2-8C09-BA9B2AEFB7C3}"/>
-              </a:ext>
-            </a:extLst>
-          </p:cNvPr>
+            <a:endParaRPr lang="en-US" dirty="0"/>
+          </a:p>
+        </p:txBody>
+      </p:sp>
+      <p:sp>
+        <p:nvSpPr>
+          <p:cNvPr id="5" name="Date Placeholder 4"/>
           <p:cNvSpPr>
             <a:spLocks noGrp="1"/>
           </p:cNvSpPr>
@@ -1418,13 +1448,7 @@
       </p:sp>
       <p:sp>
         <p:nvSpPr>
-          <p:cNvPr id="6" name="Footer Placeholder 5">
-            <a:extLst>
-              <a:ext uri="{FF2B5EF4-FFF2-40B4-BE49-F238E27FC236}">
-                <a16:creationId xmlns:a16="http://schemas.microsoft.com/office/drawing/2014/main" id="{D0E44A2E-2FC6-4CFB-BF48-21AD904AA30B}"/>
-              </a:ext>
-            </a:extLst>
-          </p:cNvPr>
+          <p:cNvPr id="6" name="Footer Placeholder 5"/>
           <p:cNvSpPr>
             <a:spLocks noGrp="1"/>
           </p:cNvSpPr>
@@ -1443,13 +1467,7 @@
       </p:sp>
       <p:sp>
         <p:nvSpPr>
-          <p:cNvPr id="7" name="Slide Number Placeholder 6">
-            <a:extLst>
-              <a:ext uri="{FF2B5EF4-FFF2-40B4-BE49-F238E27FC236}">
-                <a16:creationId xmlns:a16="http://schemas.microsoft.com/office/drawing/2014/main" id="{563D3129-0436-4594-8F9E-E309FDB918B3}"/>
-              </a:ext>
-            </a:extLst>
-          </p:cNvPr>
+          <p:cNvPr id="7" name="Slide Number Placeholder 6"/>
           <p:cNvSpPr>
             <a:spLocks noGrp="1"/>
           </p:cNvSpPr>
@@ -1470,10 +1488,41 @@
           </a:p>
         </p:txBody>
       </p:sp>
+      <p:cxnSp>
+        <p:nvCxnSpPr>
+          <p:cNvPr id="35" name="Straight Connector 34"/>
+          <p:cNvCxnSpPr/>
+          <p:nvPr/>
+        </p:nvCxnSpPr>
+        <p:spPr>
+          <a:xfrm>
+            <a:off x="1453896" y="1847088"/>
+            <a:ext cx="9607522" cy="0"/>
+          </a:xfrm>
+          <a:prstGeom prst="line">
+            <a:avLst/>
+          </a:prstGeom>
+          <a:ln w="31750"/>
+        </p:spPr>
+        <p:style>
+          <a:lnRef idx="3">
+            <a:schemeClr val="accent1"/>
+          </a:lnRef>
+          <a:fillRef idx="0">
+            <a:schemeClr val="accent1"/>
+          </a:fillRef>
+          <a:effectRef idx="2">
+            <a:schemeClr val="accent1"/>
+          </a:effectRef>
+          <a:fontRef idx="minor">
+            <a:schemeClr val="tx1"/>
+          </a:fontRef>
+        </p:style>
+      </p:cxnSp>
     </p:spTree>
     <p:extLst>
       <p:ext uri="{BB962C8B-B14F-4D97-AF65-F5344CB8AC3E}">
-        <p14:creationId xmlns:p14="http://schemas.microsoft.com/office/powerpoint/2010/main" val="2372040655"/>
+        <p14:creationId xmlns:p14="http://schemas.microsoft.com/office/powerpoint/2010/main" val="541619432"/>
       </p:ext>
     </p:extLst>
   </p:cSld>
@@ -1502,13 +1551,7 @@
       </p:grpSpPr>
       <p:sp>
         <p:nvSpPr>
-          <p:cNvPr id="2" name="Title 1">
-            <a:extLst>
-              <a:ext uri="{FF2B5EF4-FFF2-40B4-BE49-F238E27FC236}">
-                <a16:creationId xmlns:a16="http://schemas.microsoft.com/office/drawing/2014/main" id="{C4A6ED34-68BE-4AE0-B3DF-B298DF0D681C}"/>
-              </a:ext>
-            </a:extLst>
-          </p:cNvPr>
+          <p:cNvPr id="2" name="Title 1"/>
           <p:cNvSpPr>
             <a:spLocks noGrp="1"/>
           </p:cNvSpPr>
@@ -1518,8 +1561,8 @@
         </p:nvSpPr>
         <p:spPr>
           <a:xfrm>
-            <a:off x="839788" y="365125"/>
-            <a:ext cx="10515600" cy="1325563"/>
+            <a:off x="1447191" y="804163"/>
+            <a:ext cx="9607661" cy="1056319"/>
           </a:xfrm>
         </p:spPr>
         <p:txBody>
@@ -1530,18 +1573,13 @@
               <a:rPr lang="en-US"/>
               <a:t>Click to edit Master title style</a:t>
             </a:r>
-          </a:p>
-        </p:txBody>
-      </p:sp>
-      <p:sp>
-        <p:nvSpPr>
-          <p:cNvPr id="3" name="Text Placeholder 2">
-            <a:extLst>
-              <a:ext uri="{FF2B5EF4-FFF2-40B4-BE49-F238E27FC236}">
-                <a16:creationId xmlns:a16="http://schemas.microsoft.com/office/drawing/2014/main" id="{1670F906-73A0-4523-BCD1-C267F67CC3E6}"/>
-              </a:ext>
-            </a:extLst>
-          </p:cNvPr>
+            <a:endParaRPr lang="en-US" dirty="0"/>
+          </a:p>
+        </p:txBody>
+      </p:sp>
+      <p:sp>
+        <p:nvSpPr>
+          <p:cNvPr id="3" name="Text Placeholder 2"/>
           <p:cNvSpPr>
             <a:spLocks noGrp="1"/>
           </p:cNvSpPr>
@@ -1551,16 +1589,25 @@
         </p:nvSpPr>
         <p:spPr>
           <a:xfrm>
-            <a:off x="839788" y="1681163"/>
-            <a:ext cx="5157787" cy="823912"/>
+            <a:off x="1447191" y="2019549"/>
+            <a:ext cx="4645152" cy="801943"/>
           </a:xfrm>
         </p:spPr>
         <p:txBody>
-          <a:bodyPr anchor="b"/>
+          <a:bodyPr anchor="b">
+            <a:normAutofit/>
+          </a:bodyPr>
           <a:lstStyle>
             <a:lvl1pPr marL="0" indent="0">
+              <a:lnSpc>
+                <a:spcPct val="100000"/>
+              </a:lnSpc>
               <a:buNone/>
-              <a:defRPr sz="2400" b="1"/>
+              <a:defRPr sz="2200" b="0" cap="all" baseline="0">
+                <a:solidFill>
+                  <a:schemeClr val="accent1"/>
+                </a:solidFill>
+              </a:defRPr>
             </a:lvl1pPr>
             <a:lvl2pPr marL="457200" indent="0">
               <a:buNone/>
@@ -1606,13 +1653,7 @@
       </p:sp>
       <p:sp>
         <p:nvSpPr>
-          <p:cNvPr id="4" name="Content Placeholder 3">
-            <a:extLst>
-              <a:ext uri="{FF2B5EF4-FFF2-40B4-BE49-F238E27FC236}">
-                <a16:creationId xmlns:a16="http://schemas.microsoft.com/office/drawing/2014/main" id="{580456D9-1BA5-4578-A1E4-B174570DA57A}"/>
-              </a:ext>
-            </a:extLst>
-          </p:cNvPr>
+          <p:cNvPr id="4" name="Content Placeholder 3"/>
           <p:cNvSpPr>
             <a:spLocks noGrp="1"/>
           </p:cNvSpPr>
@@ -1622,8 +1663,8 @@
         </p:nvSpPr>
         <p:spPr>
           <a:xfrm>
-            <a:off x="839788" y="2505075"/>
-            <a:ext cx="5157787" cy="3684588"/>
+            <a:off x="1447191" y="2824269"/>
+            <a:ext cx="4645152" cy="2644457"/>
           </a:xfrm>
         </p:spPr>
         <p:txBody>
@@ -1663,18 +1704,13 @@
               <a:rPr lang="en-US"/>
               <a:t>Fifth level</a:t>
             </a:r>
-          </a:p>
-        </p:txBody>
-      </p:sp>
-      <p:sp>
-        <p:nvSpPr>
-          <p:cNvPr id="5" name="Text Placeholder 4">
-            <a:extLst>
-              <a:ext uri="{FF2B5EF4-FFF2-40B4-BE49-F238E27FC236}">
-                <a16:creationId xmlns:a16="http://schemas.microsoft.com/office/drawing/2014/main" id="{873CD86C-FE05-4947-93DA-4DAC1A636BFF}"/>
-              </a:ext>
-            </a:extLst>
-          </p:cNvPr>
+            <a:endParaRPr lang="en-US" dirty="0"/>
+          </a:p>
+        </p:txBody>
+      </p:sp>
+      <p:sp>
+        <p:nvSpPr>
+          <p:cNvPr id="5" name="Text Placeholder 4"/>
           <p:cNvSpPr>
             <a:spLocks noGrp="1"/>
           </p:cNvSpPr>
@@ -1684,16 +1720,25 @@
         </p:nvSpPr>
         <p:spPr>
           <a:xfrm>
-            <a:off x="6172200" y="1681163"/>
-            <a:ext cx="5183188" cy="823912"/>
+            <a:off x="6412362" y="2023003"/>
+            <a:ext cx="4645152" cy="802237"/>
           </a:xfrm>
         </p:spPr>
         <p:txBody>
-          <a:bodyPr anchor="b"/>
+          <a:bodyPr anchor="b">
+            <a:normAutofit/>
+          </a:bodyPr>
           <a:lstStyle>
             <a:lvl1pPr marL="0" indent="0">
+              <a:lnSpc>
+                <a:spcPct val="100000"/>
+              </a:lnSpc>
               <a:buNone/>
-              <a:defRPr sz="2400" b="1"/>
+              <a:defRPr sz="2200" b="0" cap="all" baseline="0">
+                <a:solidFill>
+                  <a:schemeClr val="accent1"/>
+                </a:solidFill>
+              </a:defRPr>
             </a:lvl1pPr>
             <a:lvl2pPr marL="457200" indent="0">
               <a:buNone/>
@@ -1739,13 +1784,7 @@
       </p:sp>
       <p:sp>
         <p:nvSpPr>
-          <p:cNvPr id="6" name="Content Placeholder 5">
-            <a:extLst>
-              <a:ext uri="{FF2B5EF4-FFF2-40B4-BE49-F238E27FC236}">
-                <a16:creationId xmlns:a16="http://schemas.microsoft.com/office/drawing/2014/main" id="{0D6785A4-FA1D-4B2D-A803-9079D79DD634}"/>
-              </a:ext>
-            </a:extLst>
-          </p:cNvPr>
+          <p:cNvPr id="6" name="Content Placeholder 5"/>
           <p:cNvSpPr>
             <a:spLocks noGrp="1"/>
           </p:cNvSpPr>
@@ -1755,8 +1794,8 @@
         </p:nvSpPr>
         <p:spPr>
           <a:xfrm>
-            <a:off x="6172200" y="2505075"/>
-            <a:ext cx="5183188" cy="3684588"/>
+            <a:off x="6412362" y="2821491"/>
+            <a:ext cx="4645152" cy="2637371"/>
           </a:xfrm>
         </p:spPr>
         <p:txBody>
@@ -1796,18 +1835,13 @@
               <a:rPr lang="en-US"/>
               <a:t>Fifth level</a:t>
             </a:r>
-          </a:p>
-        </p:txBody>
-      </p:sp>
-      <p:sp>
-        <p:nvSpPr>
-          <p:cNvPr id="7" name="Date Placeholder 6">
-            <a:extLst>
-              <a:ext uri="{FF2B5EF4-FFF2-40B4-BE49-F238E27FC236}">
-                <a16:creationId xmlns:a16="http://schemas.microsoft.com/office/drawing/2014/main" id="{11FECE4D-6051-4945-8A9F-354024D27D81}"/>
-              </a:ext>
-            </a:extLst>
-          </p:cNvPr>
+            <a:endParaRPr lang="en-US" dirty="0"/>
+          </a:p>
+        </p:txBody>
+      </p:sp>
+      <p:sp>
+        <p:nvSpPr>
+          <p:cNvPr id="7" name="Date Placeholder 6"/>
           <p:cNvSpPr>
             <a:spLocks noGrp="1"/>
           </p:cNvSpPr>
@@ -1830,13 +1864,7 @@
       </p:sp>
       <p:sp>
         <p:nvSpPr>
-          <p:cNvPr id="8" name="Footer Placeholder 7">
-            <a:extLst>
-              <a:ext uri="{FF2B5EF4-FFF2-40B4-BE49-F238E27FC236}">
-                <a16:creationId xmlns:a16="http://schemas.microsoft.com/office/drawing/2014/main" id="{DC2E57D4-0EC2-413B-B116-9958BC36FA10}"/>
-              </a:ext>
-            </a:extLst>
-          </p:cNvPr>
+          <p:cNvPr id="8" name="Footer Placeholder 7"/>
           <p:cNvSpPr>
             <a:spLocks noGrp="1"/>
           </p:cNvSpPr>
@@ -1855,13 +1883,7 @@
       </p:sp>
       <p:sp>
         <p:nvSpPr>
-          <p:cNvPr id="9" name="Slide Number Placeholder 8">
-            <a:extLst>
-              <a:ext uri="{FF2B5EF4-FFF2-40B4-BE49-F238E27FC236}">
-                <a16:creationId xmlns:a16="http://schemas.microsoft.com/office/drawing/2014/main" id="{B8128D60-ACFE-4CF3-BACC-A214BCA71664}"/>
-              </a:ext>
-            </a:extLst>
-          </p:cNvPr>
+          <p:cNvPr id="9" name="Slide Number Placeholder 8"/>
           <p:cNvSpPr>
             <a:spLocks noGrp="1"/>
           </p:cNvSpPr>
@@ -1882,10 +1904,41 @@
           </a:p>
         </p:txBody>
       </p:sp>
+      <p:cxnSp>
+        <p:nvCxnSpPr>
+          <p:cNvPr id="29" name="Straight Connector 28"/>
+          <p:cNvCxnSpPr/>
+          <p:nvPr/>
+        </p:nvCxnSpPr>
+        <p:spPr>
+          <a:xfrm>
+            <a:off x="1453896" y="1847088"/>
+            <a:ext cx="9607522" cy="0"/>
+          </a:xfrm>
+          <a:prstGeom prst="line">
+            <a:avLst/>
+          </a:prstGeom>
+          <a:ln w="31750"/>
+        </p:spPr>
+        <p:style>
+          <a:lnRef idx="3">
+            <a:schemeClr val="accent1"/>
+          </a:lnRef>
+          <a:fillRef idx="0">
+            <a:schemeClr val="accent1"/>
+          </a:fillRef>
+          <a:effectRef idx="2">
+            <a:schemeClr val="accent1"/>
+          </a:effectRef>
+          <a:fontRef idx="minor">
+            <a:schemeClr val="tx1"/>
+          </a:fontRef>
+        </p:style>
+      </p:cxnSp>
     </p:spTree>
     <p:extLst>
       <p:ext uri="{BB962C8B-B14F-4D97-AF65-F5344CB8AC3E}">
-        <p14:creationId xmlns:p14="http://schemas.microsoft.com/office/powerpoint/2010/main" val="1936342250"/>
+        <p14:creationId xmlns:p14="http://schemas.microsoft.com/office/powerpoint/2010/main" val="1516640914"/>
       </p:ext>
     </p:extLst>
   </p:cSld>
@@ -1914,13 +1967,7 @@
       </p:grpSpPr>
       <p:sp>
         <p:nvSpPr>
-          <p:cNvPr id="2" name="Title 1">
-            <a:extLst>
-              <a:ext uri="{FF2B5EF4-FFF2-40B4-BE49-F238E27FC236}">
-                <a16:creationId xmlns:a16="http://schemas.microsoft.com/office/drawing/2014/main" id="{34AC3AFA-3FC5-43D8-AEFE-B2B7DAC39D80}"/>
-              </a:ext>
-            </a:extLst>
-          </p:cNvPr>
+          <p:cNvPr id="2" name="Title 1"/>
           <p:cNvSpPr>
             <a:spLocks noGrp="1"/>
           </p:cNvSpPr>
@@ -1937,18 +1984,13 @@
               <a:rPr lang="en-US"/>
               <a:t>Click to edit Master title style</a:t>
             </a:r>
-          </a:p>
-        </p:txBody>
-      </p:sp>
-      <p:sp>
-        <p:nvSpPr>
-          <p:cNvPr id="3" name="Date Placeholder 2">
-            <a:extLst>
-              <a:ext uri="{FF2B5EF4-FFF2-40B4-BE49-F238E27FC236}">
-                <a16:creationId xmlns:a16="http://schemas.microsoft.com/office/drawing/2014/main" id="{BD2A4D1E-0168-49D3-BF3A-7CE636ADA77C}"/>
-              </a:ext>
-            </a:extLst>
-          </p:cNvPr>
+            <a:endParaRPr lang="en-US" dirty="0"/>
+          </a:p>
+        </p:txBody>
+      </p:sp>
+      <p:sp>
+        <p:nvSpPr>
+          <p:cNvPr id="3" name="Date Placeholder 2"/>
           <p:cNvSpPr>
             <a:spLocks noGrp="1"/>
           </p:cNvSpPr>
@@ -1971,13 +2013,7 @@
       </p:sp>
       <p:sp>
         <p:nvSpPr>
-          <p:cNvPr id="4" name="Footer Placeholder 3">
-            <a:extLst>
-              <a:ext uri="{FF2B5EF4-FFF2-40B4-BE49-F238E27FC236}">
-                <a16:creationId xmlns:a16="http://schemas.microsoft.com/office/drawing/2014/main" id="{77393C0C-5434-48CD-87A5-60E095F74335}"/>
-              </a:ext>
-            </a:extLst>
-          </p:cNvPr>
+          <p:cNvPr id="4" name="Footer Placeholder 3"/>
           <p:cNvSpPr>
             <a:spLocks noGrp="1"/>
           </p:cNvSpPr>
@@ -1996,13 +2032,7 @@
       </p:sp>
       <p:sp>
         <p:nvSpPr>
-          <p:cNvPr id="5" name="Slide Number Placeholder 4">
-            <a:extLst>
-              <a:ext uri="{FF2B5EF4-FFF2-40B4-BE49-F238E27FC236}">
-                <a16:creationId xmlns:a16="http://schemas.microsoft.com/office/drawing/2014/main" id="{17A4D376-E40A-43B4-9F19-E950F562AA84}"/>
-              </a:ext>
-            </a:extLst>
-          </p:cNvPr>
+          <p:cNvPr id="5" name="Slide Number Placeholder 4"/>
           <p:cNvSpPr>
             <a:spLocks noGrp="1"/>
           </p:cNvSpPr>
@@ -2023,10 +2053,41 @@
           </a:p>
         </p:txBody>
       </p:sp>
+      <p:cxnSp>
+        <p:nvCxnSpPr>
+          <p:cNvPr id="25" name="Straight Connector 24"/>
+          <p:cNvCxnSpPr/>
+          <p:nvPr/>
+        </p:nvCxnSpPr>
+        <p:spPr>
+          <a:xfrm>
+            <a:off x="1453896" y="1847088"/>
+            <a:ext cx="9607522" cy="0"/>
+          </a:xfrm>
+          <a:prstGeom prst="line">
+            <a:avLst/>
+          </a:prstGeom>
+          <a:ln w="31750"/>
+        </p:spPr>
+        <p:style>
+          <a:lnRef idx="3">
+            <a:schemeClr val="accent1"/>
+          </a:lnRef>
+          <a:fillRef idx="0">
+            <a:schemeClr val="accent1"/>
+          </a:fillRef>
+          <a:effectRef idx="2">
+            <a:schemeClr val="accent1"/>
+          </a:effectRef>
+          <a:fontRef idx="minor">
+            <a:schemeClr val="tx1"/>
+          </a:fontRef>
+        </p:style>
+      </p:cxnSp>
     </p:spTree>
     <p:extLst>
       <p:ext uri="{BB962C8B-B14F-4D97-AF65-F5344CB8AC3E}">
-        <p14:creationId xmlns:p14="http://schemas.microsoft.com/office/powerpoint/2010/main" val="290976631"/>
+        <p14:creationId xmlns:p14="http://schemas.microsoft.com/office/powerpoint/2010/main" val="1124208991"/>
       </p:ext>
     </p:extLst>
   </p:cSld>
@@ -2055,13 +2116,7 @@
       </p:grpSpPr>
       <p:sp>
         <p:nvSpPr>
-          <p:cNvPr id="2" name="Date Placeholder 1">
-            <a:extLst>
-              <a:ext uri="{FF2B5EF4-FFF2-40B4-BE49-F238E27FC236}">
-                <a16:creationId xmlns:a16="http://schemas.microsoft.com/office/drawing/2014/main" id="{57591BA3-5D53-46EF-A56D-F3E5F54A43A8}"/>
-              </a:ext>
-            </a:extLst>
-          </p:cNvPr>
+          <p:cNvPr id="2" name="Date Placeholder 1"/>
           <p:cNvSpPr>
             <a:spLocks noGrp="1"/>
           </p:cNvSpPr>
@@ -2084,13 +2139,7 @@
       </p:sp>
       <p:sp>
         <p:nvSpPr>
-          <p:cNvPr id="3" name="Footer Placeholder 2">
-            <a:extLst>
-              <a:ext uri="{FF2B5EF4-FFF2-40B4-BE49-F238E27FC236}">
-                <a16:creationId xmlns:a16="http://schemas.microsoft.com/office/drawing/2014/main" id="{97ED58FE-5DFB-4AB8-8A85-31E61E0A9656}"/>
-              </a:ext>
-            </a:extLst>
-          </p:cNvPr>
+          <p:cNvPr id="3" name="Footer Placeholder 2"/>
           <p:cNvSpPr>
             <a:spLocks noGrp="1"/>
           </p:cNvSpPr>
@@ -2109,13 +2158,7 @@
       </p:sp>
       <p:sp>
         <p:nvSpPr>
-          <p:cNvPr id="4" name="Slide Number Placeholder 3">
-            <a:extLst>
-              <a:ext uri="{FF2B5EF4-FFF2-40B4-BE49-F238E27FC236}">
-                <a16:creationId xmlns:a16="http://schemas.microsoft.com/office/drawing/2014/main" id="{09F768C9-5D49-4A6E-A620-290845EF215F}"/>
-              </a:ext>
-            </a:extLst>
-          </p:cNvPr>
+          <p:cNvPr id="4" name="Slide Number Placeholder 3"/>
           <p:cNvSpPr>
             <a:spLocks noGrp="1"/>
           </p:cNvSpPr>
@@ -2139,7 +2182,7 @@
     </p:spTree>
     <p:extLst>
       <p:ext uri="{BB962C8B-B14F-4D97-AF65-F5344CB8AC3E}">
-        <p14:creationId xmlns:p14="http://schemas.microsoft.com/office/powerpoint/2010/main" val="1635914731"/>
+        <p14:creationId xmlns:p14="http://schemas.microsoft.com/office/powerpoint/2010/main" val="796061933"/>
       </p:ext>
     </p:extLst>
   </p:cSld>
@@ -2168,13 +2211,7 @@
       </p:grpSpPr>
       <p:sp>
         <p:nvSpPr>
-          <p:cNvPr id="2" name="Title 1">
-            <a:extLst>
-              <a:ext uri="{FF2B5EF4-FFF2-40B4-BE49-F238E27FC236}">
-                <a16:creationId xmlns:a16="http://schemas.microsoft.com/office/drawing/2014/main" id="{C313C8AC-8218-4D1E-BAC1-D3936DF64D19}"/>
-              </a:ext>
-            </a:extLst>
-          </p:cNvPr>
+          <p:cNvPr id="2" name="Title 1"/>
           <p:cNvSpPr>
             <a:spLocks noGrp="1"/>
           </p:cNvSpPr>
@@ -2184,15 +2221,17 @@
         </p:nvSpPr>
         <p:spPr>
           <a:xfrm>
-            <a:off x="839788" y="457200"/>
-            <a:ext cx="3932237" cy="1600200"/>
+            <a:off x="1444671" y="798973"/>
+            <a:ext cx="3273099" cy="2247117"/>
           </a:xfrm>
         </p:spPr>
         <p:txBody>
-          <a:bodyPr anchor="b"/>
+          <a:bodyPr anchor="b">
+            <a:normAutofit/>
+          </a:bodyPr>
           <a:lstStyle>
-            <a:lvl1pPr>
-              <a:defRPr sz="3200"/>
+            <a:lvl1pPr algn="l">
+              <a:defRPr sz="2400"/>
             </a:lvl1pPr>
           </a:lstStyle>
           <a:p>
@@ -2200,18 +2239,13 @@
               <a:rPr lang="en-US"/>
               <a:t>Click to edit Master title style</a:t>
             </a:r>
-          </a:p>
-        </p:txBody>
-      </p:sp>
-      <p:sp>
-        <p:nvSpPr>
-          <p:cNvPr id="3" name="Content Placeholder 2">
-            <a:extLst>
-              <a:ext uri="{FF2B5EF4-FFF2-40B4-BE49-F238E27FC236}">
-                <a16:creationId xmlns:a16="http://schemas.microsoft.com/office/drawing/2014/main" id="{69AA1219-150B-4434-9552-2FB7791AD262}"/>
-              </a:ext>
-            </a:extLst>
-          </p:cNvPr>
+            <a:endParaRPr lang="en-US" dirty="0"/>
+          </a:p>
+        </p:txBody>
+      </p:sp>
+      <p:sp>
+        <p:nvSpPr>
+          <p:cNvPr id="3" name="Content Placeholder 2"/>
           <p:cNvSpPr>
             <a:spLocks noGrp="1"/>
           </p:cNvSpPr>
@@ -2221,104 +2255,71 @@
         </p:nvSpPr>
         <p:spPr>
           <a:xfrm>
-            <a:off x="5183188" y="987425"/>
-            <a:ext cx="6172200" cy="4873625"/>
+            <a:off x="5043714" y="798974"/>
+            <a:ext cx="6012470" cy="4658826"/>
           </a:xfrm>
         </p:spPr>
         <p:txBody>
+          <a:bodyPr anchor="ctr"/>
+          <a:lstStyle/>
+          <a:p>
+            <a:pPr lvl="0"/>
+            <a:r>
+              <a:rPr lang="en-US"/>
+              <a:t>Click to edit Master text styles</a:t>
+            </a:r>
+          </a:p>
+          <a:p>
+            <a:pPr lvl="1"/>
+            <a:r>
+              <a:rPr lang="en-US"/>
+              <a:t>Second level</a:t>
+            </a:r>
+          </a:p>
+          <a:p>
+            <a:pPr lvl="2"/>
+            <a:r>
+              <a:rPr lang="en-US"/>
+              <a:t>Third level</a:t>
+            </a:r>
+          </a:p>
+          <a:p>
+            <a:pPr lvl="3"/>
+            <a:r>
+              <a:rPr lang="en-US"/>
+              <a:t>Fourth level</a:t>
+            </a:r>
+          </a:p>
+          <a:p>
+            <a:pPr lvl="4"/>
+            <a:r>
+              <a:rPr lang="en-US"/>
+              <a:t>Fifth level</a:t>
+            </a:r>
+            <a:endParaRPr lang="en-US" dirty="0"/>
+          </a:p>
+        </p:txBody>
+      </p:sp>
+      <p:sp>
+        <p:nvSpPr>
+          <p:cNvPr id="4" name="Text Placeholder 3"/>
+          <p:cNvSpPr>
+            <a:spLocks noGrp="1"/>
+          </p:cNvSpPr>
+          <p:nvPr>
+            <p:ph type="body" sz="half" idx="2"/>
+          </p:nvPr>
+        </p:nvSpPr>
+        <p:spPr>
+          <a:xfrm>
+            <a:off x="1444671" y="3205491"/>
+            <a:ext cx="3275013" cy="2248181"/>
+          </a:xfrm>
+        </p:spPr>
+        <p:txBody>
           <a:bodyPr/>
           <a:lstStyle>
-            <a:lvl1pPr>
-              <a:defRPr sz="3200"/>
-            </a:lvl1pPr>
-            <a:lvl2pPr>
-              <a:defRPr sz="2800"/>
-            </a:lvl2pPr>
-            <a:lvl3pPr>
-              <a:defRPr sz="2400"/>
-            </a:lvl3pPr>
-            <a:lvl4pPr>
-              <a:defRPr sz="2000"/>
-            </a:lvl4pPr>
-            <a:lvl5pPr>
-              <a:defRPr sz="2000"/>
-            </a:lvl5pPr>
-            <a:lvl6pPr>
-              <a:defRPr sz="2000"/>
-            </a:lvl6pPr>
-            <a:lvl7pPr>
-              <a:defRPr sz="2000"/>
-            </a:lvl7pPr>
-            <a:lvl8pPr>
-              <a:defRPr sz="2000"/>
-            </a:lvl8pPr>
-            <a:lvl9pPr>
-              <a:defRPr sz="2000"/>
-            </a:lvl9pPr>
-          </a:lstStyle>
-          <a:p>
-            <a:pPr lvl="0"/>
-            <a:r>
-              <a:rPr lang="en-US"/>
-              <a:t>Click to edit Master text styles</a:t>
-            </a:r>
-          </a:p>
-          <a:p>
-            <a:pPr lvl="1"/>
-            <a:r>
-              <a:rPr lang="en-US"/>
-              <a:t>Second level</a:t>
-            </a:r>
-          </a:p>
-          <a:p>
-            <a:pPr lvl="2"/>
-            <a:r>
-              <a:rPr lang="en-US"/>
-              <a:t>Third level</a:t>
-            </a:r>
-          </a:p>
-          <a:p>
-            <a:pPr lvl="3"/>
-            <a:r>
-              <a:rPr lang="en-US"/>
-              <a:t>Fourth level</a:t>
-            </a:r>
-          </a:p>
-          <a:p>
-            <a:pPr lvl="4"/>
-            <a:r>
-              <a:rPr lang="en-US"/>
-              <a:t>Fifth level</a:t>
-            </a:r>
-          </a:p>
-        </p:txBody>
-      </p:sp>
-      <p:sp>
-        <p:nvSpPr>
-          <p:cNvPr id="4" name="Text Placeholder 3">
-            <a:extLst>
-              <a:ext uri="{FF2B5EF4-FFF2-40B4-BE49-F238E27FC236}">
-                <a16:creationId xmlns:a16="http://schemas.microsoft.com/office/drawing/2014/main" id="{3A40CB97-D5B2-4922-B97B-1A6D5CCD5F5F}"/>
-              </a:ext>
-            </a:extLst>
-          </p:cNvPr>
-          <p:cNvSpPr>
-            <a:spLocks noGrp="1"/>
-          </p:cNvSpPr>
-          <p:nvPr>
-            <p:ph type="body" sz="half" idx="2"/>
-          </p:nvPr>
-        </p:nvSpPr>
-        <p:spPr>
-          <a:xfrm>
-            <a:off x="839788" y="2057400"/>
-            <a:ext cx="3932237" cy="3811588"/>
-          </a:xfrm>
-        </p:spPr>
-        <p:txBody>
-          <a:bodyPr/>
-          <a:lstStyle>
-            <a:lvl1pPr marL="0" indent="0">
+            <a:lvl1pPr marL="0" indent="0" algn="l">
               <a:buNone/>
               <a:defRPr sz="1600"/>
             </a:lvl1pPr>
@@ -2366,13 +2367,7 @@
       </p:sp>
       <p:sp>
         <p:nvSpPr>
-          <p:cNvPr id="5" name="Date Placeholder 4">
-            <a:extLst>
-              <a:ext uri="{FF2B5EF4-FFF2-40B4-BE49-F238E27FC236}">
-                <a16:creationId xmlns:a16="http://schemas.microsoft.com/office/drawing/2014/main" id="{60E153E9-DBEF-4767-A6A5-20674D941D17}"/>
-              </a:ext>
-            </a:extLst>
-          </p:cNvPr>
+          <p:cNvPr id="5" name="Date Placeholder 4"/>
           <p:cNvSpPr>
             <a:spLocks noGrp="1"/>
           </p:cNvSpPr>
@@ -2395,13 +2390,7 @@
       </p:sp>
       <p:sp>
         <p:nvSpPr>
-          <p:cNvPr id="6" name="Footer Placeholder 5">
-            <a:extLst>
-              <a:ext uri="{FF2B5EF4-FFF2-40B4-BE49-F238E27FC236}">
-                <a16:creationId xmlns:a16="http://schemas.microsoft.com/office/drawing/2014/main" id="{92AF17A5-7E46-4D32-8F84-FC8AF9AA1DAD}"/>
-              </a:ext>
-            </a:extLst>
-          </p:cNvPr>
+          <p:cNvPr id="6" name="Footer Placeholder 5"/>
           <p:cNvSpPr>
             <a:spLocks noGrp="1"/>
           </p:cNvSpPr>
@@ -2420,13 +2409,7 @@
       </p:sp>
       <p:sp>
         <p:nvSpPr>
-          <p:cNvPr id="7" name="Slide Number Placeholder 6">
-            <a:extLst>
-              <a:ext uri="{FF2B5EF4-FFF2-40B4-BE49-F238E27FC236}">
-                <a16:creationId xmlns:a16="http://schemas.microsoft.com/office/drawing/2014/main" id="{EE5469CB-FF2F-49A3-B90D-37C7CAA52536}"/>
-              </a:ext>
-            </a:extLst>
-          </p:cNvPr>
+          <p:cNvPr id="7" name="Slide Number Placeholder 6"/>
           <p:cNvSpPr>
             <a:spLocks noGrp="1"/>
           </p:cNvSpPr>
@@ -2447,10 +2430,41 @@
           </a:p>
         </p:txBody>
       </p:sp>
+      <p:cxnSp>
+        <p:nvCxnSpPr>
+          <p:cNvPr id="17" name="Straight Connector 16"/>
+          <p:cNvCxnSpPr/>
+          <p:nvPr/>
+        </p:nvCxnSpPr>
+        <p:spPr>
+          <a:xfrm>
+            <a:off x="1448280" y="3205491"/>
+            <a:ext cx="3269490" cy="0"/>
+          </a:xfrm>
+          <a:prstGeom prst="line">
+            <a:avLst/>
+          </a:prstGeom>
+          <a:ln w="31750"/>
+        </p:spPr>
+        <p:style>
+          <a:lnRef idx="3">
+            <a:schemeClr val="accent1"/>
+          </a:lnRef>
+          <a:fillRef idx="0">
+            <a:schemeClr val="accent1"/>
+          </a:fillRef>
+          <a:effectRef idx="2">
+            <a:schemeClr val="accent1"/>
+          </a:effectRef>
+          <a:fontRef idx="minor">
+            <a:schemeClr val="tx1"/>
+          </a:fontRef>
+        </p:style>
+      </p:cxnSp>
     </p:spTree>
     <p:extLst>
       <p:ext uri="{BB962C8B-B14F-4D97-AF65-F5344CB8AC3E}">
-        <p14:creationId xmlns:p14="http://schemas.microsoft.com/office/powerpoint/2010/main" val="2155016640"/>
+        <p14:creationId xmlns:p14="http://schemas.microsoft.com/office/powerpoint/2010/main" val="1604553038"/>
       </p:ext>
     </p:extLst>
   </p:cSld>
@@ -2477,15 +2491,143 @@
           <a:chExt cx="0" cy="0"/>
         </a:xfrm>
       </p:grpSpPr>
-      <p:sp>
-        <p:nvSpPr>
-          <p:cNvPr id="2" name="Title 1">
-            <a:extLst>
-              <a:ext uri="{FF2B5EF4-FFF2-40B4-BE49-F238E27FC236}">
-                <a16:creationId xmlns:a16="http://schemas.microsoft.com/office/drawing/2014/main" id="{A70D7F4E-BA07-45CC-984A-EDC7C040015E}"/>
-              </a:ext>
-            </a:extLst>
-          </p:cNvPr>
+      <p:grpSp>
+        <p:nvGrpSpPr>
+          <p:cNvPr id="8" name="Group 7"/>
+          <p:cNvGrpSpPr/>
+          <p:nvPr/>
+        </p:nvGrpSpPr>
+        <p:grpSpPr>
+          <a:xfrm>
+            <a:off x="7477387" y="482170"/>
+            <a:ext cx="4074533" cy="5149101"/>
+            <a:chOff x="7477387" y="482170"/>
+            <a:chExt cx="4074533" cy="5149101"/>
+          </a:xfrm>
+        </p:grpSpPr>
+        <p:sp>
+          <p:nvSpPr>
+            <p:cNvPr id="18" name="Rectangle 17"/>
+            <p:cNvSpPr/>
+            <p:nvPr/>
+          </p:nvSpPr>
+          <p:spPr bwMode="black">
+            <a:xfrm>
+              <a:off x="7477387" y="482170"/>
+              <a:ext cx="4074533" cy="5149101"/>
+            </a:xfrm>
+            <a:prstGeom prst="rect">
+              <a:avLst/>
+            </a:prstGeom>
+            <a:gradFill>
+              <a:gsLst>
+                <a:gs pos="0">
+                  <a:srgbClr val="000001"/>
+                </a:gs>
+                <a:gs pos="100000">
+                  <a:srgbClr val="191919"/>
+                </a:gs>
+              </a:gsLst>
+            </a:gradFill>
+            <a:ln w="76200" cmpd="sng">
+              <a:noFill/>
+              <a:miter lim="800000"/>
+            </a:ln>
+            <a:effectLst>
+              <a:outerShdw blurRad="127000" dist="228600" dir="4740000" sx="98000" sy="98000" algn="tl" rotWithShape="0">
+                <a:srgbClr val="000000">
+                  <a:alpha val="34000"/>
+                </a:srgbClr>
+              </a:outerShdw>
+            </a:effectLst>
+            <a:scene3d>
+              <a:camera prst="orthographicFront"/>
+              <a:lightRig rig="threePt" dir="t"/>
+            </a:scene3d>
+            <a:sp3d>
+              <a:bevelT w="152400" h="50800" prst="softRound"/>
+            </a:sp3d>
+          </p:spPr>
+          <p:style>
+            <a:lnRef idx="1">
+              <a:schemeClr val="accent1"/>
+            </a:lnRef>
+            <a:fillRef idx="3">
+              <a:schemeClr val="accent1"/>
+            </a:fillRef>
+            <a:effectRef idx="2">
+              <a:schemeClr val="accent1"/>
+            </a:effectRef>
+            <a:fontRef idx="minor">
+              <a:schemeClr val="lt1"/>
+            </a:fontRef>
+          </p:style>
+        </p:sp>
+        <p:sp>
+          <p:nvSpPr>
+            <p:cNvPr id="19" name="Rectangle 18"/>
+            <p:cNvSpPr/>
+            <p:nvPr/>
+          </p:nvSpPr>
+          <p:spPr bwMode="blackWhite">
+            <a:xfrm>
+              <a:off x="7790446" y="812506"/>
+              <a:ext cx="3450289" cy="4466452"/>
+            </a:xfrm>
+            <a:prstGeom prst="rect">
+              <a:avLst/>
+            </a:prstGeom>
+            <a:gradFill>
+              <a:gsLst>
+                <a:gs pos="0">
+                  <a:srgbClr val="DADADA"/>
+                </a:gs>
+                <a:gs pos="100000">
+                  <a:srgbClr val="FFFFFE"/>
+                </a:gs>
+              </a:gsLst>
+              <a:lin ang="16200000" scaled="0"/>
+            </a:gradFill>
+            <a:ln w="50800" cmpd="sng">
+              <a:solidFill>
+                <a:srgbClr val="191919"/>
+              </a:solidFill>
+              <a:miter lim="800000"/>
+            </a:ln>
+            <a:effectLst>
+              <a:innerShdw blurRad="63500" dist="88900" dir="14100000">
+                <a:srgbClr val="000000">
+                  <a:alpha val="30000"/>
+                </a:srgbClr>
+              </a:innerShdw>
+            </a:effectLst>
+            <a:scene3d>
+              <a:camera prst="orthographicFront"/>
+              <a:lightRig rig="threePt" dir="t"/>
+            </a:scene3d>
+            <a:sp3d>
+              <a:bevelT prst="relaxedInset"/>
+            </a:sp3d>
+          </p:spPr>
+          <p:style>
+            <a:lnRef idx="1">
+              <a:schemeClr val="accent1"/>
+            </a:lnRef>
+            <a:fillRef idx="3">
+              <a:schemeClr val="accent1"/>
+            </a:fillRef>
+            <a:effectRef idx="2">
+              <a:schemeClr val="accent1"/>
+            </a:effectRef>
+            <a:fontRef idx="minor">
+              <a:schemeClr val="lt1"/>
+            </a:fontRef>
+          </p:style>
+        </p:sp>
+      </p:grpSp>
+      <p:sp>
+        <p:nvSpPr>
+          <p:cNvPr id="2" name="Title 1"/>
           <p:cNvSpPr>
             <a:spLocks noGrp="1"/>
           </p:cNvSpPr>
@@ -2495,12 +2637,14 @@
         </p:nvSpPr>
         <p:spPr>
           <a:xfrm>
-            <a:off x="839788" y="457200"/>
-            <a:ext cx="3932237" cy="1600200"/>
+            <a:off x="1451206" y="1129513"/>
+            <a:ext cx="5532328" cy="1830584"/>
           </a:xfrm>
         </p:spPr>
         <p:txBody>
-          <a:bodyPr anchor="b"/>
+          <a:bodyPr anchor="b">
+            <a:normAutofit/>
+          </a:bodyPr>
           <a:lstStyle>
             <a:lvl1pPr>
               <a:defRPr sz="3200"/>
@@ -2511,20 +2655,15 @@
               <a:rPr lang="en-US"/>
               <a:t>Click to edit Master title style</a:t>
             </a:r>
-          </a:p>
-        </p:txBody>
-      </p:sp>
-      <p:sp>
-        <p:nvSpPr>
-          <p:cNvPr id="3" name="Picture Placeholder 2">
-            <a:extLst>
-              <a:ext uri="{FF2B5EF4-FFF2-40B4-BE49-F238E27FC236}">
-                <a16:creationId xmlns:a16="http://schemas.microsoft.com/office/drawing/2014/main" id="{8A47E2E8-8EC4-4889-9EF6-97EFFA7DFADD}"/>
-              </a:ext>
-            </a:extLst>
-          </p:cNvPr>
-          <p:cNvSpPr>
-            <a:spLocks noGrp="1"/>
+            <a:endParaRPr lang="en-US" dirty="0"/>
+          </a:p>
+        </p:txBody>
+      </p:sp>
+      <p:sp>
+        <p:nvSpPr>
+          <p:cNvPr id="3" name="Picture Placeholder 2"/>
+          <p:cNvSpPr>
+            <a:spLocks noGrp="1" noChangeAspect="1"/>
           </p:cNvSpPr>
           <p:nvPr>
             <p:ph type="pic" idx="1"/>
@@ -2532,14 +2671,24 @@
         </p:nvSpPr>
         <p:spPr>
           <a:xfrm>
-            <a:off x="5183188" y="987425"/>
-            <a:ext cx="6172200" cy="4873625"/>
+            <a:off x="8124389" y="1122542"/>
+            <a:ext cx="2791171" cy="3866327"/>
           </a:xfrm>
+          <a:solidFill>
+            <a:schemeClr val="bg1">
+              <a:lumMod val="85000"/>
+            </a:schemeClr>
+          </a:solidFill>
+          <a:ln w="9525" cap="sq">
+            <a:noFill/>
+            <a:miter lim="800000"/>
+          </a:ln>
+          <a:effectLst/>
         </p:spPr>
         <p:txBody>
-          <a:bodyPr/>
+          <a:bodyPr anchor="t"/>
           <a:lstStyle>
-            <a:lvl1pPr marL="0" indent="0">
+            <a:lvl1pPr marL="0" indent="0" algn="ctr">
               <a:buNone/>
               <a:defRPr sz="3200"/>
             </a:lvl1pPr>
@@ -2577,19 +2726,17 @@
             </a:lvl9pPr>
           </a:lstStyle>
           <a:p>
-            <a:endParaRPr lang="en-US"/>
-          </a:p>
-        </p:txBody>
-      </p:sp>
-      <p:sp>
-        <p:nvSpPr>
-          <p:cNvPr id="4" name="Text Placeholder 3">
-            <a:extLst>
-              <a:ext uri="{FF2B5EF4-FFF2-40B4-BE49-F238E27FC236}">
-                <a16:creationId xmlns:a16="http://schemas.microsoft.com/office/drawing/2014/main" id="{EEC37521-5951-40C0-9A0E-5DFBD92EC8FB}"/>
-              </a:ext>
-            </a:extLst>
-          </p:cNvPr>
+            <a:r>
+              <a:rPr lang="en-US"/>
+              <a:t>Click icon to add picture</a:t>
+            </a:r>
+            <a:endParaRPr lang="en-US" dirty="0"/>
+          </a:p>
+        </p:txBody>
+      </p:sp>
+      <p:sp>
+        <p:nvSpPr>
+          <p:cNvPr id="4" name="Text Placeholder 3"/>
           <p:cNvSpPr>
             <a:spLocks noGrp="1"/>
           </p:cNvSpPr>
@@ -2599,16 +2746,18 @@
         </p:nvSpPr>
         <p:spPr>
           <a:xfrm>
-            <a:off x="839788" y="2057400"/>
-            <a:ext cx="3932237" cy="3811588"/>
+            <a:off x="1450329" y="3145992"/>
+            <a:ext cx="5524404" cy="2003742"/>
           </a:xfrm>
         </p:spPr>
         <p:txBody>
-          <a:bodyPr/>
+          <a:bodyPr>
+            <a:normAutofit/>
+          </a:bodyPr>
           <a:lstStyle>
-            <a:lvl1pPr marL="0" indent="0">
+            <a:lvl1pPr marL="0" indent="0" algn="l">
               <a:buNone/>
-              <a:defRPr sz="1600"/>
+              <a:defRPr sz="1800"/>
             </a:lvl1pPr>
             <a:lvl2pPr marL="457200" indent="0">
               <a:buNone/>
@@ -2654,13 +2803,7 @@
       </p:sp>
       <p:sp>
         <p:nvSpPr>
-          <p:cNvPr id="5" name="Date Placeholder 4">
-            <a:extLst>
-              <a:ext uri="{FF2B5EF4-FFF2-40B4-BE49-F238E27FC236}">
-                <a16:creationId xmlns:a16="http://schemas.microsoft.com/office/drawing/2014/main" id="{38AD7050-A3E4-4218-BA4D-CD41CD35398C}"/>
-              </a:ext>
-            </a:extLst>
-          </p:cNvPr>
+          <p:cNvPr id="5" name="Date Placeholder 4"/>
           <p:cNvSpPr>
             <a:spLocks noGrp="1"/>
           </p:cNvSpPr>
@@ -2668,10 +2811,19 @@
             <p:ph type="dt" sz="half" idx="10"/>
           </p:nvPr>
         </p:nvSpPr>
-        <p:spPr/>
+        <p:spPr>
+          <a:xfrm>
+            <a:off x="1447382" y="5469856"/>
+            <a:ext cx="5527351" cy="320123"/>
+          </a:xfrm>
+        </p:spPr>
         <p:txBody>
           <a:bodyPr/>
-          <a:lstStyle/>
+          <a:lstStyle>
+            <a:lvl1pPr algn="l">
+              <a:defRPr/>
+            </a:lvl1pPr>
+          </a:lstStyle>
           <a:p>
             <a:fld id="{03D13F2D-659F-4A55-BA9D-957F5FCD9257}" type="datetimeFigureOut">
               <a:rPr lang="en-US" smtClean="0"/>
@@ -2683,13 +2835,7 @@
       </p:sp>
       <p:sp>
         <p:nvSpPr>
-          <p:cNvPr id="6" name="Footer Placeholder 5">
-            <a:extLst>
-              <a:ext uri="{FF2B5EF4-FFF2-40B4-BE49-F238E27FC236}">
-                <a16:creationId xmlns:a16="http://schemas.microsoft.com/office/drawing/2014/main" id="{93D90033-BB69-46D9-AE0C-F618076ABE30}"/>
-              </a:ext>
-            </a:extLst>
-          </p:cNvPr>
+          <p:cNvPr id="6" name="Footer Placeholder 5"/>
           <p:cNvSpPr>
             <a:spLocks noGrp="1"/>
           </p:cNvSpPr>
@@ -2697,7 +2843,12 @@
             <p:ph type="ftr" sz="quarter" idx="11"/>
           </p:nvPr>
         </p:nvSpPr>
-        <p:spPr/>
+        <p:spPr>
+          <a:xfrm>
+            <a:off x="1447382" y="318640"/>
+            <a:ext cx="5541004" cy="320931"/>
+          </a:xfrm>
+        </p:spPr>
         <p:txBody>
           <a:bodyPr/>
           <a:lstStyle/>
@@ -2708,13 +2859,7 @@
       </p:sp>
       <p:sp>
         <p:nvSpPr>
-          <p:cNvPr id="7" name="Slide Number Placeholder 6">
-            <a:extLst>
-              <a:ext uri="{FF2B5EF4-FFF2-40B4-BE49-F238E27FC236}">
-                <a16:creationId xmlns:a16="http://schemas.microsoft.com/office/drawing/2014/main" id="{DD349CDF-23F5-4074-AF01-652764EE9C5B}"/>
-              </a:ext>
-            </a:extLst>
-          </p:cNvPr>
+          <p:cNvPr id="7" name="Slide Number Placeholder 6"/>
           <p:cNvSpPr>
             <a:spLocks noGrp="1"/>
           </p:cNvSpPr>
@@ -2735,10 +2880,41 @@
           </a:p>
         </p:txBody>
       </p:sp>
+      <p:cxnSp>
+        <p:nvCxnSpPr>
+          <p:cNvPr id="31" name="Straight Connector 30"/>
+          <p:cNvCxnSpPr/>
+          <p:nvPr/>
+        </p:nvCxnSpPr>
+        <p:spPr>
+          <a:xfrm>
+            <a:off x="1447382" y="3143605"/>
+            <a:ext cx="5527351" cy="0"/>
+          </a:xfrm>
+          <a:prstGeom prst="line">
+            <a:avLst/>
+          </a:prstGeom>
+          <a:ln w="31750"/>
+        </p:spPr>
+        <p:style>
+          <a:lnRef idx="3">
+            <a:schemeClr val="accent1"/>
+          </a:lnRef>
+          <a:fillRef idx="0">
+            <a:schemeClr val="accent1"/>
+          </a:fillRef>
+          <a:effectRef idx="2">
+            <a:schemeClr val="accent1"/>
+          </a:effectRef>
+          <a:fontRef idx="minor">
+            <a:schemeClr val="tx1"/>
+          </a:fontRef>
+        </p:style>
+      </p:cxnSp>
     </p:spTree>
     <p:extLst>
       <p:ext uri="{BB962C8B-B14F-4D97-AF65-F5344CB8AC3E}">
-        <p14:creationId xmlns:p14="http://schemas.microsoft.com/office/powerpoint/2010/main" val="532273063"/>
+        <p14:creationId xmlns:p14="http://schemas.microsoft.com/office/powerpoint/2010/main" val="3868105277"/>
       </p:ext>
     </p:extLst>
   </p:cSld>
@@ -2752,8 +2928,8 @@
 <p:sldMaster xmlns:a="http://schemas.openxmlformats.org/drawingml/2006/main" xmlns:r="http://schemas.openxmlformats.org/officeDocument/2006/relationships" xmlns:p="http://schemas.openxmlformats.org/presentationml/2006/main">
   <p:cSld>
     <p:bg>
-      <p:bgRef idx="1001">
-        <a:schemeClr val="bg1"/>
+      <p:bgRef idx="1003">
+        <a:schemeClr val="bg2"/>
       </p:bgRef>
     </p:bg>
     <p:spTree>
@@ -2772,139 +2948,201 @@
       </p:grpSpPr>
       <p:sp>
         <p:nvSpPr>
-          <p:cNvPr id="2" name="Title Placeholder 1">
+          <p:cNvPr id="8" name="Rectangle 7"/>
+          <p:cNvSpPr/>
+          <p:nvPr/>
+        </p:nvSpPr>
+        <p:spPr>
+          <a:xfrm>
+            <a:off x="0" y="2019476"/>
+            <a:ext cx="12192000" cy="4105941"/>
+          </a:xfrm>
+          <a:prstGeom prst="rect">
+            <a:avLst/>
+          </a:prstGeom>
+          <a:gradFill flip="none" rotWithShape="1">
+            <a:gsLst>
+              <a:gs pos="0">
+                <a:schemeClr val="bg2">
+                  <a:alpha val="0"/>
+                </a:schemeClr>
+              </a:gs>
+              <a:gs pos="100000">
+                <a:schemeClr val="bg2"/>
+              </a:gs>
+            </a:gsLst>
+            <a:lin ang="5400000" scaled="0"/>
+            <a:tileRect/>
+          </a:gradFill>
+          <a:ln>
+            <a:noFill/>
+          </a:ln>
+        </p:spPr>
+        <p:style>
+          <a:lnRef idx="2">
+            <a:schemeClr val="accent1">
+              <a:shade val="50000"/>
+            </a:schemeClr>
+          </a:lnRef>
+          <a:fillRef idx="1">
+            <a:schemeClr val="accent1"/>
+          </a:fillRef>
+          <a:effectRef idx="0">
+            <a:schemeClr val="accent1"/>
+          </a:effectRef>
+          <a:fontRef idx="minor">
+            <a:schemeClr val="lt1"/>
+          </a:fontRef>
+        </p:style>
+      </p:sp>
+      <p:pic>
+        <p:nvPicPr>
+          <p:cNvPr id="7" name="Picture 6"/>
+          <p:cNvPicPr>
+            <a:picLocks noChangeAspect="1"/>
+          </p:cNvPicPr>
+          <p:nvPr/>
+        </p:nvPicPr>
+        <p:blipFill rotWithShape="1">
+          <a:blip r:embed="rId13">
             <a:extLst>
-              <a:ext uri="{FF2B5EF4-FFF2-40B4-BE49-F238E27FC236}">
-                <a16:creationId xmlns:a16="http://schemas.microsoft.com/office/drawing/2014/main" id="{69A825E6-237B-48B4-A373-50D67D9BC6DA}"/>
+              <a:ext uri="{28A0092B-C50C-407E-A947-70E740481C1C}">
+                <a14:useLocalDpi xmlns:a14="http://schemas.microsoft.com/office/drawing/2010/main" val="0"/>
               </a:ext>
             </a:extLst>
-          </p:cNvPr>
-          <p:cNvSpPr>
-            <a:spLocks noGrp="1"/>
-          </p:cNvSpPr>
-          <p:nvPr>
-            <p:ph type="title"/>
-          </p:nvPr>
-        </p:nvSpPr>
-        <p:spPr>
+          </a:blip>
+          <a:srcRect t="1538" b="-1538"/>
+          <a:stretch/>
+        </p:blipFill>
+        <p:spPr bwMode="black">
           <a:xfrm>
-            <a:off x="838200" y="365125"/>
-            <a:ext cx="10515600" cy="1325563"/>
+            <a:off x="0" y="6126480"/>
+            <a:ext cx="12192000" cy="742950"/>
           </a:xfrm>
           <a:prstGeom prst="rect">
             <a:avLst/>
           </a:prstGeom>
         </p:spPr>
-        <p:txBody>
-          <a:bodyPr vert="horz" lIns="91440" tIns="45720" rIns="91440" bIns="45720" rtlCol="0" anchor="ctr">
-            <a:normAutofit/>
-          </a:bodyPr>
-          <a:lstStyle/>
-          <a:p>
-            <a:r>
-              <a:rPr lang="en-US"/>
-              <a:t>Click to edit Master title style</a:t>
-            </a:r>
-          </a:p>
-        </p:txBody>
-      </p:sp>
-      <p:sp>
-        <p:nvSpPr>
-          <p:cNvPr id="3" name="Text Placeholder 2">
-            <a:extLst>
-              <a:ext uri="{FF2B5EF4-FFF2-40B4-BE49-F238E27FC236}">
-                <a16:creationId xmlns:a16="http://schemas.microsoft.com/office/drawing/2014/main" id="{C1776598-A9DE-4767-9186-79F912895CAE}"/>
-              </a:ext>
-            </a:extLst>
-          </p:cNvPr>
-          <p:cNvSpPr>
-            <a:spLocks noGrp="1"/>
-          </p:cNvSpPr>
-          <p:nvPr>
-            <p:ph type="body" idx="1"/>
+      </p:pic>
+      <p:sp>
+        <p:nvSpPr>
+          <p:cNvPr id="2" name="Title Placeholder 1"/>
+          <p:cNvSpPr>
+            <a:spLocks noGrp="1"/>
+          </p:cNvSpPr>
+          <p:nvPr>
+            <p:ph type="title"/>
           </p:nvPr>
         </p:nvSpPr>
         <p:spPr>
           <a:xfrm>
-            <a:off x="838200" y="1825625"/>
-            <a:ext cx="10515600" cy="4351338"/>
+            <a:off x="1451579" y="804519"/>
+            <a:ext cx="9603275" cy="1049235"/>
           </a:xfrm>
           <a:prstGeom prst="rect">
             <a:avLst/>
           </a:prstGeom>
         </p:spPr>
         <p:txBody>
-          <a:bodyPr vert="horz" lIns="91440" tIns="45720" rIns="91440" bIns="45720" rtlCol="0">
+          <a:bodyPr vert="horz" lIns="91440" tIns="45720" rIns="91440" bIns="45720" rtlCol="0" anchor="t">
             <a:normAutofit/>
           </a:bodyPr>
           <a:lstStyle/>
           <a:p>
-            <a:pPr lvl="0"/>
             <a:r>
               <a:rPr lang="en-US"/>
-              <a:t>Click to edit Master text styles</a:t>
-            </a:r>
-          </a:p>
-          <a:p>
-            <a:pPr lvl="1"/>
-            <a:r>
-              <a:rPr lang="en-US"/>
-              <a:t>Second level</a:t>
-            </a:r>
-          </a:p>
-          <a:p>
-            <a:pPr lvl="2"/>
-            <a:r>
-              <a:rPr lang="en-US"/>
-              <a:t>Third level</a:t>
-            </a:r>
-          </a:p>
-          <a:p>
-            <a:pPr lvl="3"/>
-            <a:r>
-              <a:rPr lang="en-US"/>
-              <a:t>Fourth level</a:t>
-            </a:r>
-          </a:p>
-          <a:p>
-            <a:pPr lvl="4"/>
-            <a:r>
-              <a:rPr lang="en-US"/>
-              <a:t>Fifth level</a:t>
-            </a:r>
-          </a:p>
-        </p:txBody>
-      </p:sp>
-      <p:sp>
-        <p:nvSpPr>
-          <p:cNvPr id="4" name="Date Placeholder 3">
-            <a:extLst>
-              <a:ext uri="{FF2B5EF4-FFF2-40B4-BE49-F238E27FC236}">
-                <a16:creationId xmlns:a16="http://schemas.microsoft.com/office/drawing/2014/main" id="{F15AF844-FD0C-4B2E-90F5-EA4C78BD91B1}"/>
-              </a:ext>
-            </a:extLst>
-          </p:cNvPr>
-          <p:cNvSpPr>
-            <a:spLocks noGrp="1"/>
-          </p:cNvSpPr>
-          <p:nvPr>
-            <p:ph type="dt" sz="half" idx="2"/>
+              <a:t>Click to edit Master title style</a:t>
+            </a:r>
+            <a:endParaRPr lang="en-US" dirty="0"/>
+          </a:p>
+        </p:txBody>
+      </p:sp>
+      <p:sp>
+        <p:nvSpPr>
+          <p:cNvPr id="3" name="Text Placeholder 2"/>
+          <p:cNvSpPr>
+            <a:spLocks noGrp="1"/>
+          </p:cNvSpPr>
+          <p:nvPr>
+            <p:ph type="body" idx="1"/>
           </p:nvPr>
         </p:nvSpPr>
         <p:spPr>
           <a:xfrm>
-            <a:off x="838200" y="6356350"/>
-            <a:ext cx="2743200" cy="365125"/>
+            <a:off x="1451579" y="2015732"/>
+            <a:ext cx="9603275" cy="3450613"/>
           </a:xfrm>
           <a:prstGeom prst="rect">
             <a:avLst/>
           </a:prstGeom>
         </p:spPr>
         <p:txBody>
+          <a:bodyPr vert="horz" lIns="91440" tIns="45720" rIns="91440" bIns="45720" rtlCol="0">
+            <a:normAutofit/>
+          </a:bodyPr>
+          <a:lstStyle/>
+          <a:p>
+            <a:pPr lvl="0"/>
+            <a:r>
+              <a:rPr lang="en-US"/>
+              <a:t>Click to edit Master text styles</a:t>
+            </a:r>
+          </a:p>
+          <a:p>
+            <a:pPr lvl="1"/>
+            <a:r>
+              <a:rPr lang="en-US"/>
+              <a:t>Second level</a:t>
+            </a:r>
+          </a:p>
+          <a:p>
+            <a:pPr lvl="2"/>
+            <a:r>
+              <a:rPr lang="en-US"/>
+              <a:t>Third level</a:t>
+            </a:r>
+          </a:p>
+          <a:p>
+            <a:pPr lvl="3"/>
+            <a:r>
+              <a:rPr lang="en-US"/>
+              <a:t>Fourth level</a:t>
+            </a:r>
+          </a:p>
+          <a:p>
+            <a:pPr lvl="4"/>
+            <a:r>
+              <a:rPr lang="en-US"/>
+              <a:t>Fifth level</a:t>
+            </a:r>
+            <a:endParaRPr lang="en-US" dirty="0"/>
+          </a:p>
+        </p:txBody>
+      </p:sp>
+      <p:sp>
+        <p:nvSpPr>
+          <p:cNvPr id="4" name="Date Placeholder 3"/>
+          <p:cNvSpPr>
+            <a:spLocks noGrp="1"/>
+          </p:cNvSpPr>
+          <p:nvPr>
+            <p:ph type="dt" sz="half" idx="2"/>
+          </p:nvPr>
+        </p:nvSpPr>
+        <p:spPr>
+          <a:xfrm>
+            <a:off x="7554138" y="330370"/>
+            <a:ext cx="3500715" cy="309201"/>
+          </a:xfrm>
+          <a:prstGeom prst="rect">
+            <a:avLst/>
+          </a:prstGeom>
+        </p:spPr>
+        <p:txBody>
           <a:bodyPr vert="horz" lIns="91440" tIns="45720" rIns="91440" bIns="45720" rtlCol="0" anchor="ctr"/>
           <a:lstStyle>
-            <a:lvl1pPr algn="l">
-              <a:defRPr sz="1200">
+            <a:lvl1pPr algn="r">
+              <a:defRPr sz="1000">
                 <a:solidFill>
                   <a:schemeClr val="tx1">
                     <a:tint val="75000"/>
@@ -2924,13 +3162,7 @@
       </p:sp>
       <p:sp>
         <p:nvSpPr>
-          <p:cNvPr id="5" name="Footer Placeholder 4">
-            <a:extLst>
-              <a:ext uri="{FF2B5EF4-FFF2-40B4-BE49-F238E27FC236}">
-                <a16:creationId xmlns:a16="http://schemas.microsoft.com/office/drawing/2014/main" id="{A7A571D6-BBF6-4B96-A146-E8566358551F}"/>
-              </a:ext>
-            </a:extLst>
-          </p:cNvPr>
+          <p:cNvPr id="5" name="Footer Placeholder 4"/>
           <p:cNvSpPr>
             <a:spLocks noGrp="1"/>
           </p:cNvSpPr>
@@ -2940,8 +3172,8 @@
         </p:nvSpPr>
         <p:spPr>
           <a:xfrm>
-            <a:off x="4038600" y="6356350"/>
-            <a:ext cx="4114800" cy="365125"/>
+            <a:off x="1451579" y="329307"/>
+            <a:ext cx="5938836" cy="309201"/>
           </a:xfrm>
           <a:prstGeom prst="rect">
             <a:avLst/>
@@ -2950,8 +3182,8 @@
         <p:txBody>
           <a:bodyPr vert="horz" lIns="91440" tIns="45720" rIns="91440" bIns="45720" rtlCol="0" anchor="ctr"/>
           <a:lstStyle>
-            <a:lvl1pPr algn="ctr">
-              <a:defRPr sz="1200">
+            <a:lvl1pPr algn="l">
+              <a:defRPr sz="1000">
                 <a:solidFill>
                   <a:schemeClr val="tx1">
                     <a:tint val="75000"/>
@@ -2967,13 +3199,7 @@
       </p:sp>
       <p:sp>
         <p:nvSpPr>
-          <p:cNvPr id="6" name="Slide Number Placeholder 5">
-            <a:extLst>
-              <a:ext uri="{FF2B5EF4-FFF2-40B4-BE49-F238E27FC236}">
-                <a16:creationId xmlns:a16="http://schemas.microsoft.com/office/drawing/2014/main" id="{005EB39F-3A35-4750-9640-C43C36824C85}"/>
-              </a:ext>
-            </a:extLst>
-          </p:cNvPr>
+          <p:cNvPr id="6" name="Slide Number Placeholder 5"/>
           <p:cNvSpPr>
             <a:spLocks noGrp="1"/>
           </p:cNvSpPr>
@@ -2983,22 +3209,20 @@
         </p:nvSpPr>
         <p:spPr>
           <a:xfrm>
-            <a:off x="8610600" y="6356350"/>
-            <a:ext cx="2743200" cy="365125"/>
+            <a:off x="480060" y="798973"/>
+            <a:ext cx="811019" cy="503578"/>
           </a:xfrm>
           <a:prstGeom prst="rect">
             <a:avLst/>
           </a:prstGeom>
         </p:spPr>
         <p:txBody>
-          <a:bodyPr vert="horz" lIns="91440" tIns="45720" rIns="91440" bIns="45720" rtlCol="0" anchor="ctr"/>
+          <a:bodyPr vert="horz" lIns="91440" tIns="45720" rIns="91440" bIns="45720" rtlCol="0" anchor="t"/>
           <a:lstStyle>
             <a:lvl1pPr algn="r">
-              <a:defRPr sz="1200">
-                <a:solidFill>
-                  <a:schemeClr val="tx1">
-                    <a:tint val="75000"/>
-                  </a:schemeClr>
+              <a:defRPr sz="2800">
+                <a:solidFill>
+                  <a:schemeClr val="accent1"/>
                 </a:solidFill>
               </a:defRPr>
             </a:lvl1pPr>
@@ -3012,26 +3236,63 @@
           </a:p>
         </p:txBody>
       </p:sp>
+      <p:cxnSp>
+        <p:nvCxnSpPr>
+          <p:cNvPr id="10" name="Straight Connector 9"/>
+          <p:cNvCxnSpPr/>
+          <p:nvPr/>
+        </p:nvCxnSpPr>
+        <p:spPr>
+          <a:xfrm>
+            <a:off x="0" y="6128413"/>
+            <a:ext cx="12192000" cy="0"/>
+          </a:xfrm>
+          <a:prstGeom prst="line">
+            <a:avLst/>
+          </a:prstGeom>
+          <a:ln w="12700">
+            <a:solidFill>
+              <a:srgbClr val="000001">
+                <a:alpha val="20000"/>
+              </a:srgbClr>
+            </a:solidFill>
+          </a:ln>
+        </p:spPr>
+        <p:style>
+          <a:lnRef idx="1">
+            <a:schemeClr val="accent1"/>
+          </a:lnRef>
+          <a:fillRef idx="0">
+            <a:schemeClr val="accent1"/>
+          </a:fillRef>
+          <a:effectRef idx="0">
+            <a:schemeClr val="accent1"/>
+          </a:effectRef>
+          <a:fontRef idx="minor">
+            <a:schemeClr val="tx1"/>
+          </a:fontRef>
+        </p:style>
+      </p:cxnSp>
     </p:spTree>
     <p:extLst>
       <p:ext uri="{BB962C8B-B14F-4D97-AF65-F5344CB8AC3E}">
-        <p14:creationId xmlns:p14="http://schemas.microsoft.com/office/powerpoint/2010/main" val="31384296"/>
+        <p14:creationId xmlns:p14="http://schemas.microsoft.com/office/powerpoint/2010/main" val="4124819787"/>
       </p:ext>
     </p:extLst>
   </p:cSld>
   <p:clrMap bg1="lt1" tx1="dk1" bg2="lt2" tx2="dk2" accent1="accent1" accent2="accent2" accent3="accent3" accent4="accent4" accent5="accent5" accent6="accent6" hlink="hlink" folHlink="folHlink"/>
   <p:sldLayoutIdLst>
-    <p:sldLayoutId id="2147483649" r:id="rId1"/>
-    <p:sldLayoutId id="2147483650" r:id="rId2"/>
-    <p:sldLayoutId id="2147483651" r:id="rId3"/>
-    <p:sldLayoutId id="2147483652" r:id="rId4"/>
-    <p:sldLayoutId id="2147483653" r:id="rId5"/>
-    <p:sldLayoutId id="2147483654" r:id="rId6"/>
-    <p:sldLayoutId id="2147483655" r:id="rId7"/>
-    <p:sldLayoutId id="2147483656" r:id="rId8"/>
-    <p:sldLayoutId id="2147483657" r:id="rId9"/>
-    <p:sldLayoutId id="2147483658" r:id="rId10"/>
-    <p:sldLayoutId id="2147483659" r:id="rId11"/>
+    <p:sldLayoutId id="2147483661" r:id="rId1"/>
+    <p:sldLayoutId id="2147483662" r:id="rId2"/>
+    <p:sldLayoutId id="2147483663" r:id="rId3"/>
+    <p:sldLayoutId id="2147483664" r:id="rId4"/>
+    <p:sldLayoutId id="2147483665" r:id="rId5"/>
+    <p:sldLayoutId id="2147483666" r:id="rId6"/>
+    <p:sldLayoutId id="2147483667" r:id="rId7"/>
+    <p:sldLayoutId id="2147483668" r:id="rId8"/>
+    <p:sldLayoutId id="2147483669" r:id="rId9"/>
+    <p:sldLayoutId id="2147483670" r:id="rId10"/>
+    <p:sldLayoutId id="2147483671" r:id="rId11"/>
   </p:sldLayoutIdLst>
   <p:txStyles>
     <p:titleStyle>
@@ -3043,10 +3304,11 @@
           <a:spcPct val="0"/>
         </a:spcBef>
         <a:buNone/>
-        <a:defRPr sz="4400" kern="1200">
+        <a:defRPr sz="3200" b="0" i="0" kern="1200" cap="all">
           <a:solidFill>
             <a:schemeClr val="tx1"/>
           </a:solidFill>
+          <a:effectLst/>
           <a:latin typeface="+mj-lt"/>
           <a:ea typeface="+mj-ea"/>
           <a:cs typeface="+mj-cs"/>
@@ -3056,17 +3318,22 @@
     <p:bodyStyle>
       <a:lvl1pPr marL="228600" indent="-228600" algn="l" defTabSz="914400" rtl="0" eaLnBrk="1" latinLnBrk="0" hangingPunct="1">
         <a:lnSpc>
-          <a:spcPct val="90000"/>
+          <a:spcPct val="120000"/>
         </a:lnSpc>
         <a:spcBef>
           <a:spcPts val="1000"/>
         </a:spcBef>
+        <a:buClr>
+          <a:schemeClr val="accent1"/>
+        </a:buClr>
+        <a:buSzPct val="100000"/>
         <a:buFont typeface="Arial" panose="020B0604020202020204" pitchFamily="34" charset="0"/>
         <a:buChar char="•"/>
-        <a:defRPr sz="2800" kern="1200">
+        <a:defRPr sz="2000" kern="1200">
           <a:solidFill>
             <a:schemeClr val="tx1"/>
           </a:solidFill>
+          <a:effectLst/>
           <a:latin typeface="+mn-lt"/>
           <a:ea typeface="+mn-ea"/>
           <a:cs typeface="+mn-cs"/>
@@ -3074,17 +3341,22 @@
       </a:lvl1pPr>
       <a:lvl2pPr marL="685800" indent="-228600" algn="l" defTabSz="914400" rtl="0" eaLnBrk="1" latinLnBrk="0" hangingPunct="1">
         <a:lnSpc>
-          <a:spcPct val="90000"/>
+          <a:spcPct val="120000"/>
         </a:lnSpc>
         <a:spcBef>
           <a:spcPts val="500"/>
         </a:spcBef>
+        <a:buClr>
+          <a:schemeClr val="accent1"/>
+        </a:buClr>
+        <a:buSzPct val="100000"/>
         <a:buFont typeface="Arial" panose="020B0604020202020204" pitchFamily="34" charset="0"/>
         <a:buChar char="•"/>
-        <a:defRPr sz="2400" kern="1200">
+        <a:defRPr sz="1800" kern="1200" cap="none" baseline="0">
           <a:solidFill>
             <a:schemeClr val="tx1"/>
           </a:solidFill>
+          <a:effectLst/>
           <a:latin typeface="+mn-lt"/>
           <a:ea typeface="+mn-ea"/>
           <a:cs typeface="+mn-cs"/>
@@ -3092,17 +3364,22 @@
       </a:lvl2pPr>
       <a:lvl3pPr marL="1143000" indent="-228600" algn="l" defTabSz="914400" rtl="0" eaLnBrk="1" latinLnBrk="0" hangingPunct="1">
         <a:lnSpc>
-          <a:spcPct val="90000"/>
+          <a:spcPct val="120000"/>
         </a:lnSpc>
         <a:spcBef>
           <a:spcPts val="500"/>
         </a:spcBef>
+        <a:buClr>
+          <a:schemeClr val="accent1"/>
+        </a:buClr>
+        <a:buSzPct val="100000"/>
         <a:buFont typeface="Arial" panose="020B0604020202020204" pitchFamily="34" charset="0"/>
         <a:buChar char="•"/>
-        <a:defRPr sz="2000" kern="1200">
+        <a:defRPr sz="1600" kern="1200">
           <a:solidFill>
             <a:schemeClr val="tx1"/>
           </a:solidFill>
+          <a:effectLst/>
           <a:latin typeface="+mn-lt"/>
           <a:ea typeface="+mn-ea"/>
           <a:cs typeface="+mn-cs"/>
@@ -3110,17 +3387,22 @@
       </a:lvl3pPr>
       <a:lvl4pPr marL="1600200" indent="-228600" algn="l" defTabSz="914400" rtl="0" eaLnBrk="1" latinLnBrk="0" hangingPunct="1">
         <a:lnSpc>
-          <a:spcPct val="90000"/>
+          <a:spcPct val="120000"/>
         </a:lnSpc>
         <a:spcBef>
           <a:spcPts val="500"/>
         </a:spcBef>
+        <a:buClr>
+          <a:schemeClr val="accent1"/>
+        </a:buClr>
+        <a:buSzPct val="100000"/>
         <a:buFont typeface="Arial" panose="020B0604020202020204" pitchFamily="34" charset="0"/>
         <a:buChar char="•"/>
-        <a:defRPr sz="1800" kern="1200">
+        <a:defRPr sz="1400" kern="1200" cap="none" baseline="0">
           <a:solidFill>
             <a:schemeClr val="tx1"/>
           </a:solidFill>
+          <a:effectLst/>
           <a:latin typeface="+mn-lt"/>
           <a:ea typeface="+mn-ea"/>
           <a:cs typeface="+mn-cs"/>
@@ -3128,17 +3410,22 @@
       </a:lvl4pPr>
       <a:lvl5pPr marL="2057400" indent="-228600" algn="l" defTabSz="914400" rtl="0" eaLnBrk="1" latinLnBrk="0" hangingPunct="1">
         <a:lnSpc>
-          <a:spcPct val="90000"/>
+          <a:spcPct val="120000"/>
         </a:lnSpc>
         <a:spcBef>
           <a:spcPts val="500"/>
         </a:spcBef>
+        <a:buClr>
+          <a:schemeClr val="accent1"/>
+        </a:buClr>
+        <a:buSzPct val="100000"/>
         <a:buFont typeface="Arial" panose="020B0604020202020204" pitchFamily="34" charset="0"/>
         <a:buChar char="•"/>
-        <a:defRPr sz="1800" kern="1200">
+        <a:defRPr sz="1200" kern="1200">
           <a:solidFill>
             <a:schemeClr val="tx1"/>
           </a:solidFill>
+          <a:effectLst/>
           <a:latin typeface="+mn-lt"/>
           <a:ea typeface="+mn-ea"/>
           <a:cs typeface="+mn-cs"/>
@@ -3146,17 +3433,22 @@
       </a:lvl5pPr>
       <a:lvl6pPr marL="2514600" indent="-228600" algn="l" defTabSz="914400" rtl="0" eaLnBrk="1" latinLnBrk="0" hangingPunct="1">
         <a:lnSpc>
-          <a:spcPct val="90000"/>
+          <a:spcPct val="120000"/>
         </a:lnSpc>
         <a:spcBef>
           <a:spcPts val="500"/>
         </a:spcBef>
+        <a:buClr>
+          <a:schemeClr val="accent1"/>
+        </a:buClr>
+        <a:buSzPct val="100000"/>
         <a:buFont typeface="Arial" panose="020B0604020202020204" pitchFamily="34" charset="0"/>
         <a:buChar char="•"/>
-        <a:defRPr sz="1800" kern="1200">
+        <a:defRPr sz="1200" kern="1200">
           <a:solidFill>
             <a:schemeClr val="tx1"/>
           </a:solidFill>
+          <a:effectLst/>
           <a:latin typeface="+mn-lt"/>
           <a:ea typeface="+mn-ea"/>
           <a:cs typeface="+mn-cs"/>
@@ -3164,17 +3456,22 @@
       </a:lvl6pPr>
       <a:lvl7pPr marL="2971800" indent="-228600" algn="l" defTabSz="914400" rtl="0" eaLnBrk="1" latinLnBrk="0" hangingPunct="1">
         <a:lnSpc>
-          <a:spcPct val="90000"/>
+          <a:spcPct val="120000"/>
         </a:lnSpc>
         <a:spcBef>
           <a:spcPts val="500"/>
         </a:spcBef>
+        <a:buClr>
+          <a:schemeClr val="accent1"/>
+        </a:buClr>
+        <a:buSzPct val="100000"/>
         <a:buFont typeface="Arial" panose="020B0604020202020204" pitchFamily="34" charset="0"/>
         <a:buChar char="•"/>
-        <a:defRPr sz="1800" kern="1200">
+        <a:defRPr sz="1200" kern="1200">
           <a:solidFill>
             <a:schemeClr val="tx1"/>
           </a:solidFill>
+          <a:effectLst/>
           <a:latin typeface="+mn-lt"/>
           <a:ea typeface="+mn-ea"/>
           <a:cs typeface="+mn-cs"/>
@@ -3182,17 +3479,22 @@
       </a:lvl7pPr>
       <a:lvl8pPr marL="3429000" indent="-228600" algn="l" defTabSz="914400" rtl="0" eaLnBrk="1" latinLnBrk="0" hangingPunct="1">
         <a:lnSpc>
-          <a:spcPct val="90000"/>
+          <a:spcPct val="120000"/>
         </a:lnSpc>
         <a:spcBef>
           <a:spcPts val="500"/>
         </a:spcBef>
+        <a:buClr>
+          <a:schemeClr val="accent1"/>
+        </a:buClr>
+        <a:buSzPct val="100000"/>
         <a:buFont typeface="Arial" panose="020B0604020202020204" pitchFamily="34" charset="0"/>
         <a:buChar char="•"/>
-        <a:defRPr sz="1800" kern="1200">
+        <a:defRPr sz="1200" kern="1200" baseline="0">
           <a:solidFill>
             <a:schemeClr val="tx1"/>
           </a:solidFill>
+          <a:effectLst/>
           <a:latin typeface="+mn-lt"/>
           <a:ea typeface="+mn-ea"/>
           <a:cs typeface="+mn-cs"/>
@@ -3200,17 +3502,22 @@
       </a:lvl8pPr>
       <a:lvl9pPr marL="3886200" indent="-228600" algn="l" defTabSz="914400" rtl="0" eaLnBrk="1" latinLnBrk="0" hangingPunct="1">
         <a:lnSpc>
-          <a:spcPct val="90000"/>
+          <a:spcPct val="120000"/>
         </a:lnSpc>
         <a:spcBef>
           <a:spcPts val="500"/>
         </a:spcBef>
+        <a:buClr>
+          <a:schemeClr val="accent1"/>
+        </a:buClr>
+        <a:buSzPct val="100000"/>
         <a:buFont typeface="Arial" panose="020B0604020202020204" pitchFamily="34" charset="0"/>
         <a:buChar char="•"/>
-        <a:defRPr sz="1800" kern="1200">
+        <a:defRPr sz="1200" kern="1200" baseline="0">
           <a:solidFill>
             <a:schemeClr val="tx1"/>
           </a:solidFill>
+          <a:effectLst/>
           <a:latin typeface="+mn-lt"/>
           <a:ea typeface="+mn-ea"/>
           <a:cs typeface="+mn-cs"/>
@@ -3410,10 +3717,1238 @@
           </a:p>
         </p:txBody>
       </p:sp>
+      <p:pic>
+        <p:nvPicPr>
+          <p:cNvPr id="1028" name="Picture 4">
+            <a:extLst>
+              <a:ext uri="{FF2B5EF4-FFF2-40B4-BE49-F238E27FC236}">
+                <a16:creationId xmlns:a16="http://schemas.microsoft.com/office/drawing/2014/main" id="{B4D1076E-2B6A-4018-BD89-D5E32DD2A5D8}"/>
+              </a:ext>
+            </a:extLst>
+          </p:cNvPr>
+          <p:cNvPicPr>
+            <a:picLocks noChangeAspect="1" noChangeArrowheads="1"/>
+          </p:cNvPicPr>
+          <p:nvPr/>
+        </p:nvPicPr>
+        <p:blipFill>
+          <a:blip r:embed="rId2">
+            <a:extLst>
+              <a:ext uri="{28A0092B-C50C-407E-A947-70E740481C1C}">
+                <a14:useLocalDpi xmlns:a14="http://schemas.microsoft.com/office/drawing/2010/main" val="0"/>
+              </a:ext>
+            </a:extLst>
+          </a:blip>
+          <a:srcRect/>
+          <a:stretch>
+            <a:fillRect/>
+          </a:stretch>
+        </p:blipFill>
+        <p:spPr bwMode="auto">
+          <a:xfrm>
+            <a:off x="10932640" y="230164"/>
+            <a:ext cx="1087909" cy="318931"/>
+          </a:xfrm>
+          <a:prstGeom prst="rect">
+            <a:avLst/>
+          </a:prstGeom>
+          <a:noFill/>
+          <a:extLst>
+            <a:ext uri="{909E8E84-426E-40DD-AFC4-6F175D3DCCD1}">
+              <a14:hiddenFill xmlns:a14="http://schemas.microsoft.com/office/drawing/2010/main">
+                <a:solidFill>
+                  <a:srgbClr val="FFFFFF"/>
+                </a:solidFill>
+              </a14:hiddenFill>
+            </a:ext>
+          </a:extLst>
+        </p:spPr>
+      </p:pic>
     </p:spTree>
     <p:extLst>
       <p:ext uri="{BB962C8B-B14F-4D97-AF65-F5344CB8AC3E}">
         <p14:creationId xmlns:p14="http://schemas.microsoft.com/office/powerpoint/2010/main" val="4265112376"/>
+      </p:ext>
+    </p:extLst>
+  </p:cSld>
+  <p:clrMapOvr>
+    <a:masterClrMapping/>
+  </p:clrMapOvr>
+</p:sld>
+</file>
+
+<file path=ppt/slides/slide10.xml><?xml version="1.0" encoding="utf-8"?>
+<p:sld xmlns:a="http://schemas.openxmlformats.org/drawingml/2006/main" xmlns:r="http://schemas.openxmlformats.org/officeDocument/2006/relationships" xmlns:p="http://schemas.openxmlformats.org/presentationml/2006/main">
+  <p:cSld>
+    <p:spTree>
+      <p:nvGrpSpPr>
+        <p:cNvPr id="1" name=""/>
+        <p:cNvGrpSpPr/>
+        <p:nvPr/>
+      </p:nvGrpSpPr>
+      <p:grpSpPr>
+        <a:xfrm>
+          <a:off x="0" y="0"/>
+          <a:ext cx="0" cy="0"/>
+          <a:chOff x="0" y="0"/>
+          <a:chExt cx="0" cy="0"/>
+        </a:xfrm>
+      </p:grpSpPr>
+      <p:sp>
+        <p:nvSpPr>
+          <p:cNvPr id="2" name="Title 1">
+            <a:extLst>
+              <a:ext uri="{FF2B5EF4-FFF2-40B4-BE49-F238E27FC236}">
+                <a16:creationId xmlns:a16="http://schemas.microsoft.com/office/drawing/2014/main" id="{DD7D9800-534C-470C-979D-B8850C286E34}"/>
+              </a:ext>
+            </a:extLst>
+          </p:cNvPr>
+          <p:cNvSpPr>
+            <a:spLocks noGrp="1"/>
+          </p:cNvSpPr>
+          <p:nvPr>
+            <p:ph type="title"/>
+          </p:nvPr>
+        </p:nvSpPr>
+        <p:spPr/>
+        <p:txBody>
+          <a:bodyPr/>
+          <a:lstStyle/>
+          <a:p>
+            <a:r>
+              <a:rPr lang="en-US" dirty="0"/>
+              <a:t>R-CNN vs Fast r-</a:t>
+            </a:r>
+            <a:r>
+              <a:rPr lang="en-US" dirty="0" err="1"/>
+              <a:t>cnn</a:t>
+            </a:r>
+            <a:endParaRPr lang="en-US" dirty="0"/>
+          </a:p>
+        </p:txBody>
+      </p:sp>
+      <p:pic>
+        <p:nvPicPr>
+          <p:cNvPr id="5" name="Content Placeholder 4">
+            <a:extLst>
+              <a:ext uri="{FF2B5EF4-FFF2-40B4-BE49-F238E27FC236}">
+                <a16:creationId xmlns:a16="http://schemas.microsoft.com/office/drawing/2014/main" id="{E91E7BA4-0C66-4B26-A1F1-0E97E976C4E1}"/>
+              </a:ext>
+            </a:extLst>
+          </p:cNvPr>
+          <p:cNvPicPr>
+            <a:picLocks noGrp="1" noChangeAspect="1"/>
+          </p:cNvPicPr>
+          <p:nvPr>
+            <p:ph idx="1"/>
+          </p:nvPr>
+        </p:nvPicPr>
+        <p:blipFill>
+          <a:blip r:embed="rId2"/>
+          <a:stretch>
+            <a:fillRect/>
+          </a:stretch>
+        </p:blipFill>
+        <p:spPr>
+          <a:xfrm>
+            <a:off x="2925524" y="2016125"/>
+            <a:ext cx="6655277" cy="3449638"/>
+          </a:xfrm>
+        </p:spPr>
+      </p:pic>
+    </p:spTree>
+    <p:extLst>
+      <p:ext uri="{BB962C8B-B14F-4D97-AF65-F5344CB8AC3E}">
+        <p14:creationId xmlns:p14="http://schemas.microsoft.com/office/powerpoint/2010/main" val="2189373159"/>
+      </p:ext>
+    </p:extLst>
+  </p:cSld>
+  <p:clrMapOvr>
+    <a:masterClrMapping/>
+  </p:clrMapOvr>
+</p:sld>
+</file>
+
+<file path=ppt/slides/slide11.xml><?xml version="1.0" encoding="utf-8"?>
+<p:sld xmlns:a="http://schemas.openxmlformats.org/drawingml/2006/main" xmlns:r="http://schemas.openxmlformats.org/officeDocument/2006/relationships" xmlns:p="http://schemas.openxmlformats.org/presentationml/2006/main">
+  <p:cSld>
+    <p:spTree>
+      <p:nvGrpSpPr>
+        <p:cNvPr id="1" name=""/>
+        <p:cNvGrpSpPr/>
+        <p:nvPr/>
+      </p:nvGrpSpPr>
+      <p:grpSpPr>
+        <a:xfrm>
+          <a:off x="0" y="0"/>
+          <a:ext cx="0" cy="0"/>
+          <a:chOff x="0" y="0"/>
+          <a:chExt cx="0" cy="0"/>
+        </a:xfrm>
+      </p:grpSpPr>
+      <p:sp>
+        <p:nvSpPr>
+          <p:cNvPr id="2" name="Title 1">
+            <a:extLst>
+              <a:ext uri="{FF2B5EF4-FFF2-40B4-BE49-F238E27FC236}">
+                <a16:creationId xmlns:a16="http://schemas.microsoft.com/office/drawing/2014/main" id="{C07731E7-F7F6-4E42-99A7-63056E552175}"/>
+              </a:ext>
+            </a:extLst>
+          </p:cNvPr>
+          <p:cNvSpPr>
+            <a:spLocks noGrp="1"/>
+          </p:cNvSpPr>
+          <p:nvPr>
+            <p:ph type="title"/>
+          </p:nvPr>
+        </p:nvSpPr>
+        <p:spPr/>
+        <p:txBody>
+          <a:bodyPr/>
+          <a:lstStyle/>
+          <a:p>
+            <a:r>
+              <a:rPr lang="en-US" dirty="0"/>
+              <a:t>Fine tuning</a:t>
+            </a:r>
+          </a:p>
+        </p:txBody>
+      </p:sp>
+      <p:sp>
+        <p:nvSpPr>
+          <p:cNvPr id="3" name="Content Placeholder 2">
+            <a:extLst>
+              <a:ext uri="{FF2B5EF4-FFF2-40B4-BE49-F238E27FC236}">
+                <a16:creationId xmlns:a16="http://schemas.microsoft.com/office/drawing/2014/main" id="{F440B57B-529D-4446-8923-4C259BB8087D}"/>
+              </a:ext>
+            </a:extLst>
+          </p:cNvPr>
+          <p:cNvSpPr>
+            <a:spLocks noGrp="1"/>
+          </p:cNvSpPr>
+          <p:nvPr>
+            <p:ph idx="1"/>
+          </p:nvPr>
+        </p:nvSpPr>
+        <p:spPr/>
+        <p:txBody>
+          <a:bodyPr>
+            <a:normAutofit fontScale="92500" lnSpcReduction="20000"/>
+          </a:bodyPr>
+          <a:lstStyle/>
+          <a:p>
+            <a:r>
+              <a:rPr lang="en-US" dirty="0"/>
+              <a:t>Uses Stochastic gradient descent (just like regular gradient descent but random and better to update) for mini-batch sampling (25% of the </a:t>
+            </a:r>
+            <a:r>
+              <a:rPr lang="en-US" dirty="0" err="1"/>
+              <a:t>RoIs</a:t>
+            </a:r>
+            <a:r>
+              <a:rPr lang="en-US" dirty="0"/>
+              <a:t>).</a:t>
+            </a:r>
+          </a:p>
+          <a:p>
+            <a:r>
+              <a:rPr lang="en-US" dirty="0"/>
+              <a:t>2 output layers:</a:t>
+            </a:r>
+          </a:p>
+          <a:p>
+            <a:pPr lvl="1"/>
+            <a:r>
+              <a:rPr lang="en-US" dirty="0"/>
+              <a:t>Discrete probability distribution per </a:t>
+            </a:r>
+            <a:r>
+              <a:rPr lang="en-US" dirty="0" err="1"/>
+              <a:t>RoI</a:t>
+            </a:r>
+            <a:r>
+              <a:rPr lang="en-US" dirty="0"/>
+              <a:t> over K+1 categories.</a:t>
+            </a:r>
+          </a:p>
+          <a:p>
+            <a:pPr lvl="1"/>
+            <a:r>
+              <a:rPr lang="en-US" dirty="0"/>
+              <a:t>Bounding-box regression offset for each of the K object classes.</a:t>
+            </a:r>
+          </a:p>
+          <a:p>
+            <a:r>
+              <a:rPr lang="en-US" dirty="0"/>
+              <a:t>Back propagation routes derivatives through the </a:t>
+            </a:r>
+            <a:r>
+              <a:rPr lang="en-US" dirty="0" err="1"/>
+              <a:t>RoI</a:t>
+            </a:r>
+            <a:r>
+              <a:rPr lang="en-US" dirty="0"/>
+              <a:t> pooling layer.</a:t>
+            </a:r>
+          </a:p>
+          <a:p>
+            <a:r>
+              <a:rPr lang="en-US" dirty="0"/>
+              <a:t>SGD hyper-parameter: </a:t>
+            </a:r>
+            <a:r>
+              <a:rPr lang="en-US" dirty="0" err="1"/>
+              <a:t>softmax</a:t>
+            </a:r>
+            <a:r>
+              <a:rPr lang="en-US" dirty="0"/>
+              <a:t> &amp; bounding-box initialized from zero-mean Gaussian distribution with standard deviations 0.01 and 0.001.</a:t>
+            </a:r>
+          </a:p>
+          <a:p>
+            <a:r>
+              <a:rPr lang="en-US" dirty="0"/>
+              <a:t>Using both brute force(single scale) and image pyramid for scale invariance</a:t>
+            </a:r>
+          </a:p>
+        </p:txBody>
+      </p:sp>
+    </p:spTree>
+    <p:extLst>
+      <p:ext uri="{BB962C8B-B14F-4D97-AF65-F5344CB8AC3E}">
+        <p14:creationId xmlns:p14="http://schemas.microsoft.com/office/powerpoint/2010/main" val="1904023928"/>
+      </p:ext>
+    </p:extLst>
+  </p:cSld>
+  <p:clrMapOvr>
+    <a:masterClrMapping/>
+  </p:clrMapOvr>
+</p:sld>
+</file>
+
+<file path=ppt/slides/slide12.xml><?xml version="1.0" encoding="utf-8"?>
+<p:sld xmlns:a="http://schemas.openxmlformats.org/drawingml/2006/main" xmlns:r="http://schemas.openxmlformats.org/officeDocument/2006/relationships" xmlns:p="http://schemas.openxmlformats.org/presentationml/2006/main">
+  <p:cSld>
+    <p:spTree>
+      <p:nvGrpSpPr>
+        <p:cNvPr id="1" name=""/>
+        <p:cNvGrpSpPr/>
+        <p:nvPr/>
+      </p:nvGrpSpPr>
+      <p:grpSpPr>
+        <a:xfrm>
+          <a:off x="0" y="0"/>
+          <a:ext cx="0" cy="0"/>
+          <a:chOff x="0" y="0"/>
+          <a:chExt cx="0" cy="0"/>
+        </a:xfrm>
+      </p:grpSpPr>
+      <p:sp>
+        <p:nvSpPr>
+          <p:cNvPr id="2" name="Title 1">
+            <a:extLst>
+              <a:ext uri="{FF2B5EF4-FFF2-40B4-BE49-F238E27FC236}">
+                <a16:creationId xmlns:a16="http://schemas.microsoft.com/office/drawing/2014/main" id="{19C82CCC-6D75-4055-815F-DDAD58C80BEE}"/>
+              </a:ext>
+            </a:extLst>
+          </p:cNvPr>
+          <p:cNvSpPr>
+            <a:spLocks noGrp="1"/>
+          </p:cNvSpPr>
+          <p:nvPr>
+            <p:ph type="title"/>
+          </p:nvPr>
+        </p:nvSpPr>
+        <p:spPr/>
+        <p:txBody>
+          <a:bodyPr/>
+          <a:lstStyle/>
+          <a:p>
+            <a:r>
+              <a:rPr lang="en-US" dirty="0"/>
+              <a:t>Assessment of strengths</a:t>
+            </a:r>
+          </a:p>
+        </p:txBody>
+      </p:sp>
+      <p:sp>
+        <p:nvSpPr>
+          <p:cNvPr id="3" name="Content Placeholder 2">
+            <a:extLst>
+              <a:ext uri="{FF2B5EF4-FFF2-40B4-BE49-F238E27FC236}">
+                <a16:creationId xmlns:a16="http://schemas.microsoft.com/office/drawing/2014/main" id="{00774AD3-767F-4055-99E4-0935A3DE504D}"/>
+              </a:ext>
+            </a:extLst>
+          </p:cNvPr>
+          <p:cNvSpPr>
+            <a:spLocks noGrp="1"/>
+          </p:cNvSpPr>
+          <p:nvPr>
+            <p:ph idx="1"/>
+          </p:nvPr>
+        </p:nvSpPr>
+        <p:spPr/>
+        <p:txBody>
+          <a:bodyPr/>
+          <a:lstStyle/>
+          <a:p>
+            <a:r>
+              <a:rPr lang="en-US" dirty="0">
+                <a:solidFill>
+                  <a:srgbClr val="FF0000"/>
+                </a:solidFill>
+              </a:rPr>
+              <a:t>Higher detection quality (</a:t>
+            </a:r>
+            <a:r>
+              <a:rPr lang="en-US" dirty="0" err="1">
+                <a:solidFill>
+                  <a:srgbClr val="FF0000"/>
+                </a:solidFill>
+              </a:rPr>
+              <a:t>mAP</a:t>
+            </a:r>
+            <a:r>
+              <a:rPr lang="en-US" dirty="0">
+                <a:solidFill>
+                  <a:srgbClr val="FF0000"/>
+                </a:solidFill>
+              </a:rPr>
+              <a:t>) than R-CNN, </a:t>
+            </a:r>
+            <a:r>
+              <a:rPr lang="en-US" dirty="0" err="1">
+                <a:solidFill>
+                  <a:srgbClr val="FF0000"/>
+                </a:solidFill>
+              </a:rPr>
+              <a:t>SPPNet</a:t>
+            </a:r>
+            <a:endParaRPr lang="en-US" dirty="0">
+              <a:solidFill>
+                <a:srgbClr val="FF0000"/>
+              </a:solidFill>
+            </a:endParaRPr>
+          </a:p>
+          <a:p>
+            <a:r>
+              <a:rPr lang="en-US" dirty="0">
+                <a:solidFill>
+                  <a:srgbClr val="FF0000"/>
+                </a:solidFill>
+              </a:rPr>
+              <a:t>Training is single-stage, using a multi-task loss</a:t>
+            </a:r>
+          </a:p>
+          <a:p>
+            <a:r>
+              <a:rPr lang="en-US" dirty="0">
+                <a:solidFill>
+                  <a:srgbClr val="FF0000"/>
+                </a:solidFill>
+              </a:rPr>
+              <a:t>Training  can update all network layers</a:t>
+            </a:r>
+          </a:p>
+          <a:p>
+            <a:r>
+              <a:rPr lang="en-US" dirty="0">
+                <a:solidFill>
+                  <a:srgbClr val="FF0000"/>
+                </a:solidFill>
+              </a:rPr>
+              <a:t>No disk storage is required for feature caching</a:t>
+            </a:r>
+          </a:p>
+          <a:p>
+            <a:r>
+              <a:rPr lang="en-US" dirty="0" err="1">
+                <a:solidFill>
+                  <a:srgbClr val="FF0000"/>
+                </a:solidFill>
+              </a:rPr>
+              <a:t>softmax</a:t>
+            </a:r>
+            <a:r>
+              <a:rPr lang="en-US" dirty="0">
+                <a:solidFill>
+                  <a:srgbClr val="FF0000"/>
+                </a:solidFill>
+              </a:rPr>
+              <a:t> slightly outperforming SVM</a:t>
+            </a:r>
+          </a:p>
+          <a:p>
+            <a:endParaRPr lang="en-US" dirty="0"/>
+          </a:p>
+        </p:txBody>
+      </p:sp>
+      <p:pic>
+        <p:nvPicPr>
+          <p:cNvPr id="4" name="Picture 4">
+            <a:extLst>
+              <a:ext uri="{FF2B5EF4-FFF2-40B4-BE49-F238E27FC236}">
+                <a16:creationId xmlns:a16="http://schemas.microsoft.com/office/drawing/2014/main" id="{F8B588F2-4E02-4CFF-9AAE-4E3F4659DAE5}"/>
+              </a:ext>
+            </a:extLst>
+          </p:cNvPr>
+          <p:cNvPicPr>
+            <a:picLocks noChangeAspect="1" noChangeArrowheads="1"/>
+          </p:cNvPicPr>
+          <p:nvPr/>
+        </p:nvPicPr>
+        <p:blipFill>
+          <a:blip r:embed="rId2">
+            <a:extLst>
+              <a:ext uri="{28A0092B-C50C-407E-A947-70E740481C1C}">
+                <a14:useLocalDpi xmlns:a14="http://schemas.microsoft.com/office/drawing/2010/main" val="0"/>
+              </a:ext>
+            </a:extLst>
+          </a:blip>
+          <a:srcRect/>
+          <a:stretch>
+            <a:fillRect/>
+          </a:stretch>
+        </p:blipFill>
+        <p:spPr bwMode="auto">
+          <a:xfrm>
+            <a:off x="10932640" y="230164"/>
+            <a:ext cx="1087909" cy="318931"/>
+          </a:xfrm>
+          <a:prstGeom prst="rect">
+            <a:avLst/>
+          </a:prstGeom>
+          <a:noFill/>
+          <a:extLst>
+            <a:ext uri="{909E8E84-426E-40DD-AFC4-6F175D3DCCD1}">
+              <a14:hiddenFill xmlns:a14="http://schemas.microsoft.com/office/drawing/2010/main">
+                <a:solidFill>
+                  <a:srgbClr val="FFFFFF"/>
+                </a:solidFill>
+              </a14:hiddenFill>
+            </a:ext>
+          </a:extLst>
+        </p:spPr>
+      </p:pic>
+    </p:spTree>
+    <p:extLst>
+      <p:ext uri="{BB962C8B-B14F-4D97-AF65-F5344CB8AC3E}">
+        <p14:creationId xmlns:p14="http://schemas.microsoft.com/office/powerpoint/2010/main" val="3886362596"/>
+      </p:ext>
+    </p:extLst>
+  </p:cSld>
+  <p:clrMapOvr>
+    <a:masterClrMapping/>
+  </p:clrMapOvr>
+</p:sld>
+</file>
+
+<file path=ppt/slides/slide13.xml><?xml version="1.0" encoding="utf-8"?>
+<p:sld xmlns:a="http://schemas.openxmlformats.org/drawingml/2006/main" xmlns:r="http://schemas.openxmlformats.org/officeDocument/2006/relationships" xmlns:p="http://schemas.openxmlformats.org/presentationml/2006/main">
+  <p:cSld>
+    <p:spTree>
+      <p:nvGrpSpPr>
+        <p:cNvPr id="1" name=""/>
+        <p:cNvGrpSpPr/>
+        <p:nvPr/>
+      </p:nvGrpSpPr>
+      <p:grpSpPr>
+        <a:xfrm>
+          <a:off x="0" y="0"/>
+          <a:ext cx="0" cy="0"/>
+          <a:chOff x="0" y="0"/>
+          <a:chExt cx="0" cy="0"/>
+        </a:xfrm>
+      </p:grpSpPr>
+      <p:sp>
+        <p:nvSpPr>
+          <p:cNvPr id="2" name="Title 1">
+            <a:extLst>
+              <a:ext uri="{FF2B5EF4-FFF2-40B4-BE49-F238E27FC236}">
+                <a16:creationId xmlns:a16="http://schemas.microsoft.com/office/drawing/2014/main" id="{DB09A089-9D40-4E8D-8B92-E0B209BEDD52}"/>
+              </a:ext>
+            </a:extLst>
+          </p:cNvPr>
+          <p:cNvSpPr>
+            <a:spLocks noGrp="1"/>
+          </p:cNvSpPr>
+          <p:nvPr>
+            <p:ph type="title"/>
+          </p:nvPr>
+        </p:nvSpPr>
+        <p:spPr/>
+        <p:txBody>
+          <a:bodyPr/>
+          <a:lstStyle/>
+          <a:p>
+            <a:r>
+              <a:rPr lang="en-US" dirty="0"/>
+              <a:t>Training and testing time</a:t>
+            </a:r>
+          </a:p>
+        </p:txBody>
+      </p:sp>
+      <p:sp>
+        <p:nvSpPr>
+          <p:cNvPr id="3" name="Content Placeholder 2">
+            <a:extLst>
+              <a:ext uri="{FF2B5EF4-FFF2-40B4-BE49-F238E27FC236}">
+                <a16:creationId xmlns:a16="http://schemas.microsoft.com/office/drawing/2014/main" id="{E7759677-83D8-4BFB-A5E0-4E58713B23D4}"/>
+              </a:ext>
+            </a:extLst>
+          </p:cNvPr>
+          <p:cNvSpPr>
+            <a:spLocks noGrp="1"/>
+          </p:cNvSpPr>
+          <p:nvPr>
+            <p:ph idx="1"/>
+          </p:nvPr>
+        </p:nvSpPr>
+        <p:spPr/>
+        <p:txBody>
+          <a:bodyPr/>
+          <a:lstStyle/>
+          <a:p>
+            <a:r>
+              <a:rPr lang="en-US" dirty="0"/>
+              <a:t>For VGG16, Fast R-CNN processes images 146× faster than R-CNN without truncated SVD and 213× faster with it.</a:t>
+            </a:r>
+          </a:p>
+          <a:p>
+            <a:r>
+              <a:rPr lang="en-US" dirty="0"/>
+              <a:t>Training time is reduced by 9×, from 84 hours to 9.5.</a:t>
+            </a:r>
+          </a:p>
+          <a:p>
+            <a:r>
+              <a:rPr lang="en-US" dirty="0"/>
+              <a:t>Compared to </a:t>
+            </a:r>
+            <a:r>
+              <a:rPr lang="en-US" dirty="0" err="1"/>
+              <a:t>SPPnet</a:t>
+            </a:r>
+            <a:r>
+              <a:rPr lang="en-US" dirty="0"/>
+              <a:t>, Fast RCNN trains VGG16 2.7× faster (in 9.5 vs. 25.5 hours) and tests 7× faster without truncated SVD or 10× faster with </a:t>
+            </a:r>
+            <a:r>
+              <a:rPr lang="en-US"/>
+              <a:t>it.</a:t>
+            </a:r>
+          </a:p>
+          <a:p>
+            <a:r>
+              <a:rPr lang="en-US"/>
+              <a:t>Fast </a:t>
+            </a:r>
+            <a:r>
+              <a:rPr lang="en-US" dirty="0"/>
+              <a:t>R-CNN also eliminates hundreds of gigabytes of disk storage, because it does not cache features.</a:t>
+            </a:r>
+          </a:p>
+        </p:txBody>
+      </p:sp>
+    </p:spTree>
+    <p:extLst>
+      <p:ext uri="{BB962C8B-B14F-4D97-AF65-F5344CB8AC3E}">
+        <p14:creationId xmlns:p14="http://schemas.microsoft.com/office/powerpoint/2010/main" val="3269629319"/>
+      </p:ext>
+    </p:extLst>
+  </p:cSld>
+  <p:clrMapOvr>
+    <a:masterClrMapping/>
+  </p:clrMapOvr>
+</p:sld>
+</file>
+
+<file path=ppt/slides/slide14.xml><?xml version="1.0" encoding="utf-8"?>
+<p:sld xmlns:a="http://schemas.openxmlformats.org/drawingml/2006/main" xmlns:r="http://schemas.openxmlformats.org/officeDocument/2006/relationships" xmlns:p="http://schemas.openxmlformats.org/presentationml/2006/main">
+  <p:cSld>
+    <p:spTree>
+      <p:nvGrpSpPr>
+        <p:cNvPr id="1" name=""/>
+        <p:cNvGrpSpPr/>
+        <p:nvPr/>
+      </p:nvGrpSpPr>
+      <p:grpSpPr>
+        <a:xfrm>
+          <a:off x="0" y="0"/>
+          <a:ext cx="0" cy="0"/>
+          <a:chOff x="0" y="0"/>
+          <a:chExt cx="0" cy="0"/>
+        </a:xfrm>
+      </p:grpSpPr>
+      <p:sp>
+        <p:nvSpPr>
+          <p:cNvPr id="2" name="Title 1">
+            <a:extLst>
+              <a:ext uri="{FF2B5EF4-FFF2-40B4-BE49-F238E27FC236}">
+                <a16:creationId xmlns:a16="http://schemas.microsoft.com/office/drawing/2014/main" id="{28E6A009-02DE-4BB4-8B73-F4234A45EE16}"/>
+              </a:ext>
+            </a:extLst>
+          </p:cNvPr>
+          <p:cNvSpPr>
+            <a:spLocks noGrp="1"/>
+          </p:cNvSpPr>
+          <p:nvPr>
+            <p:ph type="title"/>
+          </p:nvPr>
+        </p:nvSpPr>
+        <p:spPr/>
+        <p:txBody>
+          <a:bodyPr/>
+          <a:lstStyle/>
+          <a:p>
+            <a:r>
+              <a:rPr lang="en-US" dirty="0"/>
+              <a:t>Assessment of weaknesses</a:t>
+            </a:r>
+          </a:p>
+        </p:txBody>
+      </p:sp>
+      <p:sp>
+        <p:nvSpPr>
+          <p:cNvPr id="3" name="Content Placeholder 2">
+            <a:extLst>
+              <a:ext uri="{FF2B5EF4-FFF2-40B4-BE49-F238E27FC236}">
+                <a16:creationId xmlns:a16="http://schemas.microsoft.com/office/drawing/2014/main" id="{3E318CCD-D202-4AEC-9B7E-674F246F5319}"/>
+              </a:ext>
+            </a:extLst>
+          </p:cNvPr>
+          <p:cNvSpPr>
+            <a:spLocks noGrp="1"/>
+          </p:cNvSpPr>
+          <p:nvPr>
+            <p:ph idx="1"/>
+          </p:nvPr>
+        </p:nvSpPr>
+        <p:spPr/>
+        <p:txBody>
+          <a:bodyPr>
+            <a:normAutofit fontScale="85000" lnSpcReduction="20000"/>
+          </a:bodyPr>
+          <a:lstStyle/>
+          <a:p>
+            <a:r>
+              <a:rPr lang="en-US" dirty="0">
+                <a:solidFill>
+                  <a:srgbClr val="FF0000"/>
+                </a:solidFill>
+              </a:rPr>
+              <a:t>Assumptions that are used:</a:t>
+            </a:r>
+          </a:p>
+          <a:p>
+            <a:pPr lvl="1"/>
+            <a:r>
+              <a:rPr lang="en-US" dirty="0">
+                <a:solidFill>
+                  <a:srgbClr val="FF0000"/>
+                </a:solidFill>
+              </a:rPr>
+              <a:t>Brute force(single-scale)</a:t>
+            </a:r>
+          </a:p>
+          <a:p>
+            <a:pPr lvl="1"/>
+            <a:r>
+              <a:rPr lang="en-US" dirty="0">
+                <a:solidFill>
+                  <a:srgbClr val="FF0000"/>
+                </a:solidFill>
+              </a:rPr>
+              <a:t>Multi-task training</a:t>
+            </a:r>
+          </a:p>
+          <a:p>
+            <a:pPr lvl="1"/>
+            <a:r>
+              <a:rPr lang="en-US" dirty="0">
+                <a:solidFill>
+                  <a:srgbClr val="FF0000"/>
+                </a:solidFill>
+              </a:rPr>
+              <a:t>Training data size</a:t>
+            </a:r>
+          </a:p>
+          <a:p>
+            <a:r>
+              <a:rPr lang="en-US" dirty="0">
+                <a:solidFill>
+                  <a:srgbClr val="FF0000"/>
+                </a:solidFill>
+              </a:rPr>
+              <a:t>When the algorithm might fail:</a:t>
+            </a:r>
+          </a:p>
+          <a:p>
+            <a:pPr lvl="1"/>
+            <a:r>
+              <a:rPr lang="en-US" dirty="0">
+                <a:solidFill>
+                  <a:srgbClr val="FF0000"/>
+                </a:solidFill>
+              </a:rPr>
+              <a:t>Scale invariance - Larger networks with a single-scale offer the best speed / accuracy tradeoff.</a:t>
+            </a:r>
+          </a:p>
+          <a:p>
+            <a:pPr lvl="1"/>
+            <a:r>
+              <a:rPr lang="en-US" dirty="0">
+                <a:solidFill>
+                  <a:srgbClr val="FF0000"/>
+                </a:solidFill>
+              </a:rPr>
+              <a:t>The multi-scale approach offers only a small increase in </a:t>
+            </a:r>
+            <a:r>
+              <a:rPr lang="en-US" dirty="0" err="1">
+                <a:solidFill>
+                  <a:srgbClr val="FF0000"/>
+                </a:solidFill>
+              </a:rPr>
+              <a:t>mAP</a:t>
+            </a:r>
+            <a:r>
+              <a:rPr lang="en-US" dirty="0">
+                <a:solidFill>
+                  <a:srgbClr val="FF0000"/>
+                </a:solidFill>
+              </a:rPr>
+              <a:t> at a large cost in compute time.</a:t>
+            </a:r>
+          </a:p>
+          <a:p>
+            <a:pPr lvl="1"/>
+            <a:r>
+              <a:rPr lang="en-US" dirty="0">
+                <a:solidFill>
+                  <a:srgbClr val="FF0000"/>
+                </a:solidFill>
+              </a:rPr>
+              <a:t>Across all three networks we observe that multi-task training improves pure classification accuracy relative to training for classification alone.</a:t>
+            </a:r>
+          </a:p>
+          <a:p>
+            <a:pPr lvl="1"/>
+            <a:r>
+              <a:rPr lang="en-US" dirty="0">
+                <a:solidFill>
+                  <a:srgbClr val="FF0000"/>
+                </a:solidFill>
+              </a:rPr>
+              <a:t>Enlarging the training set improves </a:t>
+            </a:r>
+            <a:r>
+              <a:rPr lang="en-US" dirty="0" err="1">
+                <a:solidFill>
+                  <a:srgbClr val="FF0000"/>
+                </a:solidFill>
+              </a:rPr>
+              <a:t>mAP</a:t>
+            </a:r>
+            <a:r>
+              <a:rPr lang="en-US" dirty="0">
+                <a:solidFill>
+                  <a:srgbClr val="FF0000"/>
+                </a:solidFill>
+              </a:rPr>
+              <a:t>.</a:t>
+            </a:r>
+          </a:p>
+          <a:p>
+            <a:pPr lvl="1"/>
+            <a:r>
+              <a:rPr lang="en-US" dirty="0">
+                <a:solidFill>
+                  <a:srgbClr val="FF0000"/>
+                </a:solidFill>
+              </a:rPr>
+              <a:t>+ Problems mentioned before</a:t>
+            </a:r>
+          </a:p>
+          <a:p>
+            <a:pPr lvl="1"/>
+            <a:endParaRPr lang="en-US" dirty="0"/>
+          </a:p>
+        </p:txBody>
+      </p:sp>
+      <p:pic>
+        <p:nvPicPr>
+          <p:cNvPr id="4" name="Picture 4">
+            <a:extLst>
+              <a:ext uri="{FF2B5EF4-FFF2-40B4-BE49-F238E27FC236}">
+                <a16:creationId xmlns:a16="http://schemas.microsoft.com/office/drawing/2014/main" id="{A2B88794-9F2D-4E15-BF02-2D76C4105430}"/>
+              </a:ext>
+            </a:extLst>
+          </p:cNvPr>
+          <p:cNvPicPr>
+            <a:picLocks noChangeAspect="1" noChangeArrowheads="1"/>
+          </p:cNvPicPr>
+          <p:nvPr/>
+        </p:nvPicPr>
+        <p:blipFill>
+          <a:blip r:embed="rId2">
+            <a:extLst>
+              <a:ext uri="{28A0092B-C50C-407E-A947-70E740481C1C}">
+                <a14:useLocalDpi xmlns:a14="http://schemas.microsoft.com/office/drawing/2010/main" val="0"/>
+              </a:ext>
+            </a:extLst>
+          </a:blip>
+          <a:srcRect/>
+          <a:stretch>
+            <a:fillRect/>
+          </a:stretch>
+        </p:blipFill>
+        <p:spPr bwMode="auto">
+          <a:xfrm>
+            <a:off x="10932640" y="230164"/>
+            <a:ext cx="1087909" cy="318931"/>
+          </a:xfrm>
+          <a:prstGeom prst="rect">
+            <a:avLst/>
+          </a:prstGeom>
+          <a:noFill/>
+          <a:extLst>
+            <a:ext uri="{909E8E84-426E-40DD-AFC4-6F175D3DCCD1}">
+              <a14:hiddenFill xmlns:a14="http://schemas.microsoft.com/office/drawing/2010/main">
+                <a:solidFill>
+                  <a:srgbClr val="FFFFFF"/>
+                </a:solidFill>
+              </a14:hiddenFill>
+            </a:ext>
+          </a:extLst>
+        </p:spPr>
+      </p:pic>
+    </p:spTree>
+    <p:extLst>
+      <p:ext uri="{BB962C8B-B14F-4D97-AF65-F5344CB8AC3E}">
+        <p14:creationId xmlns:p14="http://schemas.microsoft.com/office/powerpoint/2010/main" val="876922125"/>
+      </p:ext>
+    </p:extLst>
+  </p:cSld>
+  <p:clrMapOvr>
+    <a:masterClrMapping/>
+  </p:clrMapOvr>
+</p:sld>
+</file>
+
+<file path=ppt/slides/slide15.xml><?xml version="1.0" encoding="utf-8"?>
+<p:sld xmlns:a="http://schemas.openxmlformats.org/drawingml/2006/main" xmlns:r="http://schemas.openxmlformats.org/officeDocument/2006/relationships" xmlns:p="http://schemas.openxmlformats.org/presentationml/2006/main">
+  <p:cSld>
+    <p:spTree>
+      <p:nvGrpSpPr>
+        <p:cNvPr id="1" name=""/>
+        <p:cNvGrpSpPr/>
+        <p:nvPr/>
+      </p:nvGrpSpPr>
+      <p:grpSpPr>
+        <a:xfrm>
+          <a:off x="0" y="0"/>
+          <a:ext cx="0" cy="0"/>
+          <a:chOff x="0" y="0"/>
+          <a:chExt cx="0" cy="0"/>
+        </a:xfrm>
+      </p:grpSpPr>
+      <p:sp>
+        <p:nvSpPr>
+          <p:cNvPr id="2" name="Title 1">
+            <a:extLst>
+              <a:ext uri="{FF2B5EF4-FFF2-40B4-BE49-F238E27FC236}">
+                <a16:creationId xmlns:a16="http://schemas.microsoft.com/office/drawing/2014/main" id="{3DF32CF3-B52C-49A2-8356-71D5BCB33239}"/>
+              </a:ext>
+            </a:extLst>
+          </p:cNvPr>
+          <p:cNvSpPr>
+            <a:spLocks noGrp="1"/>
+          </p:cNvSpPr>
+          <p:nvPr>
+            <p:ph type="title"/>
+          </p:nvPr>
+        </p:nvSpPr>
+        <p:spPr/>
+        <p:txBody>
+          <a:bodyPr/>
+          <a:lstStyle/>
+          <a:p>
+            <a:r>
+              <a:rPr lang="en-US" dirty="0"/>
+              <a:t>Faster R-CNN (The next gen)</a:t>
+            </a:r>
+          </a:p>
+        </p:txBody>
+      </p:sp>
+      <p:sp>
+        <p:nvSpPr>
+          <p:cNvPr id="3" name="Content Placeholder 2">
+            <a:extLst>
+              <a:ext uri="{FF2B5EF4-FFF2-40B4-BE49-F238E27FC236}">
+                <a16:creationId xmlns:a16="http://schemas.microsoft.com/office/drawing/2014/main" id="{D353BC0E-4F15-4B4B-B129-C7DADBE92C52}"/>
+              </a:ext>
+            </a:extLst>
+          </p:cNvPr>
+          <p:cNvSpPr>
+            <a:spLocks noGrp="1"/>
+          </p:cNvSpPr>
+          <p:nvPr>
+            <p:ph idx="1"/>
+          </p:nvPr>
+        </p:nvSpPr>
+        <p:spPr/>
+        <p:txBody>
+          <a:bodyPr/>
+          <a:lstStyle/>
+          <a:p>
+            <a:r>
+              <a:rPr lang="en-US" dirty="0"/>
+              <a:t>The entire image is fed through the convolutional layers for feature extraction just like the Fast R-CNN.</a:t>
+            </a:r>
+          </a:p>
+          <a:p>
+            <a:r>
+              <a:rPr lang="en-US" dirty="0"/>
+              <a:t>The difference: the projection on the feature maps is not from the selective cells -&gt; Uses RPN(Region Proposal Network) after the CNN output.</a:t>
+            </a:r>
+          </a:p>
+          <a:p>
+            <a:r>
+              <a:rPr lang="en-US" dirty="0"/>
+              <a:t>Uses anchor and its intersection of union ratio 7:3 to determine the object bounding box</a:t>
+            </a:r>
+          </a:p>
+          <a:p>
+            <a:r>
+              <a:rPr lang="en-US" dirty="0"/>
+              <a:t>No selective cells -&gt; the feature map -&gt; passed into the RPN CNN -&gt; gets object classification, bounding box, and whether an object is present -&gt; </a:t>
+            </a:r>
+            <a:r>
+              <a:rPr lang="en-US" dirty="0" err="1"/>
+              <a:t>RoI</a:t>
+            </a:r>
+            <a:r>
+              <a:rPr lang="en-US" dirty="0"/>
+              <a:t> pooling and classifier</a:t>
+            </a:r>
+          </a:p>
+        </p:txBody>
+      </p:sp>
+      <p:pic>
+        <p:nvPicPr>
+          <p:cNvPr id="4" name="Picture 4">
+            <a:extLst>
+              <a:ext uri="{FF2B5EF4-FFF2-40B4-BE49-F238E27FC236}">
+                <a16:creationId xmlns:a16="http://schemas.microsoft.com/office/drawing/2014/main" id="{09BFE427-CA06-413E-91FE-5B4D4BFE17D5}"/>
+              </a:ext>
+            </a:extLst>
+          </p:cNvPr>
+          <p:cNvPicPr>
+            <a:picLocks noChangeAspect="1" noChangeArrowheads="1"/>
+          </p:cNvPicPr>
+          <p:nvPr/>
+        </p:nvPicPr>
+        <p:blipFill>
+          <a:blip r:embed="rId2">
+            <a:extLst>
+              <a:ext uri="{28A0092B-C50C-407E-A947-70E740481C1C}">
+                <a14:useLocalDpi xmlns:a14="http://schemas.microsoft.com/office/drawing/2010/main" val="0"/>
+              </a:ext>
+            </a:extLst>
+          </a:blip>
+          <a:srcRect/>
+          <a:stretch>
+            <a:fillRect/>
+          </a:stretch>
+        </p:blipFill>
+        <p:spPr bwMode="auto">
+          <a:xfrm>
+            <a:off x="10932640" y="239217"/>
+            <a:ext cx="1087909" cy="318931"/>
+          </a:xfrm>
+          <a:prstGeom prst="rect">
+            <a:avLst/>
+          </a:prstGeom>
+          <a:noFill/>
+          <a:extLst>
+            <a:ext uri="{909E8E84-426E-40DD-AFC4-6F175D3DCCD1}">
+              <a14:hiddenFill xmlns:a14="http://schemas.microsoft.com/office/drawing/2010/main">
+                <a:solidFill>
+                  <a:srgbClr val="FFFFFF"/>
+                </a:solidFill>
+              </a14:hiddenFill>
+            </a:ext>
+          </a:extLst>
+        </p:spPr>
+      </p:pic>
+    </p:spTree>
+    <p:extLst>
+      <p:ext uri="{BB962C8B-B14F-4D97-AF65-F5344CB8AC3E}">
+        <p14:creationId xmlns:p14="http://schemas.microsoft.com/office/powerpoint/2010/main" val="1204067533"/>
+      </p:ext>
+    </p:extLst>
+  </p:cSld>
+  <p:clrMapOvr>
+    <a:masterClrMapping/>
+  </p:clrMapOvr>
+</p:sld>
+</file>
+
+<file path=ppt/slides/slide16.xml><?xml version="1.0" encoding="utf-8"?>
+<p:sld xmlns:a="http://schemas.openxmlformats.org/drawingml/2006/main" xmlns:r="http://schemas.openxmlformats.org/officeDocument/2006/relationships" xmlns:p="http://schemas.openxmlformats.org/presentationml/2006/main">
+  <p:cSld>
+    <p:spTree>
+      <p:nvGrpSpPr>
+        <p:cNvPr id="1" name=""/>
+        <p:cNvGrpSpPr/>
+        <p:nvPr/>
+      </p:nvGrpSpPr>
+      <p:grpSpPr>
+        <a:xfrm>
+          <a:off x="0" y="0"/>
+          <a:ext cx="0" cy="0"/>
+          <a:chOff x="0" y="0"/>
+          <a:chExt cx="0" cy="0"/>
+        </a:xfrm>
+      </p:grpSpPr>
+      <p:sp>
+        <p:nvSpPr>
+          <p:cNvPr id="2" name="Title 1">
+            <a:extLst>
+              <a:ext uri="{FF2B5EF4-FFF2-40B4-BE49-F238E27FC236}">
+                <a16:creationId xmlns:a16="http://schemas.microsoft.com/office/drawing/2014/main" id="{C4E85DFD-4D76-469D-BD17-4AA22FC0A280}"/>
+              </a:ext>
+            </a:extLst>
+          </p:cNvPr>
+          <p:cNvSpPr>
+            <a:spLocks noGrp="1"/>
+          </p:cNvSpPr>
+          <p:nvPr>
+            <p:ph type="title"/>
+          </p:nvPr>
+        </p:nvSpPr>
+        <p:spPr/>
+        <p:txBody>
+          <a:bodyPr/>
+          <a:lstStyle/>
+          <a:p>
+            <a:r>
+              <a:rPr lang="en-US" dirty="0"/>
+              <a:t>Questions Regarding the Work</a:t>
+            </a:r>
+          </a:p>
+        </p:txBody>
+      </p:sp>
+      <p:sp>
+        <p:nvSpPr>
+          <p:cNvPr id="3" name="Content Placeholder 2">
+            <a:extLst>
+              <a:ext uri="{FF2B5EF4-FFF2-40B4-BE49-F238E27FC236}">
+                <a16:creationId xmlns:a16="http://schemas.microsoft.com/office/drawing/2014/main" id="{AE77AC29-ECAE-4291-A45A-21A46794989E}"/>
+              </a:ext>
+            </a:extLst>
+          </p:cNvPr>
+          <p:cNvSpPr>
+            <a:spLocks noGrp="1"/>
+          </p:cNvSpPr>
+          <p:nvPr>
+            <p:ph idx="1"/>
+          </p:nvPr>
+        </p:nvSpPr>
+        <p:spPr/>
+        <p:txBody>
+          <a:bodyPr/>
+          <a:lstStyle/>
+          <a:p>
+            <a:r>
+              <a:rPr lang="en-US" dirty="0"/>
+              <a:t>Later works that replaced Fast R-CNN:</a:t>
+            </a:r>
+          </a:p>
+          <a:p>
+            <a:pPr lvl="1"/>
+            <a:r>
+              <a:rPr lang="en-US" dirty="0"/>
+              <a:t>Faster R-CNN -&gt; Mask R-CNN </a:t>
+            </a:r>
+            <a:r>
+              <a:rPr lang="en-US" dirty="0" err="1"/>
+              <a:t>Detectron</a:t>
+            </a:r>
+            <a:r>
+              <a:rPr lang="en-US" dirty="0"/>
+              <a:t>(Facebook)</a:t>
+            </a:r>
+          </a:p>
+          <a:p>
+            <a:pPr lvl="1"/>
+            <a:r>
+              <a:rPr lang="en-US" dirty="0"/>
+              <a:t>YOLO (You only look once)</a:t>
+            </a:r>
+          </a:p>
+          <a:p>
+            <a:pPr lvl="1"/>
+            <a:r>
+              <a:rPr lang="en-US" dirty="0"/>
+              <a:t>Single Shot Detectors(SSD)</a:t>
+            </a:r>
+          </a:p>
+        </p:txBody>
+      </p:sp>
+      <p:pic>
+        <p:nvPicPr>
+          <p:cNvPr id="4" name="Picture 4">
+            <a:extLst>
+              <a:ext uri="{FF2B5EF4-FFF2-40B4-BE49-F238E27FC236}">
+                <a16:creationId xmlns:a16="http://schemas.microsoft.com/office/drawing/2014/main" id="{E7E88FC8-4D43-44D5-AFC1-70B0BC8E40DC}"/>
+              </a:ext>
+            </a:extLst>
+          </p:cNvPr>
+          <p:cNvPicPr>
+            <a:picLocks noChangeAspect="1" noChangeArrowheads="1"/>
+          </p:cNvPicPr>
+          <p:nvPr/>
+        </p:nvPicPr>
+        <p:blipFill>
+          <a:blip r:embed="rId2">
+            <a:extLst>
+              <a:ext uri="{28A0092B-C50C-407E-A947-70E740481C1C}">
+                <a14:useLocalDpi xmlns:a14="http://schemas.microsoft.com/office/drawing/2010/main" val="0"/>
+              </a:ext>
+            </a:extLst>
+          </a:blip>
+          <a:srcRect/>
+          <a:stretch>
+            <a:fillRect/>
+          </a:stretch>
+        </p:blipFill>
+        <p:spPr bwMode="auto">
+          <a:xfrm>
+            <a:off x="10932640" y="230164"/>
+            <a:ext cx="1087909" cy="318931"/>
+          </a:xfrm>
+          <a:prstGeom prst="rect">
+            <a:avLst/>
+          </a:prstGeom>
+          <a:noFill/>
+          <a:extLst>
+            <a:ext uri="{909E8E84-426E-40DD-AFC4-6F175D3DCCD1}">
+              <a14:hiddenFill xmlns:a14="http://schemas.microsoft.com/office/drawing/2010/main">
+                <a:solidFill>
+                  <a:srgbClr val="FFFFFF"/>
+                </a:solidFill>
+              </a14:hiddenFill>
+            </a:ext>
+          </a:extLst>
+        </p:spPr>
+      </p:pic>
+    </p:spTree>
+    <p:extLst>
+      <p:ext uri="{BB962C8B-B14F-4D97-AF65-F5344CB8AC3E}">
+        <p14:creationId xmlns:p14="http://schemas.microsoft.com/office/powerpoint/2010/main" val="1726240952"/>
       </p:ext>
     </p:extLst>
   </p:cSld>
@@ -3514,6 +5049,53 @@
           </a:p>
         </p:txBody>
       </p:sp>
+      <p:pic>
+        <p:nvPicPr>
+          <p:cNvPr id="4" name="Picture 4">
+            <a:extLst>
+              <a:ext uri="{FF2B5EF4-FFF2-40B4-BE49-F238E27FC236}">
+                <a16:creationId xmlns:a16="http://schemas.microsoft.com/office/drawing/2014/main" id="{F228E4CF-5E1A-4F14-9D43-E9BB993EB954}"/>
+              </a:ext>
+            </a:extLst>
+          </p:cNvPr>
+          <p:cNvPicPr>
+            <a:picLocks noChangeAspect="1" noChangeArrowheads="1"/>
+          </p:cNvPicPr>
+          <p:nvPr/>
+        </p:nvPicPr>
+        <p:blipFill>
+          <a:blip r:embed="rId2">
+            <a:extLst>
+              <a:ext uri="{28A0092B-C50C-407E-A947-70E740481C1C}">
+                <a14:useLocalDpi xmlns:a14="http://schemas.microsoft.com/office/drawing/2010/main" val="0"/>
+              </a:ext>
+            </a:extLst>
+          </a:blip>
+          <a:srcRect/>
+          <a:stretch>
+            <a:fillRect/>
+          </a:stretch>
+        </p:blipFill>
+        <p:spPr bwMode="auto">
+          <a:xfrm>
+            <a:off x="10932640" y="230164"/>
+            <a:ext cx="1087909" cy="318931"/>
+          </a:xfrm>
+          <a:prstGeom prst="rect">
+            <a:avLst/>
+          </a:prstGeom>
+          <a:noFill/>
+          <a:extLst>
+            <a:ext uri="{909E8E84-426E-40DD-AFC4-6F175D3DCCD1}">
+              <a14:hiddenFill xmlns:a14="http://schemas.microsoft.com/office/drawing/2010/main">
+                <a:solidFill>
+                  <a:srgbClr val="FFFFFF"/>
+                </a:solidFill>
+              </a14:hiddenFill>
+            </a:ext>
+          </a:extLst>
+        </p:spPr>
+      </p:pic>
     </p:spTree>
     <p:extLst>
       <p:ext uri="{BB962C8B-B14F-4D97-AF65-F5344CB8AC3E}">
@@ -3549,7 +5131,7 @@
           <p:cNvPr id="2" name="Title 1">
             <a:extLst>
               <a:ext uri="{FF2B5EF4-FFF2-40B4-BE49-F238E27FC236}">
-                <a16:creationId xmlns:a16="http://schemas.microsoft.com/office/drawing/2014/main" id="{A5918626-C2FD-4D01-A8BF-DCEEF9582E20}"/>
+                <a16:creationId xmlns:a16="http://schemas.microsoft.com/office/drawing/2014/main" id="{9C3A7B7E-7EE1-408B-B686-FB580A1AB0A0}"/>
               </a:ext>
             </a:extLst>
           </p:cNvPr>
@@ -3567,7 +5149,7 @@
           <a:p>
             <a:r>
               <a:rPr lang="en-US" dirty="0"/>
-              <a:t>What is CNN?</a:t>
+              <a:t>Short Summary</a:t>
             </a:r>
           </a:p>
         </p:txBody>
@@ -3577,7 +5159,7 @@
           <p:cNvPr id="3" name="Content Placeholder 2">
             <a:extLst>
               <a:ext uri="{FF2B5EF4-FFF2-40B4-BE49-F238E27FC236}">
-                <a16:creationId xmlns:a16="http://schemas.microsoft.com/office/drawing/2014/main" id="{5BA14961-3717-4740-9AF0-52F3D1414D00}"/>
+                <a16:creationId xmlns:a16="http://schemas.microsoft.com/office/drawing/2014/main" id="{A7F8374E-E94B-48BE-935A-63FD868342D4}"/>
               </a:ext>
             </a:extLst>
           </p:cNvPr>
@@ -3585,56 +5167,327 @@
             <a:spLocks noGrp="1"/>
           </p:cNvSpPr>
           <p:nvPr>
-            <p:ph idx="1"/>
+            <p:ph sz="half" idx="1"/>
           </p:nvPr>
         </p:nvSpPr>
         <p:spPr/>
         <p:txBody>
-          <a:bodyPr/>
-          <a:lstStyle/>
-          <a:p>
-            <a:r>
-              <a:rPr lang="en-US" dirty="0"/>
-              <a:t>Convolutional Neural Network</a:t>
-            </a:r>
-          </a:p>
-          <a:p>
-            <a:r>
-              <a:rPr lang="en-US" dirty="0"/>
-              <a:t>Input -&gt; Convolutional layer (transformed) -&gt; output</a:t>
-            </a:r>
-          </a:p>
-          <a:p>
-            <a:r>
-              <a:rPr lang="en-US" dirty="0"/>
-              <a:t>Features</a:t>
+          <a:bodyPr>
+            <a:normAutofit lnSpcReduction="10000"/>
+          </a:bodyPr>
+          <a:lstStyle/>
+          <a:p>
+            <a:r>
+              <a:rPr lang="en-US" dirty="0">
+                <a:solidFill>
+                  <a:srgbClr val="FF0000"/>
+                </a:solidFill>
+              </a:rPr>
+              <a:t>The problem that is being addressed:</a:t>
             </a:r>
           </a:p>
           <a:p>
             <a:pPr lvl="1"/>
             <a:r>
-              <a:rPr lang="en-US" dirty="0"/>
-              <a:t>Objects, textures, edges, shapes, etc.</a:t>
-            </a:r>
-          </a:p>
-          <a:p>
-            <a:r>
-              <a:rPr lang="en-US" dirty="0"/>
-              <a:t>Layers = Filters</a:t>
-            </a:r>
-          </a:p>
-          <a:p>
-            <a:r>
-              <a:rPr lang="en-US" dirty="0"/>
-              <a:t>Simple layers(edge 3x3) -&gt; intermediate layers(corners, shapes) -&gt; complicated layers(dog, cat)</a:t>
-            </a:r>
-          </a:p>
-        </p:txBody>
-      </p:sp>
+              <a:rPr lang="en-US" dirty="0">
+                <a:solidFill>
+                  <a:srgbClr val="FF0000"/>
+                </a:solidFill>
+              </a:rPr>
+              <a:t>Training is a multi-stage pipeline</a:t>
+            </a:r>
+          </a:p>
+          <a:p>
+            <a:pPr lvl="1"/>
+            <a:r>
+              <a:rPr lang="en-US" dirty="0">
+                <a:solidFill>
+                  <a:srgbClr val="FF0000"/>
+                </a:solidFill>
+              </a:rPr>
+              <a:t>Training is expensive in space and time</a:t>
+            </a:r>
+          </a:p>
+          <a:p>
+            <a:pPr lvl="1"/>
+            <a:r>
+              <a:rPr lang="en-US" dirty="0">
+                <a:solidFill>
+                  <a:srgbClr val="FF0000"/>
+                </a:solidFill>
+              </a:rPr>
+              <a:t>Object detection is slow.</a:t>
+            </a:r>
+          </a:p>
+          <a:p>
+            <a:r>
+              <a:rPr lang="en-US" dirty="0">
+                <a:solidFill>
+                  <a:srgbClr val="FF0000"/>
+                </a:solidFill>
+              </a:rPr>
+              <a:t>Its significance:</a:t>
+            </a:r>
+          </a:p>
+          <a:p>
+            <a:pPr lvl="1"/>
+            <a:r>
+              <a:rPr lang="en-US" dirty="0">
+                <a:solidFill>
+                  <a:srgbClr val="FF0000"/>
+                </a:solidFill>
+              </a:rPr>
+              <a:t>9x faster than R-CNN (0.3s to process images at runtime)</a:t>
+            </a:r>
+          </a:p>
+          <a:p>
+            <a:pPr lvl="1"/>
+            <a:r>
+              <a:rPr lang="en-US" dirty="0">
+                <a:solidFill>
+                  <a:srgbClr val="FF0000"/>
+                </a:solidFill>
+              </a:rPr>
+              <a:t>Higher </a:t>
+            </a:r>
+            <a:r>
+              <a:rPr lang="en-US" dirty="0" err="1">
+                <a:solidFill>
+                  <a:srgbClr val="FF0000"/>
+                </a:solidFill>
+              </a:rPr>
+              <a:t>mAP</a:t>
+            </a:r>
+            <a:r>
+              <a:rPr lang="en-US" dirty="0">
+                <a:solidFill>
+                  <a:srgbClr val="FF0000"/>
+                </a:solidFill>
+              </a:rPr>
+              <a:t> of 66% (vs. 62% for R-CNN)</a:t>
+            </a:r>
+          </a:p>
+        </p:txBody>
+      </p:sp>
+      <p:sp>
+        <p:nvSpPr>
+          <p:cNvPr id="5" name="Content Placeholder 4">
+            <a:extLst>
+              <a:ext uri="{FF2B5EF4-FFF2-40B4-BE49-F238E27FC236}">
+                <a16:creationId xmlns:a16="http://schemas.microsoft.com/office/drawing/2014/main" id="{01E29E85-F71E-44E7-BAD5-1D84F11DCC22}"/>
+              </a:ext>
+            </a:extLst>
+          </p:cNvPr>
+          <p:cNvSpPr>
+            <a:spLocks noGrp="1"/>
+          </p:cNvSpPr>
+          <p:nvPr>
+            <p:ph sz="half" idx="2"/>
+          </p:nvPr>
+        </p:nvSpPr>
+        <p:spPr/>
+        <p:txBody>
+          <a:bodyPr>
+            <a:normAutofit lnSpcReduction="10000"/>
+          </a:bodyPr>
+          <a:lstStyle/>
+          <a:p>
+            <a:r>
+              <a:rPr lang="en-US" dirty="0">
+                <a:solidFill>
+                  <a:srgbClr val="FF0000"/>
+                </a:solidFill>
+              </a:rPr>
+              <a:t>Approach used to solve the problems:</a:t>
+            </a:r>
+          </a:p>
+          <a:p>
+            <a:pPr lvl="1"/>
+            <a:r>
+              <a:rPr lang="en-US" dirty="0">
+                <a:solidFill>
+                  <a:srgbClr val="FF0000"/>
+                </a:solidFill>
+              </a:rPr>
+              <a:t>The </a:t>
+            </a:r>
+            <a:r>
+              <a:rPr lang="en-US" dirty="0" err="1">
+                <a:solidFill>
+                  <a:srgbClr val="FF0000"/>
+                </a:solidFill>
+              </a:rPr>
+              <a:t>RoI</a:t>
+            </a:r>
+            <a:r>
+              <a:rPr lang="en-US" dirty="0">
+                <a:solidFill>
+                  <a:srgbClr val="FF0000"/>
+                </a:solidFill>
+              </a:rPr>
+              <a:t> pooling layer</a:t>
+            </a:r>
+          </a:p>
+          <a:p>
+            <a:pPr lvl="1"/>
+            <a:r>
+              <a:rPr lang="en-US" dirty="0">
+                <a:solidFill>
+                  <a:srgbClr val="FF0000"/>
+                </a:solidFill>
+              </a:rPr>
+              <a:t>Initializing from pre-trained networks</a:t>
+            </a:r>
+          </a:p>
+          <a:p>
+            <a:pPr lvl="1"/>
+            <a:r>
+              <a:rPr lang="en-US" dirty="0">
+                <a:solidFill>
+                  <a:srgbClr val="FF0000"/>
+                </a:solidFill>
+              </a:rPr>
+              <a:t>Fine-tuning</a:t>
+            </a:r>
+          </a:p>
+          <a:p>
+            <a:r>
+              <a:rPr lang="en-US" dirty="0">
+                <a:solidFill>
+                  <a:srgbClr val="FF0000"/>
+                </a:solidFill>
+              </a:rPr>
+              <a:t>Setup:</a:t>
+            </a:r>
+          </a:p>
+          <a:p>
+            <a:pPr lvl="1"/>
+            <a:r>
+              <a:rPr lang="en-US" dirty="0" err="1">
+                <a:solidFill>
+                  <a:srgbClr val="FF0000"/>
+                </a:solidFill>
+              </a:rPr>
+              <a:t>CaffeNet</a:t>
+            </a:r>
+            <a:r>
+              <a:rPr lang="en-US" dirty="0">
+                <a:solidFill>
+                  <a:srgbClr val="FF0000"/>
+                </a:solidFill>
+              </a:rPr>
+              <a:t> with Python and C++</a:t>
+            </a:r>
+          </a:p>
+          <a:p>
+            <a:pPr lvl="1"/>
+            <a:r>
+              <a:rPr lang="en-US" dirty="0">
+                <a:solidFill>
+                  <a:srgbClr val="FF0000"/>
+                </a:solidFill>
+              </a:rPr>
+              <a:t>VOC07, 2010, and 2012 vs </a:t>
+            </a:r>
+            <a:r>
+              <a:rPr lang="en-US" dirty="0" err="1">
+                <a:solidFill>
+                  <a:srgbClr val="FF0000"/>
+                </a:solidFill>
+              </a:rPr>
+              <a:t>SPPNet</a:t>
+            </a:r>
+            <a:r>
+              <a:rPr lang="en-US" dirty="0">
+                <a:solidFill>
+                  <a:srgbClr val="FF0000"/>
+                </a:solidFill>
+              </a:rPr>
+              <a:t>, R-CNN, </a:t>
+            </a:r>
+            <a:r>
+              <a:rPr lang="en-US" dirty="0" err="1">
+                <a:solidFill>
+                  <a:srgbClr val="FF0000"/>
+                </a:solidFill>
+              </a:rPr>
+              <a:t>SegDeepM</a:t>
+            </a:r>
+            <a:r>
+              <a:rPr lang="en-US" dirty="0">
+                <a:solidFill>
+                  <a:srgbClr val="FF0000"/>
+                </a:solidFill>
+              </a:rPr>
+              <a:t>, and </a:t>
+            </a:r>
+            <a:r>
+              <a:rPr lang="en-US" dirty="0" err="1">
+                <a:solidFill>
+                  <a:srgbClr val="FF0000"/>
+                </a:solidFill>
+              </a:rPr>
+              <a:t>BabyLearning</a:t>
+            </a:r>
+            <a:endParaRPr lang="en-US" dirty="0">
+              <a:solidFill>
+                <a:srgbClr val="FF0000"/>
+              </a:solidFill>
+            </a:endParaRPr>
+          </a:p>
+        </p:txBody>
+      </p:sp>
+      <p:pic>
+        <p:nvPicPr>
+          <p:cNvPr id="4" name="Picture 4">
+            <a:extLst>
+              <a:ext uri="{FF2B5EF4-FFF2-40B4-BE49-F238E27FC236}">
+                <a16:creationId xmlns:a16="http://schemas.microsoft.com/office/drawing/2014/main" id="{EBF834AE-1402-4FB1-9148-6A7357436BB0}"/>
+              </a:ext>
+            </a:extLst>
+          </p:cNvPr>
+          <p:cNvPicPr>
+            <a:picLocks noChangeAspect="1" noChangeArrowheads="1"/>
+          </p:cNvPicPr>
+          <p:nvPr/>
+        </p:nvPicPr>
+        <p:blipFill>
+          <a:blip r:embed="rId2">
+            <a:extLst>
+              <a:ext uri="{28A0092B-C50C-407E-A947-70E740481C1C}">
+                <a14:useLocalDpi xmlns:a14="http://schemas.microsoft.com/office/drawing/2010/main" val="0"/>
+              </a:ext>
+            </a:extLst>
+          </a:blip>
+          <a:srcRect/>
+          <a:stretch>
+            <a:fillRect/>
+          </a:stretch>
+        </p:blipFill>
+        <p:spPr bwMode="auto">
+          <a:xfrm>
+            <a:off x="10932640" y="230164"/>
+            <a:ext cx="1087909" cy="318931"/>
+          </a:xfrm>
+          <a:prstGeom prst="rect">
+            <a:avLst/>
+          </a:prstGeom>
+          <a:noFill/>
+          <a:extLst>
+            <a:ext uri="{909E8E84-426E-40DD-AFC4-6F175D3DCCD1}">
+              <a14:hiddenFill xmlns:a14="http://schemas.microsoft.com/office/drawing/2010/main">
+                <a:solidFill>
+                  <a:srgbClr val="FFFFFF"/>
+                </a:solidFill>
+              </a14:hiddenFill>
+            </a:ext>
+          </a:extLst>
+        </p:spPr>
+      </p:pic>
     </p:spTree>
     <p:extLst>
       <p:ext uri="{BB962C8B-B14F-4D97-AF65-F5344CB8AC3E}">
-        <p14:creationId xmlns:p14="http://schemas.microsoft.com/office/powerpoint/2010/main" val="4227201955"/>
+        <p14:creationId xmlns:p14="http://schemas.microsoft.com/office/powerpoint/2010/main" val="2525600589"/>
       </p:ext>
     </p:extLst>
   </p:cSld>
@@ -3666,7 +5519,7 @@
           <p:cNvPr id="2" name="Title 1">
             <a:extLst>
               <a:ext uri="{FF2B5EF4-FFF2-40B4-BE49-F238E27FC236}">
-                <a16:creationId xmlns:a16="http://schemas.microsoft.com/office/drawing/2014/main" id="{E6566FFD-3A6C-4C51-BEDE-C2665D8B39C1}"/>
+                <a16:creationId xmlns:a16="http://schemas.microsoft.com/office/drawing/2014/main" id="{A5918626-C2FD-4D01-A8BF-DCEEF9582E20}"/>
               </a:ext>
             </a:extLst>
           </p:cNvPr>
@@ -3684,7 +5537,7 @@
           <a:p>
             <a:r>
               <a:rPr lang="en-US" dirty="0"/>
-              <a:t>What is R-CNN?</a:t>
+              <a:t>What is CNN?</a:t>
             </a:r>
           </a:p>
         </p:txBody>
@@ -3694,7 +5547,7 @@
           <p:cNvPr id="3" name="Content Placeholder 2">
             <a:extLst>
               <a:ext uri="{FF2B5EF4-FFF2-40B4-BE49-F238E27FC236}">
-                <a16:creationId xmlns:a16="http://schemas.microsoft.com/office/drawing/2014/main" id="{7A4C99A5-F247-4D14-9595-B1099DEB39F1}"/>
+                <a16:creationId xmlns:a16="http://schemas.microsoft.com/office/drawing/2014/main" id="{5BA14961-3717-4740-9AF0-52F3D1414D00}"/>
               </a:ext>
             </a:extLst>
           </p:cNvPr>
@@ -3712,83 +5565,93 @@
           <a:p>
             <a:r>
               <a:rPr lang="en-US" dirty="0"/>
-              <a:t>Input image -&gt; selective search -&gt; initial segmentation -&gt; after many iteration -&gt; bounding box -&gt; into the CNN</a:t>
-            </a:r>
-          </a:p>
-          <a:p>
-            <a:r>
-              <a:rPr lang="en-US" dirty="0"/>
-              <a:t>Extract region proposal from bounding box -&gt; crop -&gt; CNN -&gt; classification</a:t>
-            </a:r>
-          </a:p>
-          <a:p>
-            <a:r>
-              <a:rPr lang="en-US" dirty="0">
-                <a:solidFill>
-                  <a:srgbClr val="FF0000"/>
-                </a:solidFill>
-              </a:rPr>
-              <a:t>Problem addressed:</a:t>
-            </a:r>
-          </a:p>
-          <a:p>
-            <a:pPr marL="457200" lvl="1" indent="0">
-              <a:buNone/>
-            </a:pPr>
-            <a:r>
-              <a:rPr lang="en-US" dirty="0">
-                <a:solidFill>
-                  <a:srgbClr val="FF0000"/>
-                </a:solidFill>
-              </a:rPr>
-              <a:t>Region loses detail when cropped to fit into the CNN.</a:t>
-            </a:r>
-          </a:p>
-          <a:p>
-            <a:pPr marL="457200" lvl="1" indent="0">
-              <a:buNone/>
-            </a:pPr>
-            <a:r>
-              <a:rPr lang="en-US" dirty="0">
-                <a:solidFill>
-                  <a:srgbClr val="FF0000"/>
-                </a:solidFill>
-              </a:rPr>
-              <a:t>There could be too much bounding box to pass to the CNN.</a:t>
-            </a:r>
-          </a:p>
-          <a:p>
-            <a:r>
-              <a:rPr lang="en-US" dirty="0"/>
-              <a:t>Significance of the problems:</a:t>
+              <a:t>Convolutional Neural Network</a:t>
+            </a:r>
+          </a:p>
+          <a:p>
+            <a:r>
+              <a:rPr lang="en-US" dirty="0"/>
+              <a:t>Input -&gt; Convolutional layer (transformed) -&gt; output</a:t>
+            </a:r>
+          </a:p>
+          <a:p>
+            <a:r>
+              <a:rPr lang="en-US" dirty="0"/>
+              <a:t>Features</a:t>
             </a:r>
           </a:p>
           <a:p>
             <a:pPr lvl="1"/>
             <a:r>
-              <a:rPr lang="en-US">
-                <a:solidFill>
-                  <a:srgbClr val="FF0000"/>
-                </a:solidFill>
-              </a:rPr>
-              <a:t>Computationally </a:t>
-            </a:r>
-            <a:endParaRPr lang="en-US" dirty="0">
-              <a:solidFill>
-                <a:srgbClr val="FF0000"/>
-              </a:solidFill>
-            </a:endParaRPr>
-          </a:p>
-          <a:p>
-            <a:pPr lvl="1"/>
-            <a:endParaRPr lang="en-US" dirty="0"/>
-          </a:p>
-        </p:txBody>
-      </p:sp>
+              <a:rPr lang="en-US" dirty="0"/>
+              <a:t>Objects, textures, edges, shapes, etc.</a:t>
+            </a:r>
+          </a:p>
+          <a:p>
+            <a:r>
+              <a:rPr lang="en-US" dirty="0"/>
+              <a:t>Layers = Filters</a:t>
+            </a:r>
+          </a:p>
+          <a:p>
+            <a:r>
+              <a:rPr lang="en-US" dirty="0"/>
+              <a:t>Simple layers(edge 3x3) -&gt; intermediate layers(corners, shapes) -&gt; complicated layers(dog, cat)</a:t>
+            </a:r>
+          </a:p>
+        </p:txBody>
+      </p:sp>
+      <p:pic>
+        <p:nvPicPr>
+          <p:cNvPr id="4" name="Picture 4">
+            <a:extLst>
+              <a:ext uri="{FF2B5EF4-FFF2-40B4-BE49-F238E27FC236}">
+                <a16:creationId xmlns:a16="http://schemas.microsoft.com/office/drawing/2014/main" id="{915B3A18-D86E-4BD3-9D7D-01887347EC43}"/>
+              </a:ext>
+            </a:extLst>
+          </p:cNvPr>
+          <p:cNvPicPr>
+            <a:picLocks noChangeAspect="1" noChangeArrowheads="1"/>
+          </p:cNvPicPr>
+          <p:nvPr/>
+        </p:nvPicPr>
+        <p:blipFill>
+          <a:blip r:embed="rId2">
+            <a:extLst>
+              <a:ext uri="{28A0092B-C50C-407E-A947-70E740481C1C}">
+                <a14:useLocalDpi xmlns:a14="http://schemas.microsoft.com/office/drawing/2010/main" val="0"/>
+              </a:ext>
+            </a:extLst>
+          </a:blip>
+          <a:srcRect/>
+          <a:stretch>
+            <a:fillRect/>
+          </a:stretch>
+        </p:blipFill>
+        <p:spPr bwMode="auto">
+          <a:xfrm>
+            <a:off x="10932640" y="230164"/>
+            <a:ext cx="1087909" cy="318931"/>
+          </a:xfrm>
+          <a:prstGeom prst="rect">
+            <a:avLst/>
+          </a:prstGeom>
+          <a:noFill/>
+          <a:extLst>
+            <a:ext uri="{909E8E84-426E-40DD-AFC4-6F175D3DCCD1}">
+              <a14:hiddenFill xmlns:a14="http://schemas.microsoft.com/office/drawing/2010/main">
+                <a:solidFill>
+                  <a:srgbClr val="FFFFFF"/>
+                </a:solidFill>
+              </a14:hiddenFill>
+            </a:ext>
+          </a:extLst>
+        </p:spPr>
+      </p:pic>
     </p:spTree>
     <p:extLst>
       <p:ext uri="{BB962C8B-B14F-4D97-AF65-F5344CB8AC3E}">
-        <p14:creationId xmlns:p14="http://schemas.microsoft.com/office/powerpoint/2010/main" val="4210663553"/>
+        <p14:creationId xmlns:p14="http://schemas.microsoft.com/office/powerpoint/2010/main" val="4227201955"/>
       </p:ext>
     </p:extLst>
   </p:cSld>
@@ -3820,7 +5683,7 @@
           <p:cNvPr id="2" name="Title 1">
             <a:extLst>
               <a:ext uri="{FF2B5EF4-FFF2-40B4-BE49-F238E27FC236}">
-                <a16:creationId xmlns:a16="http://schemas.microsoft.com/office/drawing/2014/main" id="{9C3A7B7E-7EE1-408B-B686-FB580A1AB0A0}"/>
+                <a16:creationId xmlns:a16="http://schemas.microsoft.com/office/drawing/2014/main" id="{7AFC97CE-F42B-4E95-83E3-12ABA4EA0730}"/>
               </a:ext>
             </a:extLst>
           </p:cNvPr>
@@ -3833,12 +5696,22 @@
         </p:nvSpPr>
         <p:spPr/>
         <p:txBody>
-          <a:bodyPr/>
-          <a:lstStyle/>
-          <a:p>
-            <a:r>
-              <a:rPr lang="en-US" dirty="0"/>
-              <a:t>Short Summary</a:t>
+          <a:bodyPr>
+            <a:normAutofit fontScale="90000"/>
+          </a:bodyPr>
+          <a:lstStyle/>
+          <a:p>
+            <a:r>
+              <a:rPr lang="en-US" dirty="0"/>
+              <a:t>What is </a:t>
+            </a:r>
+            <a:r>
+              <a:rPr lang="en-US" dirty="0" err="1"/>
+              <a:t>relu</a:t>
+            </a:r>
+            <a:r>
+              <a:rPr lang="en-US" dirty="0"/>
+              <a:t>(Rectified Linear Unit) Activation function and backpropagation?</a:t>
             </a:r>
           </a:p>
         </p:txBody>
@@ -3848,7 +5721,7 @@
           <p:cNvPr id="3" name="Content Placeholder 2">
             <a:extLst>
               <a:ext uri="{FF2B5EF4-FFF2-40B4-BE49-F238E27FC236}">
-                <a16:creationId xmlns:a16="http://schemas.microsoft.com/office/drawing/2014/main" id="{A7F8374E-E94B-48BE-935A-63FD868342D4}"/>
+                <a16:creationId xmlns:a16="http://schemas.microsoft.com/office/drawing/2014/main" id="{03B76668-DFF5-4D9B-A80A-4719FCD886A0}"/>
               </a:ext>
             </a:extLst>
           </p:cNvPr>
@@ -3861,24 +5734,47 @@
         </p:nvSpPr>
         <p:spPr/>
         <p:txBody>
-          <a:bodyPr/>
-          <a:lstStyle/>
-          <a:p>
-            <a:r>
-              <a:rPr lang="en-US" dirty="0"/>
-              <a:t>Problems addressed:</a:t>
-            </a:r>
-          </a:p>
-          <a:p>
-            <a:r>
-              <a:rPr lang="en-US" dirty="0"/>
-              <a:t>Significance of the problems:</a:t>
-            </a:r>
-          </a:p>
-          <a:p>
-            <a:r>
-              <a:rPr lang="en-US" dirty="0"/>
-              <a:t>Approach used to solve the problems:</a:t>
+          <a:bodyPr>
+            <a:normAutofit fontScale="92500" lnSpcReduction="10000"/>
+          </a:bodyPr>
+          <a:lstStyle/>
+          <a:p>
+            <a:r>
+              <a:rPr lang="en-US" dirty="0"/>
+              <a:t>First, neural network consists of nodes and connections between the nodes that provides the weights and biases.</a:t>
+            </a:r>
+          </a:p>
+          <a:p>
+            <a:r>
+              <a:rPr lang="en-US" dirty="0"/>
+              <a:t>Back propagation fills the empty parameters -&gt; slope and intercept</a:t>
+            </a:r>
+          </a:p>
+          <a:p>
+            <a:r>
+              <a:rPr lang="en-US" dirty="0"/>
+              <a:t>Bent activation node, zero until a point, rest is linear.</a:t>
+            </a:r>
+          </a:p>
+          <a:p>
+            <a:endParaRPr lang="en-US" dirty="0"/>
+          </a:p>
+          <a:p>
+            <a:r>
+              <a:rPr lang="en-US" dirty="0"/>
+              <a:t>Chain rule and gradient descent to provide the weights and biases for backpropagation.</a:t>
+            </a:r>
+          </a:p>
+          <a:p>
+            <a:r>
+              <a:rPr lang="en-US" dirty="0"/>
+              <a:t>First determine the last parameter bias by gradient descent and with optimal past parameters.</a:t>
+            </a:r>
+          </a:p>
+          <a:p>
+            <a:r>
+              <a:rPr lang="en-US" dirty="0"/>
+              <a:t>Then use derivative of SSR over the last parameter bias.</a:t>
             </a:r>
           </a:p>
         </p:txBody>
@@ -3886,7 +5782,7 @@
     </p:spTree>
     <p:extLst>
       <p:ext uri="{BB962C8B-B14F-4D97-AF65-F5344CB8AC3E}">
-        <p14:creationId xmlns:p14="http://schemas.microsoft.com/office/powerpoint/2010/main" val="2525600589"/>
+        <p14:creationId xmlns:p14="http://schemas.microsoft.com/office/powerpoint/2010/main" val="318570986"/>
       </p:ext>
     </p:extLst>
   </p:cSld>
@@ -3918,7 +5814,7 @@
           <p:cNvPr id="2" name="Title 1">
             <a:extLst>
               <a:ext uri="{FF2B5EF4-FFF2-40B4-BE49-F238E27FC236}">
-                <a16:creationId xmlns:a16="http://schemas.microsoft.com/office/drawing/2014/main" id="{19C82CCC-6D75-4055-815F-DDAD58C80BEE}"/>
+                <a16:creationId xmlns:a16="http://schemas.microsoft.com/office/drawing/2014/main" id="{0D50A57F-32D7-44E9-86E5-950DC3B1500B}"/>
               </a:ext>
             </a:extLst>
           </p:cNvPr>
@@ -3936,8 +5832,13 @@
           <a:p>
             <a:r>
               <a:rPr lang="en-US" dirty="0"/>
-              <a:t>Assessment of strengths</a:t>
-            </a:r>
+              <a:t>What is max pooling &amp; </a:t>
+            </a:r>
+            <a:r>
+              <a:rPr lang="en-US" dirty="0" err="1"/>
+              <a:t>Softmax</a:t>
+            </a:r>
+            <a:endParaRPr lang="en-US" dirty="0"/>
           </a:p>
         </p:txBody>
       </p:sp>
@@ -3946,7 +5847,7 @@
           <p:cNvPr id="3" name="Content Placeholder 2">
             <a:extLst>
               <a:ext uri="{FF2B5EF4-FFF2-40B4-BE49-F238E27FC236}">
-                <a16:creationId xmlns:a16="http://schemas.microsoft.com/office/drawing/2014/main" id="{00774AD3-767F-4055-99E4-0935A3DE504D}"/>
+                <a16:creationId xmlns:a16="http://schemas.microsoft.com/office/drawing/2014/main" id="{784EFB72-C30A-4605-8C8D-3036845C42F9}"/>
               </a:ext>
             </a:extLst>
           </p:cNvPr>
@@ -3964,7 +5865,48 @@
           <a:p>
             <a:r>
               <a:rPr lang="en-US" dirty="0"/>
-              <a:t>Why it was better than existing techniques at that time (2015)</a:t>
+              <a:t>Follows the convolutional layer output.</a:t>
+            </a:r>
+          </a:p>
+          <a:p>
+            <a:r>
+              <a:rPr lang="en-US" dirty="0"/>
+              <a:t>Decreases the image pixel width and height.</a:t>
+            </a:r>
+          </a:p>
+          <a:p>
+            <a:r>
+              <a:rPr lang="en-US" dirty="0"/>
+              <a:t>Defined by filter size (like 2x2) and stride(how many pixel to slide).</a:t>
+            </a:r>
+          </a:p>
+          <a:p>
+            <a:endParaRPr lang="en-US" dirty="0"/>
+          </a:p>
+          <a:p>
+            <a:r>
+              <a:rPr lang="en-US" dirty="0"/>
+              <a:t>SoftMax = higher dimension sigmoid.</a:t>
+            </a:r>
+          </a:p>
+          <a:p>
+            <a:r>
+              <a:rPr lang="en-US" dirty="0"/>
+              <a:t>Goal is to transform the unbounded probability into a probability vector.</a:t>
+            </a:r>
+          </a:p>
+          <a:p>
+            <a:r>
+              <a:rPr lang="en-US" dirty="0"/>
+              <a:t>It uses </a:t>
+            </a:r>
+            <a:r>
+              <a:rPr lang="en-US" dirty="0" err="1"/>
+              <a:t>euler’s</a:t>
+            </a:r>
+            <a:r>
+              <a:rPr lang="en-US" dirty="0"/>
+              <a:t> exponent.</a:t>
             </a:r>
           </a:p>
         </p:txBody>
@@ -3972,7 +5914,7 @@
     </p:spTree>
     <p:extLst>
       <p:ext uri="{BB962C8B-B14F-4D97-AF65-F5344CB8AC3E}">
-        <p14:creationId xmlns:p14="http://schemas.microsoft.com/office/powerpoint/2010/main" val="3886362596"/>
+        <p14:creationId xmlns:p14="http://schemas.microsoft.com/office/powerpoint/2010/main" val="623078829"/>
       </p:ext>
     </p:extLst>
   </p:cSld>
@@ -4004,7 +5946,7 @@
           <p:cNvPr id="2" name="Title 1">
             <a:extLst>
               <a:ext uri="{FF2B5EF4-FFF2-40B4-BE49-F238E27FC236}">
-                <a16:creationId xmlns:a16="http://schemas.microsoft.com/office/drawing/2014/main" id="{28E6A009-02DE-4BB4-8B73-F4234A45EE16}"/>
+                <a16:creationId xmlns:a16="http://schemas.microsoft.com/office/drawing/2014/main" id="{E6566FFD-3A6C-4C51-BEDE-C2665D8B39C1}"/>
               </a:ext>
             </a:extLst>
           </p:cNvPr>
@@ -4022,7 +5964,7 @@
           <a:p>
             <a:r>
               <a:rPr lang="en-US" dirty="0"/>
-              <a:t>Assessment of weaknesses</a:t>
+              <a:t>What is R-CNN?</a:t>
             </a:r>
           </a:p>
         </p:txBody>
@@ -4032,7 +5974,7 @@
           <p:cNvPr id="3" name="Content Placeholder 2">
             <a:extLst>
               <a:ext uri="{FF2B5EF4-FFF2-40B4-BE49-F238E27FC236}">
-                <a16:creationId xmlns:a16="http://schemas.microsoft.com/office/drawing/2014/main" id="{3E318CCD-D202-4AEC-9B7E-674F246F5319}"/>
+                <a16:creationId xmlns:a16="http://schemas.microsoft.com/office/drawing/2014/main" id="{7A4C99A5-F247-4D14-9595-B1099DEB39F1}"/>
               </a:ext>
             </a:extLst>
           </p:cNvPr>
@@ -4045,29 +5987,136 @@
         </p:nvSpPr>
         <p:spPr/>
         <p:txBody>
-          <a:bodyPr/>
-          <a:lstStyle/>
-          <a:p>
-            <a:r>
-              <a:rPr lang="en-US" dirty="0"/>
-              <a:t>Assumptions that are used:</a:t>
-            </a:r>
-          </a:p>
-          <a:p>
-            <a:r>
-              <a:rPr lang="en-US" dirty="0"/>
-              <a:t>When the algorithm might fail:</a:t>
-            </a:r>
-          </a:p>
-          <a:p>
+          <a:bodyPr>
+            <a:normAutofit lnSpcReduction="10000"/>
+          </a:bodyPr>
+          <a:lstStyle/>
+          <a:p>
+            <a:r>
+              <a:rPr lang="en-US" dirty="0"/>
+              <a:t>Input image -&gt; selective search -&gt; initial segmentation -&gt; after many iteration -&gt; bounding box -&gt; into the CNN</a:t>
+            </a:r>
+          </a:p>
+          <a:p>
+            <a:r>
+              <a:rPr lang="en-US" dirty="0"/>
+              <a:t>Extract region proposal from bounding box -&gt; crop -&gt; CNN -&gt; classification</a:t>
+            </a:r>
+          </a:p>
+          <a:p>
+            <a:r>
+              <a:rPr lang="en-US" dirty="0">
+                <a:solidFill>
+                  <a:srgbClr val="FF0000"/>
+                </a:solidFill>
+              </a:rPr>
+              <a:t>Problem addressed:</a:t>
+            </a:r>
+          </a:p>
+          <a:p>
+            <a:pPr marL="457200" lvl="1" indent="0">
+              <a:buNone/>
+            </a:pPr>
+            <a:r>
+              <a:rPr lang="en-US" dirty="0">
+                <a:solidFill>
+                  <a:srgbClr val="FF0000"/>
+                </a:solidFill>
+              </a:rPr>
+              <a:t>Region loses detail when cropped to fit into the fixed-sized CNN.</a:t>
+            </a:r>
+          </a:p>
+          <a:p>
+            <a:pPr marL="457200" lvl="1" indent="0">
+              <a:buNone/>
+            </a:pPr>
+            <a:r>
+              <a:rPr lang="en-US" dirty="0">
+                <a:solidFill>
+                  <a:srgbClr val="FF0000"/>
+                </a:solidFill>
+              </a:rPr>
+              <a:t>There could be too much bounding box to pass to the CNN and they have to pass one by one</a:t>
+            </a:r>
+          </a:p>
+          <a:p>
+            <a:r>
+              <a:rPr lang="en-US" dirty="0">
+                <a:solidFill>
+                  <a:srgbClr val="FF0000"/>
+                </a:solidFill>
+              </a:rPr>
+              <a:t>Significance of the problems:</a:t>
+            </a:r>
+          </a:p>
+          <a:p>
+            <a:pPr lvl="1"/>
+            <a:r>
+              <a:rPr lang="en-US" dirty="0">
+                <a:solidFill>
+                  <a:srgbClr val="FF0000"/>
+                </a:solidFill>
+              </a:rPr>
+              <a:t>Computationally expensive.</a:t>
+            </a:r>
+          </a:p>
+          <a:p>
+            <a:pPr lvl="1"/>
             <a:endParaRPr lang="en-US" dirty="0"/>
           </a:p>
         </p:txBody>
       </p:sp>
+      <p:pic>
+        <p:nvPicPr>
+          <p:cNvPr id="4" name="Picture 4">
+            <a:extLst>
+              <a:ext uri="{FF2B5EF4-FFF2-40B4-BE49-F238E27FC236}">
+                <a16:creationId xmlns:a16="http://schemas.microsoft.com/office/drawing/2014/main" id="{27A3B74C-1B9F-411E-AF03-312ED1CFB609}"/>
+              </a:ext>
+            </a:extLst>
+          </p:cNvPr>
+          <p:cNvPicPr>
+            <a:picLocks noChangeAspect="1" noChangeArrowheads="1"/>
+          </p:cNvPicPr>
+          <p:nvPr/>
+        </p:nvPicPr>
+        <p:blipFill>
+          <a:blip r:embed="rId2">
+            <a:extLst>
+              <a:ext uri="{28A0092B-C50C-407E-A947-70E740481C1C}">
+                <a14:useLocalDpi xmlns:a14="http://schemas.microsoft.com/office/drawing/2010/main" val="0"/>
+              </a:ext>
+            </a:extLst>
+          </a:blip>
+          <a:srcRect/>
+          <a:stretch>
+            <a:fillRect/>
+          </a:stretch>
+        </p:blipFill>
+        <p:spPr bwMode="auto">
+          <a:xfrm>
+            <a:off x="10932640" y="230164"/>
+            <a:ext cx="1087909" cy="318931"/>
+          </a:xfrm>
+          <a:prstGeom prst="rect">
+            <a:avLst/>
+          </a:prstGeom>
+          <a:noFill/>
+          <a:extLst>
+            <a:ext uri="{909E8E84-426E-40DD-AFC4-6F175D3DCCD1}">
+              <a14:hiddenFill xmlns:a14="http://schemas.microsoft.com/office/drawing/2010/main">
+                <a:solidFill>
+                  <a:srgbClr val="FFFFFF"/>
+                </a:solidFill>
+              </a14:hiddenFill>
+            </a:ext>
+          </a:extLst>
+        </p:spPr>
+      </p:pic>
     </p:spTree>
     <p:extLst>
       <p:ext uri="{BB962C8B-B14F-4D97-AF65-F5344CB8AC3E}">
-        <p14:creationId xmlns:p14="http://schemas.microsoft.com/office/powerpoint/2010/main" val="876922125"/>
+        <p14:creationId xmlns:p14="http://schemas.microsoft.com/office/powerpoint/2010/main" val="4210663553"/>
       </p:ext>
     </p:extLst>
   </p:cSld>
@@ -4099,7 +6148,7 @@
           <p:cNvPr id="2" name="Title 1">
             <a:extLst>
               <a:ext uri="{FF2B5EF4-FFF2-40B4-BE49-F238E27FC236}">
-                <a16:creationId xmlns:a16="http://schemas.microsoft.com/office/drawing/2014/main" id="{C4E85DFD-4D76-469D-BD17-4AA22FC0A280}"/>
+                <a16:creationId xmlns:a16="http://schemas.microsoft.com/office/drawing/2014/main" id="{C1CCFFEC-3C4C-4562-BB02-54A07AD505CE}"/>
               </a:ext>
             </a:extLst>
           </p:cNvPr>
@@ -4117,7 +6166,7 @@
           <a:p>
             <a:r>
               <a:rPr lang="en-US" dirty="0"/>
-              <a:t>Questions Regarding the Work</a:t>
+              <a:t>Fast R-CNN</a:t>
             </a:r>
           </a:p>
         </p:txBody>
@@ -4127,7 +6176,7 @@
           <p:cNvPr id="3" name="Content Placeholder 2">
             <a:extLst>
               <a:ext uri="{FF2B5EF4-FFF2-40B4-BE49-F238E27FC236}">
-                <a16:creationId xmlns:a16="http://schemas.microsoft.com/office/drawing/2014/main" id="{AE77AC29-ECAE-4291-A45A-21A46794989E}"/>
+                <a16:creationId xmlns:a16="http://schemas.microsoft.com/office/drawing/2014/main" id="{557AD66B-E900-4D4C-AE1A-8C979E18E0F6}"/>
               </a:ext>
             </a:extLst>
           </p:cNvPr>
@@ -4140,17 +6189,214 @@
         </p:nvSpPr>
         <p:spPr/>
         <p:txBody>
-          <a:bodyPr/>
-          <a:lstStyle/>
-          <a:p>
-            <a:endParaRPr lang="en-US"/>
-          </a:p>
-        </p:txBody>
-      </p:sp>
+          <a:bodyPr>
+            <a:normAutofit lnSpcReduction="10000"/>
+          </a:bodyPr>
+          <a:lstStyle/>
+          <a:p>
+            <a:r>
+              <a:rPr lang="en-US" dirty="0"/>
+              <a:t>Approach used to solve the problems:</a:t>
+            </a:r>
+          </a:p>
+          <a:p>
+            <a:pPr lvl="1"/>
+            <a:r>
+              <a:rPr lang="en-US" dirty="0"/>
+              <a:t>Still does selective search region proposals.</a:t>
+            </a:r>
+          </a:p>
+          <a:p>
+            <a:pPr lvl="1"/>
+            <a:r>
+              <a:rPr lang="en-US" dirty="0"/>
+              <a:t>Passes the entire image into the deep </a:t>
+            </a:r>
+            <a:r>
+              <a:rPr lang="en-US" dirty="0" err="1"/>
+              <a:t>ConvNet</a:t>
+            </a:r>
+            <a:r>
+              <a:rPr lang="en-US" dirty="0"/>
+              <a:t> other than each </a:t>
+            </a:r>
+            <a:r>
+              <a:rPr lang="en-US" dirty="0" err="1"/>
+              <a:t>RoI</a:t>
+            </a:r>
+            <a:r>
+              <a:rPr lang="en-US" dirty="0"/>
+              <a:t> -&gt; the bounding box is projected onto the </a:t>
+            </a:r>
+            <a:r>
+              <a:rPr lang="en-US" dirty="0" err="1"/>
+              <a:t>RoI</a:t>
+            </a:r>
+            <a:r>
+              <a:rPr lang="en-US" dirty="0"/>
+              <a:t> feature map -&gt; </a:t>
+            </a:r>
+            <a:r>
+              <a:rPr lang="en-US" dirty="0" err="1"/>
+              <a:t>RoI</a:t>
+            </a:r>
+            <a:r>
+              <a:rPr lang="en-US" dirty="0"/>
+              <a:t> pooling layer makes the projection into a fixed size -&gt; Fully connected network classification CNN</a:t>
+            </a:r>
+          </a:p>
+          <a:p>
+            <a:r>
+              <a:rPr lang="en-US" dirty="0"/>
+              <a:t>Because CNN is just layers of filters and max pooling, it can estimate at the end of the image output.</a:t>
+            </a:r>
+          </a:p>
+          <a:p>
+            <a:r>
+              <a:rPr lang="en-US" dirty="0"/>
+              <a:t>There may exist yet undiscovered techniques that allow dense boxes to perform as well as sparse proposals (wink wink)</a:t>
+            </a:r>
+          </a:p>
+        </p:txBody>
+      </p:sp>
+      <p:pic>
+        <p:nvPicPr>
+          <p:cNvPr id="4" name="Picture 4">
+            <a:extLst>
+              <a:ext uri="{FF2B5EF4-FFF2-40B4-BE49-F238E27FC236}">
+                <a16:creationId xmlns:a16="http://schemas.microsoft.com/office/drawing/2014/main" id="{0C69DA04-D128-495B-91DD-5C5E55F7BAAA}"/>
+              </a:ext>
+            </a:extLst>
+          </p:cNvPr>
+          <p:cNvPicPr>
+            <a:picLocks noChangeAspect="1" noChangeArrowheads="1"/>
+          </p:cNvPicPr>
+          <p:nvPr/>
+        </p:nvPicPr>
+        <p:blipFill>
+          <a:blip r:embed="rId2">
+            <a:extLst>
+              <a:ext uri="{28A0092B-C50C-407E-A947-70E740481C1C}">
+                <a14:useLocalDpi xmlns:a14="http://schemas.microsoft.com/office/drawing/2010/main" val="0"/>
+              </a:ext>
+            </a:extLst>
+          </a:blip>
+          <a:srcRect/>
+          <a:stretch>
+            <a:fillRect/>
+          </a:stretch>
+        </p:blipFill>
+        <p:spPr bwMode="auto">
+          <a:xfrm>
+            <a:off x="10932640" y="230164"/>
+            <a:ext cx="1087909" cy="318931"/>
+          </a:xfrm>
+          <a:prstGeom prst="rect">
+            <a:avLst/>
+          </a:prstGeom>
+          <a:noFill/>
+          <a:extLst>
+            <a:ext uri="{909E8E84-426E-40DD-AFC4-6F175D3DCCD1}">
+              <a14:hiddenFill xmlns:a14="http://schemas.microsoft.com/office/drawing/2010/main">
+                <a:solidFill>
+                  <a:srgbClr val="FFFFFF"/>
+                </a:solidFill>
+              </a14:hiddenFill>
+            </a:ext>
+          </a:extLst>
+        </p:spPr>
+      </p:pic>
     </p:spTree>
     <p:extLst>
       <p:ext uri="{BB962C8B-B14F-4D97-AF65-F5344CB8AC3E}">
-        <p14:creationId xmlns:p14="http://schemas.microsoft.com/office/powerpoint/2010/main" val="1726240952"/>
+        <p14:creationId xmlns:p14="http://schemas.microsoft.com/office/powerpoint/2010/main" val="1547928853"/>
+      </p:ext>
+    </p:extLst>
+  </p:cSld>
+  <p:clrMapOvr>
+    <a:masterClrMapping/>
+  </p:clrMapOvr>
+</p:sld>
+</file>
+
+<file path=ppt/slides/slide9.xml><?xml version="1.0" encoding="utf-8"?>
+<p:sld xmlns:a="http://schemas.openxmlformats.org/drawingml/2006/main" xmlns:r="http://schemas.openxmlformats.org/officeDocument/2006/relationships" xmlns:p="http://schemas.openxmlformats.org/presentationml/2006/main">
+  <p:cSld>
+    <p:spTree>
+      <p:nvGrpSpPr>
+        <p:cNvPr id="1" name=""/>
+        <p:cNvGrpSpPr/>
+        <p:nvPr/>
+      </p:nvGrpSpPr>
+      <p:grpSpPr>
+        <a:xfrm>
+          <a:off x="0" y="0"/>
+          <a:ext cx="0" cy="0"/>
+          <a:chOff x="0" y="0"/>
+          <a:chExt cx="0" cy="0"/>
+        </a:xfrm>
+      </p:grpSpPr>
+      <p:sp>
+        <p:nvSpPr>
+          <p:cNvPr id="2" name="Title 1">
+            <a:extLst>
+              <a:ext uri="{FF2B5EF4-FFF2-40B4-BE49-F238E27FC236}">
+                <a16:creationId xmlns:a16="http://schemas.microsoft.com/office/drawing/2014/main" id="{6F90621C-C727-4799-932C-8222A8A0ED6D}"/>
+              </a:ext>
+            </a:extLst>
+          </p:cNvPr>
+          <p:cNvSpPr>
+            <a:spLocks noGrp="1"/>
+          </p:cNvSpPr>
+          <p:nvPr>
+            <p:ph type="title"/>
+          </p:nvPr>
+        </p:nvSpPr>
+        <p:spPr/>
+        <p:txBody>
+          <a:bodyPr/>
+          <a:lstStyle/>
+          <a:p>
+            <a:r>
+              <a:rPr lang="en-US" dirty="0"/>
+              <a:t>Fast R-CNN</a:t>
+            </a:r>
+          </a:p>
+        </p:txBody>
+      </p:sp>
+      <p:pic>
+        <p:nvPicPr>
+          <p:cNvPr id="5" name="Content Placeholder 4">
+            <a:extLst>
+              <a:ext uri="{FF2B5EF4-FFF2-40B4-BE49-F238E27FC236}">
+                <a16:creationId xmlns:a16="http://schemas.microsoft.com/office/drawing/2014/main" id="{EBB28D11-6FED-4971-80C2-580BF21C762B}"/>
+              </a:ext>
+            </a:extLst>
+          </p:cNvPr>
+          <p:cNvPicPr>
+            <a:picLocks noGrp="1" noChangeAspect="1"/>
+          </p:cNvPicPr>
+          <p:nvPr>
+            <p:ph idx="1"/>
+          </p:nvPr>
+        </p:nvPicPr>
+        <p:blipFill>
+          <a:blip r:embed="rId2"/>
+          <a:stretch>
+            <a:fillRect/>
+          </a:stretch>
+        </p:blipFill>
+        <p:spPr>
+          <a:xfrm>
+            <a:off x="3868620" y="2016125"/>
+            <a:ext cx="4769085" cy="3449638"/>
+          </a:xfrm>
+        </p:spPr>
+      </p:pic>
+    </p:spTree>
+    <p:extLst>
+      <p:ext uri="{BB962C8B-B14F-4D97-AF65-F5344CB8AC3E}">
+        <p14:creationId xmlns:p14="http://schemas.microsoft.com/office/powerpoint/2010/main" val="612377356"/>
       </p:ext>
     </p:extLst>
   </p:cSld>
@@ -4161,9 +6407,9 @@
 </file>
 
 <file path=ppt/theme/theme1.xml><?xml version="1.0" encoding="utf-8"?>
-<a:theme xmlns:a="http://schemas.openxmlformats.org/drawingml/2006/main" name="Office Theme">
+<a:theme xmlns:a="http://schemas.openxmlformats.org/drawingml/2006/main" name="Gallery">
   <a:themeElements>
-    <a:clrScheme name="Office">
+    <a:clrScheme name="Gallery">
       <a:dk1>
         <a:sysClr val="windowText" lastClr="000000"/>
       </a:dk1>
@@ -4171,39 +6417,39 @@
         <a:sysClr val="window" lastClr="FFFFFF"/>
       </a:lt1>
       <a:dk2>
-        <a:srgbClr val="44546A"/>
+        <a:srgbClr val="454545"/>
       </a:dk2>
       <a:lt2>
-        <a:srgbClr val="E7E6E6"/>
+        <a:srgbClr val="DFDBD5"/>
       </a:lt2>
       <a:accent1>
-        <a:srgbClr val="4472C4"/>
+        <a:srgbClr val="B71E42"/>
       </a:accent1>
       <a:accent2>
-        <a:srgbClr val="ED7D31"/>
+        <a:srgbClr val="DE478E"/>
       </a:accent2>
       <a:accent3>
-        <a:srgbClr val="A5A5A5"/>
+        <a:srgbClr val="BC72F0"/>
       </a:accent3>
       <a:accent4>
-        <a:srgbClr val="FFC000"/>
+        <a:srgbClr val="795FAF"/>
       </a:accent4>
       <a:accent5>
-        <a:srgbClr val="5B9BD5"/>
+        <a:srgbClr val="586EA6"/>
       </a:accent5>
       <a:accent6>
-        <a:srgbClr val="70AD47"/>
+        <a:srgbClr val="6892A0"/>
       </a:accent6>
       <a:hlink>
-        <a:srgbClr val="0563C1"/>
+        <a:srgbClr val="FA2B5C"/>
       </a:hlink>
       <a:folHlink>
-        <a:srgbClr val="954F72"/>
+        <a:srgbClr val="BC658E"/>
       </a:folHlink>
     </a:clrScheme>
-    <a:fontScheme name="Office">
+    <a:fontScheme name="Gallery">
       <a:majorFont>
-        <a:latin typeface="Calibri Light" panose="020F0302020204030204"/>
+        <a:latin typeface="Gill Sans MT" panose="020B0502020104020203"/>
         <a:ea typeface=""/>
         <a:cs typeface=""/>
         <a:font script="Jpan" typeface="游ゴシック Light"/>
@@ -4236,26 +6482,9 @@
         <a:font script="Viet" typeface="Times New Roman"/>
         <a:font script="Uigh" typeface="Microsoft Uighur"/>
         <a:font script="Geor" typeface="Sylfaen"/>
-        <a:font script="Armn" typeface="Arial"/>
-        <a:font script="Bugi" typeface="Leelawadee UI"/>
-        <a:font script="Bopo" typeface="Microsoft JhengHei"/>
-        <a:font script="Java" typeface="Javanese Text"/>
-        <a:font script="Lisu" typeface="Segoe UI"/>
-        <a:font script="Mymr" typeface="Myanmar Text"/>
-        <a:font script="Nkoo" typeface="Ebrima"/>
-        <a:font script="Olck" typeface="Nirmala UI"/>
-        <a:font script="Osma" typeface="Ebrima"/>
-        <a:font script="Phag" typeface="Phagspa"/>
-        <a:font script="Syrn" typeface="Estrangelo Edessa"/>
-        <a:font script="Syrj" typeface="Estrangelo Edessa"/>
-        <a:font script="Syre" typeface="Estrangelo Edessa"/>
-        <a:font script="Sora" typeface="Nirmala UI"/>
-        <a:font script="Tale" typeface="Microsoft Tai Le"/>
-        <a:font script="Talu" typeface="Microsoft New Tai Lue"/>
-        <a:font script="Tfng" typeface="Ebrima"/>
       </a:majorFont>
       <a:minorFont>
-        <a:latin typeface="Calibri" panose="020F0502020204030204"/>
+        <a:latin typeface="Gill Sans MT" panose="020B0502020104020203"/>
         <a:ea typeface=""/>
         <a:cs typeface=""/>
         <a:font script="Jpan" typeface="游ゴシック"/>
@@ -4288,26 +6517,9 @@
         <a:font script="Viet" typeface="Arial"/>
         <a:font script="Uigh" typeface="Microsoft Uighur"/>
         <a:font script="Geor" typeface="Sylfaen"/>
-        <a:font script="Armn" typeface="Arial"/>
-        <a:font script="Bugi" typeface="Leelawadee UI"/>
-        <a:font script="Bopo" typeface="Microsoft JhengHei"/>
-        <a:font script="Java" typeface="Javanese Text"/>
-        <a:font script="Lisu" typeface="Segoe UI"/>
-        <a:font script="Mymr" typeface="Myanmar Text"/>
-        <a:font script="Nkoo" typeface="Ebrima"/>
-        <a:font script="Olck" typeface="Nirmala UI"/>
-        <a:font script="Osma" typeface="Ebrima"/>
-        <a:font script="Phag" typeface="Phagspa"/>
-        <a:font script="Syrn" typeface="Estrangelo Edessa"/>
-        <a:font script="Syrj" typeface="Estrangelo Edessa"/>
-        <a:font script="Syre" typeface="Estrangelo Edessa"/>
-        <a:font script="Sora" typeface="Nirmala UI"/>
-        <a:font script="Tale" typeface="Microsoft Tai Le"/>
-        <a:font script="Talu" typeface="Microsoft New Tai Lue"/>
-        <a:font script="Tfng" typeface="Ebrima"/>
       </a:minorFont>
     </a:fontScheme>
-    <a:fmtScheme name="Office">
+    <a:fmtScheme name="Gallery">
       <a:fillStyleLst>
         <a:solidFill>
           <a:schemeClr val="phClr"/>
@@ -4316,23 +6528,18 @@
           <a:gsLst>
             <a:gs pos="0">
               <a:schemeClr val="phClr">
+                <a:tint val="54000"/>
+                <a:alpha val="100000"/>
+                <a:satMod val="105000"/>
                 <a:lumMod val="110000"/>
-                <a:satMod val="105000"/>
-                <a:tint val="67000"/>
-              </a:schemeClr>
-            </a:gs>
-            <a:gs pos="50000">
-              <a:schemeClr val="phClr">
-                <a:lumMod val="105000"/>
-                <a:satMod val="103000"/>
-                <a:tint val="73000"/>
               </a:schemeClr>
             </a:gs>
             <a:gs pos="100000">
               <a:schemeClr val="phClr">
-                <a:lumMod val="105000"/>
+                <a:tint val="78000"/>
+                <a:alpha val="92000"/>
                 <a:satMod val="109000"/>
-                <a:tint val="81000"/>
+                <a:lumMod val="100000"/>
               </a:schemeClr>
             </a:gs>
           </a:gsLst>
@@ -4342,23 +6549,23 @@
           <a:gsLst>
             <a:gs pos="0">
               <a:schemeClr val="phClr">
-                <a:satMod val="103000"/>
-                <a:lumMod val="102000"/>
-                <a:tint val="94000"/>
+                <a:tint val="98000"/>
+                <a:satMod val="110000"/>
+                <a:lumMod val="104000"/>
               </a:schemeClr>
             </a:gs>
-            <a:gs pos="50000">
+            <a:gs pos="69000">
               <a:schemeClr val="phClr">
-                <a:satMod val="110000"/>
-                <a:lumMod val="100000"/>
-                <a:shade val="100000"/>
+                <a:shade val="88000"/>
+                <a:satMod val="130000"/>
+                <a:lumMod val="92000"/>
               </a:schemeClr>
             </a:gs>
             <a:gs pos="100000">
               <a:schemeClr val="phClr">
-                <a:lumMod val="99000"/>
-                <a:satMod val="120000"/>
                 <a:shade val="78000"/>
+                <a:satMod val="130000"/>
+                <a:lumMod val="92000"/>
               </a:schemeClr>
             </a:gs>
           </a:gsLst>
@@ -4366,26 +6573,23 @@
         </a:gradFill>
       </a:fillStyleLst>
       <a:lnStyleLst>
-        <a:ln w="6350" cap="flat" cmpd="sng" algn="ctr">
+        <a:ln w="9525" cap="flat" cmpd="sng" algn="ctr">
           <a:solidFill>
             <a:schemeClr val="phClr"/>
           </a:solidFill>
           <a:prstDash val="solid"/>
-          <a:miter lim="800000"/>
         </a:ln>
-        <a:ln w="12700" cap="flat" cmpd="sng" algn="ctr">
+        <a:ln w="15875" cap="flat" cmpd="sng" algn="ctr">
           <a:solidFill>
             <a:schemeClr val="phClr"/>
           </a:solidFill>
           <a:prstDash val="solid"/>
-          <a:miter lim="800000"/>
         </a:ln>
-        <a:ln w="19050" cap="flat" cmpd="sng" algn="ctr">
+        <a:ln w="22225" cap="flat" cmpd="sng" algn="ctr">
           <a:solidFill>
             <a:schemeClr val="phClr"/>
           </a:solidFill>
           <a:prstDash val="solid"/>
-          <a:miter lim="800000"/>
         </a:ln>
       </a:lnStyleLst>
       <a:effectStyleLst>
@@ -4397,12 +6601,23 @@
         </a:effectStyle>
         <a:effectStyle>
           <a:effectLst>
-            <a:outerShdw blurRad="57150" dist="19050" dir="5400000" algn="ctr" rotWithShape="0">
+            <a:outerShdw blurRad="50800" dist="50800" dir="5400000" sx="96000" sy="96000" rotWithShape="0">
               <a:srgbClr val="000000">
-                <a:alpha val="63000"/>
+                <a:alpha val="48000"/>
               </a:srgbClr>
             </a:outerShdw>
           </a:effectLst>
+          <a:scene3d>
+            <a:camera prst="orthographicFront">
+              <a:rot lat="0" lon="0" rev="0"/>
+            </a:camera>
+            <a:lightRig rig="balanced" dir="t">
+              <a:rot lat="0" lon="0" rev="1080000"/>
+            </a:lightRig>
+          </a:scene3d>
+          <a:sp3d>
+            <a:bevelT w="38100" h="12700" prst="softRound"/>
+          </a:sp3d>
         </a:effectStyle>
       </a:effectStyleLst>
       <a:bgFillStyleLst>
@@ -4410,37 +6625,26 @@
           <a:schemeClr val="phClr"/>
         </a:solidFill>
         <a:solidFill>
-          <a:schemeClr val="phClr">
-            <a:tint val="95000"/>
-            <a:satMod val="170000"/>
-          </a:schemeClr>
+          <a:schemeClr val="phClr"/>
         </a:solidFill>
         <a:gradFill rotWithShape="1">
           <a:gsLst>
             <a:gs pos="0">
               <a:schemeClr val="phClr">
-                <a:tint val="93000"/>
-                <a:satMod val="150000"/>
-                <a:shade val="98000"/>
-                <a:lumMod val="102000"/>
-              </a:schemeClr>
-            </a:gs>
-            <a:gs pos="50000">
-              <a:schemeClr val="phClr">
-                <a:tint val="98000"/>
-                <a:satMod val="130000"/>
-                <a:shade val="90000"/>
-                <a:lumMod val="103000"/>
+                <a:tint val="94000"/>
+                <a:satMod val="80000"/>
+                <a:lumMod val="106000"/>
               </a:schemeClr>
             </a:gs>
             <a:gs pos="100000">
               <a:schemeClr val="phClr">
-                <a:shade val="63000"/>
-                <a:satMod val="120000"/>
+                <a:shade val="80000"/>
               </a:schemeClr>
             </a:gs>
           </a:gsLst>
-          <a:lin ang="5400000" scaled="0"/>
+          <a:path path="circle">
+            <a:fillToRect l="43000" r="43000" b="100000"/>
+          </a:path>
         </a:gradFill>
       </a:bgFillStyleLst>
     </a:fmtScheme>
@@ -4449,7 +6653,7 @@
   <a:extraClrSchemeLst/>
   <a:extLst>
     <a:ext uri="{05A4C25C-085E-4340-85A3-A5531E510DB2}">
-      <thm15:themeFamily xmlns:thm15="http://schemas.microsoft.com/office/thememl/2012/main" name="Office Theme" id="{62F939B6-93AF-4DB8-9C6B-D6C7DFDC589F}" vid="{4A3C46E8-61CC-4603-A589-7422A47A8E4A}"/>
+      <thm15:themeFamily xmlns:thm15="http://schemas.microsoft.com/office/thememl/2012/main" name="Gallery" id="{BBFCD31E-59A1-489D-B089-A3EAD7CAE12E}" vid="{F5E91637-A7B6-4E27-B710-77DA7014EE1E}"/>
     </a:ext>
   </a:extLst>
 </a:theme>
